--- a/12-models-3.pptx
+++ b/12-models-3.pptx
@@ -1,33 +1,34 @@
 
 <file path=ppt/presentation.xml><?xml version="1.0" encoding="utf-8"?>
-<p:presentation xmlns:a="http://schemas.openxmlformats.org/drawingml/2006/main" xmlns:r="http://schemas.openxmlformats.org/officeDocument/2006/relationships" xmlns:mc="http://schemas.openxmlformats.org/markup-compatibility/2006" xmlns:mv="urn:schemas-microsoft-com:mac:vml" xmlns:p="http://schemas.openxmlformats.org/presentationml/2006/main" xmlns:c="http://schemas.openxmlformats.org/drawingml/2006/chart" xmlns:dgm="http://schemas.openxmlformats.org/drawingml/2006/diagram" xmlns:o="urn:schemas-microsoft-com:office:office" xmlns:v="urn:schemas-microsoft-com:vml" xmlns:pvml="urn:schemas-microsoft-com:office:powerpoint" xmlns:com="http://schemas.openxmlformats.org/drawingml/2006/compatibility" xmlns:p14="http://schemas.microsoft.com/office/powerpoint/2010/main" xmlns:p15="http://schemas.microsoft.com/office/powerpoint/2012/main" autoCompressPictures="0" strictFirstAndLastChars="0" saveSubsetFonts="1">
+<p:presentation xmlns:a="http://schemas.openxmlformats.org/drawingml/2006/main" xmlns:r="http://schemas.openxmlformats.org/officeDocument/2006/relationships" xmlns:p="http://schemas.openxmlformats.org/presentationml/2006/main" strictFirstAndLastChars="0" saveSubsetFonts="1" autoCompressPictures="0">
   <p:sldMasterIdLst>
-    <p:sldMasterId id="2147483659" r:id="rId3"/>
+    <p:sldMasterId id="2147483659" r:id="rId1"/>
   </p:sldMasterIdLst>
   <p:notesMasterIdLst>
-    <p:notesMasterId r:id="rId4"/>
+    <p:notesMasterId r:id="rId18"/>
   </p:notesMasterIdLst>
   <p:sldIdLst>
-    <p:sldId id="256" r:id="rId5"/>
-    <p:sldId id="257" r:id="rId6"/>
-    <p:sldId id="258" r:id="rId7"/>
-    <p:sldId id="259" r:id="rId8"/>
-    <p:sldId id="260" r:id="rId9"/>
-    <p:sldId id="261" r:id="rId10"/>
-    <p:sldId id="262" r:id="rId11"/>
-    <p:sldId id="263" r:id="rId12"/>
-    <p:sldId id="264" r:id="rId13"/>
-    <p:sldId id="265" r:id="rId14"/>
-    <p:sldId id="266" r:id="rId15"/>
-    <p:sldId id="267" r:id="rId16"/>
-    <p:sldId id="268" r:id="rId17"/>
-    <p:sldId id="269" r:id="rId18"/>
-    <p:sldId id="270" r:id="rId19"/>
+    <p:sldId id="256" r:id="rId2"/>
+    <p:sldId id="257" r:id="rId3"/>
+    <p:sldId id="258" r:id="rId4"/>
+    <p:sldId id="259" r:id="rId5"/>
+    <p:sldId id="260" r:id="rId6"/>
+    <p:sldId id="261" r:id="rId7"/>
+    <p:sldId id="262" r:id="rId8"/>
+    <p:sldId id="263" r:id="rId9"/>
+    <p:sldId id="264" r:id="rId10"/>
+    <p:sldId id="265" r:id="rId11"/>
+    <p:sldId id="266" r:id="rId12"/>
+    <p:sldId id="267" r:id="rId13"/>
+    <p:sldId id="268" r:id="rId14"/>
+    <p:sldId id="269" r:id="rId15"/>
+    <p:sldId id="270" r:id="rId16"/>
+    <p:sldId id="271" r:id="rId17"/>
   </p:sldIdLst>
-  <p:sldSz cy="5143500" cx="9144000"/>
+  <p:sldSz cx="9144000" cy="5143500" type="screen16x9"/>
   <p:notesSz cx="6858000" cy="9144000"/>
   <p:defaultTextStyle>
-    <a:defPPr lvl="0" marR="0" rtl="0" algn="l">
+    <a:defPPr marR="0" lvl="0" algn="l" rtl="0">
       <a:lnSpc>
         <a:spcPct val="100000"/>
       </a:lnSpc>
@@ -38,7 +39,7 @@
         <a:spcPts val="0"/>
       </a:spcAft>
     </a:defPPr>
-    <a:lvl1pPr lvl="0" marR="0" rtl="0" algn="l">
+    <a:lvl1pPr marR="0" lvl="0" algn="l" rtl="0">
       <a:lnSpc>
         <a:spcPct val="100000"/>
       </a:lnSpc>
@@ -52,7 +53,7 @@
         <a:srgbClr val="000000"/>
       </a:buClr>
       <a:buFont typeface="Arial"/>
-      <a:defRPr b="0" i="0" sz="1400" u="none" cap="none" strike="noStrike">
+      <a:defRPr sz="1400" b="0" i="0" u="none" strike="noStrike" cap="none">
         <a:solidFill>
           <a:srgbClr val="000000"/>
         </a:solidFill>
@@ -62,7 +63,7 @@
         <a:sym typeface="Arial"/>
       </a:defRPr>
     </a:lvl1pPr>
-    <a:lvl2pPr lvl="1" marR="0" rtl="0" algn="l">
+    <a:lvl2pPr marR="0" lvl="1" algn="l" rtl="0">
       <a:lnSpc>
         <a:spcPct val="100000"/>
       </a:lnSpc>
@@ -76,7 +77,7 @@
         <a:srgbClr val="000000"/>
       </a:buClr>
       <a:buFont typeface="Arial"/>
-      <a:defRPr b="0" i="0" sz="1400" u="none" cap="none" strike="noStrike">
+      <a:defRPr sz="1400" b="0" i="0" u="none" strike="noStrike" cap="none">
         <a:solidFill>
           <a:srgbClr val="000000"/>
         </a:solidFill>
@@ -86,7 +87,7 @@
         <a:sym typeface="Arial"/>
       </a:defRPr>
     </a:lvl2pPr>
-    <a:lvl3pPr lvl="2" marR="0" rtl="0" algn="l">
+    <a:lvl3pPr marR="0" lvl="2" algn="l" rtl="0">
       <a:lnSpc>
         <a:spcPct val="100000"/>
       </a:lnSpc>
@@ -100,7 +101,7 @@
         <a:srgbClr val="000000"/>
       </a:buClr>
       <a:buFont typeface="Arial"/>
-      <a:defRPr b="0" i="0" sz="1400" u="none" cap="none" strike="noStrike">
+      <a:defRPr sz="1400" b="0" i="0" u="none" strike="noStrike" cap="none">
         <a:solidFill>
           <a:srgbClr val="000000"/>
         </a:solidFill>
@@ -110,7 +111,7 @@
         <a:sym typeface="Arial"/>
       </a:defRPr>
     </a:lvl3pPr>
-    <a:lvl4pPr lvl="3" marR="0" rtl="0" algn="l">
+    <a:lvl4pPr marR="0" lvl="3" algn="l" rtl="0">
       <a:lnSpc>
         <a:spcPct val="100000"/>
       </a:lnSpc>
@@ -124,7 +125,7 @@
         <a:srgbClr val="000000"/>
       </a:buClr>
       <a:buFont typeface="Arial"/>
-      <a:defRPr b="0" i="0" sz="1400" u="none" cap="none" strike="noStrike">
+      <a:defRPr sz="1400" b="0" i="0" u="none" strike="noStrike" cap="none">
         <a:solidFill>
           <a:srgbClr val="000000"/>
         </a:solidFill>
@@ -134,7 +135,7 @@
         <a:sym typeface="Arial"/>
       </a:defRPr>
     </a:lvl4pPr>
-    <a:lvl5pPr lvl="4" marR="0" rtl="0" algn="l">
+    <a:lvl5pPr marR="0" lvl="4" algn="l" rtl="0">
       <a:lnSpc>
         <a:spcPct val="100000"/>
       </a:lnSpc>
@@ -148,7 +149,7 @@
         <a:srgbClr val="000000"/>
       </a:buClr>
       <a:buFont typeface="Arial"/>
-      <a:defRPr b="0" i="0" sz="1400" u="none" cap="none" strike="noStrike">
+      <a:defRPr sz="1400" b="0" i="0" u="none" strike="noStrike" cap="none">
         <a:solidFill>
           <a:srgbClr val="000000"/>
         </a:solidFill>
@@ -158,7 +159,7 @@
         <a:sym typeface="Arial"/>
       </a:defRPr>
     </a:lvl5pPr>
-    <a:lvl6pPr lvl="5" marR="0" rtl="0" algn="l">
+    <a:lvl6pPr marR="0" lvl="5" algn="l" rtl="0">
       <a:lnSpc>
         <a:spcPct val="100000"/>
       </a:lnSpc>
@@ -172,7 +173,7 @@
         <a:srgbClr val="000000"/>
       </a:buClr>
       <a:buFont typeface="Arial"/>
-      <a:defRPr b="0" i="0" sz="1400" u="none" cap="none" strike="noStrike">
+      <a:defRPr sz="1400" b="0" i="0" u="none" strike="noStrike" cap="none">
         <a:solidFill>
           <a:srgbClr val="000000"/>
         </a:solidFill>
@@ -182,7 +183,7 @@
         <a:sym typeface="Arial"/>
       </a:defRPr>
     </a:lvl6pPr>
-    <a:lvl7pPr lvl="6" marR="0" rtl="0" algn="l">
+    <a:lvl7pPr marR="0" lvl="6" algn="l" rtl="0">
       <a:lnSpc>
         <a:spcPct val="100000"/>
       </a:lnSpc>
@@ -196,7 +197,7 @@
         <a:srgbClr val="000000"/>
       </a:buClr>
       <a:buFont typeface="Arial"/>
-      <a:defRPr b="0" i="0" sz="1400" u="none" cap="none" strike="noStrike">
+      <a:defRPr sz="1400" b="0" i="0" u="none" strike="noStrike" cap="none">
         <a:solidFill>
           <a:srgbClr val="000000"/>
         </a:solidFill>
@@ -206,7 +207,7 @@
         <a:sym typeface="Arial"/>
       </a:defRPr>
     </a:lvl7pPr>
-    <a:lvl8pPr lvl="7" marR="0" rtl="0" algn="l">
+    <a:lvl8pPr marR="0" lvl="7" algn="l" rtl="0">
       <a:lnSpc>
         <a:spcPct val="100000"/>
       </a:lnSpc>
@@ -220,7 +221,7 @@
         <a:srgbClr val="000000"/>
       </a:buClr>
       <a:buFont typeface="Arial"/>
-      <a:defRPr b="0" i="0" sz="1400" u="none" cap="none" strike="noStrike">
+      <a:defRPr sz="1400" b="0" i="0" u="none" strike="noStrike" cap="none">
         <a:solidFill>
           <a:srgbClr val="000000"/>
         </a:solidFill>
@@ -230,7 +231,7 @@
         <a:sym typeface="Arial"/>
       </a:defRPr>
     </a:lvl8pPr>
-    <a:lvl9pPr lvl="8" marR="0" rtl="0" algn="l">
+    <a:lvl9pPr marR="0" lvl="8" algn="l" rtl="0">
       <a:lnSpc>
         <a:spcPct val="100000"/>
       </a:lnSpc>
@@ -244,7 +245,7 @@
         <a:srgbClr val="000000"/>
       </a:buClr>
       <a:buFont typeface="Arial"/>
-      <a:defRPr b="0" i="0" sz="1400" u="none" cap="none" strike="noStrike">
+      <a:defRPr sz="1400" b="0" i="0" u="none" strike="noStrike" cap="none">
         <a:solidFill>
           <a:srgbClr val="000000"/>
         </a:solidFill>
@@ -259,11 +260,16 @@
 </file>
 
 <file path=ppt/notesMasters/notesMaster1.xml><?xml version="1.0" encoding="utf-8"?>
-<p:notesMaster xmlns:a="http://schemas.openxmlformats.org/drawingml/2006/main" xmlns:r="http://schemas.openxmlformats.org/officeDocument/2006/relationships" xmlns:mc="http://schemas.openxmlformats.org/markup-compatibility/2006" xmlns:mv="urn:schemas-microsoft-com:mac:vml" xmlns:p="http://schemas.openxmlformats.org/presentationml/2006/main" xmlns:c="http://schemas.openxmlformats.org/drawingml/2006/chart" xmlns:dgm="http://schemas.openxmlformats.org/drawingml/2006/diagram" xmlns:o="urn:schemas-microsoft-com:office:office" xmlns:v="urn:schemas-microsoft-com:vml" xmlns:pvml="urn:schemas-microsoft-com:office:powerpoint" xmlns:com="http://schemas.openxmlformats.org/drawingml/2006/compatibility" xmlns:p14="http://schemas.microsoft.com/office/powerpoint/2010/main" xmlns:p15="http://schemas.microsoft.com/office/powerpoint/2012/main">
+<p:notesMaster xmlns:a="http://schemas.openxmlformats.org/drawingml/2006/main" xmlns:r="http://schemas.openxmlformats.org/officeDocument/2006/relationships" xmlns:p="http://schemas.openxmlformats.org/presentationml/2006/main">
   <p:cSld>
+    <p:bg>
+      <p:bgRef idx="1001">
+        <a:schemeClr val="bg1"/>
+      </p:bgRef>
+    </p:bg>
     <p:spTree>
       <p:nvGrpSpPr>
-        <p:cNvPr id="2" name="Shape 2"/>
+        <p:cNvPr id="1" name="Shape 2"/>
         <p:cNvGrpSpPr/>
         <p:nvPr/>
       </p:nvGrpSpPr>
@@ -278,9 +284,11 @@
       <p:sp>
         <p:nvSpPr>
           <p:cNvPr id="3" name="Shape 3"/>
-          <p:cNvSpPr/>
+          <p:cNvSpPr>
+            <a:spLocks noGrp="1" noRot="1" noChangeAspect="1"/>
+          </p:cNvSpPr>
           <p:nvPr>
-            <p:ph idx="2" type="sldImg"/>
+            <p:ph type="sldImg" idx="2"/>
           </p:nvPr>
         </p:nvSpPr>
         <p:spPr>
@@ -289,8 +297,13 @@
             <a:ext cx="6096075" cy="3429000"/>
           </a:xfrm>
           <a:custGeom>
+            <a:avLst/>
+            <a:gdLst/>
+            <a:ahLst/>
+            <a:cxnLst/>
+            <a:rect l="0" t="0" r="0" b="0"/>
             <a:pathLst>
-              <a:path extrusionOk="0" h="120000" w="120000">
+              <a:path w="120000" h="120000" extrusionOk="0">
                 <a:moveTo>
                   <a:pt x="0" y="0"/>
                 </a:moveTo>
@@ -308,23 +321,25 @@
             </a:pathLst>
           </a:custGeom>
           <a:noFill/>
-          <a:ln cap="flat" cmpd="sng" w="9525">
+          <a:ln w="9525" cap="flat" cmpd="sng">
             <a:solidFill>
               <a:srgbClr val="000000"/>
             </a:solidFill>
             <a:prstDash val="solid"/>
             <a:round/>
-            <a:headEnd len="sm" w="sm" type="none"/>
-            <a:tailEnd len="sm" w="sm" type="none"/>
+            <a:headEnd type="none" w="sm" len="sm"/>
+            <a:tailEnd type="none" w="sm" len="sm"/>
           </a:ln>
         </p:spPr>
       </p:sp>
       <p:sp>
         <p:nvSpPr>
           <p:cNvPr id="4" name="Shape 4"/>
-          <p:cNvSpPr txBox="1"/>
+          <p:cNvSpPr txBox="1">
+            <a:spLocks noGrp="1"/>
+          </p:cNvSpPr>
           <p:nvPr>
-            <p:ph idx="1" type="body"/>
+            <p:ph type="body" idx="1"/>
           </p:nvPr>
         </p:nvSpPr>
         <p:spPr>
@@ -341,9 +356,9 @@
           </a:ln>
         </p:spPr>
         <p:txBody>
-          <a:bodyPr anchorCtr="0" anchor="t" bIns="91425" lIns="91425" spcFirstLastPara="1" rIns="91425" wrap="square" tIns="91425"/>
+          <a:bodyPr spcFirstLastPara="1" wrap="square" lIns="91425" tIns="91425" rIns="91425" bIns="91425" anchor="t" anchorCtr="0"/>
           <a:lstStyle>
-            <a:lvl1pPr indent="-317500" lvl="0" marL="457200">
+            <a:lvl1pPr marL="457200" lvl="0" indent="-317500">
               <a:spcBef>
                 <a:spcPts val="0"/>
               </a:spcBef>
@@ -354,7 +369,7 @@
               <a:buChar char="●"/>
               <a:defRPr sz="1100"/>
             </a:lvl1pPr>
-            <a:lvl2pPr indent="-317500" lvl="1" marL="914400">
+            <a:lvl2pPr marL="914400" lvl="1" indent="-317500">
               <a:spcBef>
                 <a:spcPts val="0"/>
               </a:spcBef>
@@ -365,7 +380,7 @@
               <a:buChar char="○"/>
               <a:defRPr sz="1100"/>
             </a:lvl2pPr>
-            <a:lvl3pPr indent="-317500" lvl="2" marL="1371600">
+            <a:lvl3pPr marL="1371600" lvl="2" indent="-317500">
               <a:spcBef>
                 <a:spcPts val="0"/>
               </a:spcBef>
@@ -376,7 +391,7 @@
               <a:buChar char="■"/>
               <a:defRPr sz="1100"/>
             </a:lvl3pPr>
-            <a:lvl4pPr indent="-317500" lvl="3" marL="1828800">
+            <a:lvl4pPr marL="1828800" lvl="3" indent="-317500">
               <a:spcBef>
                 <a:spcPts val="0"/>
               </a:spcBef>
@@ -387,7 +402,7 @@
               <a:buChar char="●"/>
               <a:defRPr sz="1100"/>
             </a:lvl4pPr>
-            <a:lvl5pPr indent="-317500" lvl="4" marL="2286000">
+            <a:lvl5pPr marL="2286000" lvl="4" indent="-317500">
               <a:spcBef>
                 <a:spcPts val="0"/>
               </a:spcBef>
@@ -398,7 +413,7 @@
               <a:buChar char="○"/>
               <a:defRPr sz="1100"/>
             </a:lvl5pPr>
-            <a:lvl6pPr indent="-317500" lvl="5" marL="2743200">
+            <a:lvl6pPr marL="2743200" lvl="5" indent="-317500">
               <a:spcBef>
                 <a:spcPts val="0"/>
               </a:spcBef>
@@ -409,7 +424,7 @@
               <a:buChar char="■"/>
               <a:defRPr sz="1100"/>
             </a:lvl6pPr>
-            <a:lvl7pPr indent="-317500" lvl="6" marL="3200400">
+            <a:lvl7pPr marL="3200400" lvl="6" indent="-317500">
               <a:spcBef>
                 <a:spcPts val="0"/>
               </a:spcBef>
@@ -420,7 +435,7 @@
               <a:buChar char="●"/>
               <a:defRPr sz="1100"/>
             </a:lvl7pPr>
-            <a:lvl8pPr indent="-317500" lvl="7" marL="3657600">
+            <a:lvl8pPr marL="3657600" lvl="7" indent="-317500">
               <a:spcBef>
                 <a:spcPts val="0"/>
               </a:spcBef>
@@ -431,7 +446,7 @@
               <a:buChar char="○"/>
               <a:defRPr sz="1100"/>
             </a:lvl8pPr>
-            <a:lvl9pPr indent="-317500" lvl="8" marL="4114800">
+            <a:lvl9pPr marL="4114800" lvl="8" indent="-317500">
               <a:spcBef>
                 <a:spcPts val="0"/>
               </a:spcBef>
@@ -443,14 +458,16 @@
               <a:defRPr sz="1100"/>
             </a:lvl9pPr>
           </a:lstStyle>
-          <a:p/>
+          <a:p>
+            <a:endParaRPr/>
+          </a:p>
         </p:txBody>
       </p:sp>
     </p:spTree>
   </p:cSld>
-  <p:clrMap accent1="accent1" accent2="accent2" accent3="accent3" accent4="accent4" accent5="accent5" accent6="accent6" bg1="lt1" bg2="dk2" tx1="dk1" tx2="lt2" folHlink="folHlink" hlink="hlink"/>
+  <p:clrMap bg1="lt1" tx1="dk1" bg2="dk2" tx2="lt2" accent1="accent1" accent2="accent2" accent3="accent3" accent4="accent4" accent5="accent5" accent6="accent6" hlink="hlink" folHlink="folHlink"/>
   <p:notesStyle>
-    <a:defPPr lvl="0" marR="0" rtl="0" algn="l">
+    <a:defPPr marR="0" lvl="0" algn="l" rtl="0">
       <a:lnSpc>
         <a:spcPct val="100000"/>
       </a:lnSpc>
@@ -461,7 +478,7 @@
         <a:spcPts val="0"/>
       </a:spcAft>
     </a:defPPr>
-    <a:lvl1pPr lvl="0" marR="0" rtl="0" algn="l">
+    <a:lvl1pPr marR="0" lvl="0" algn="l" rtl="0">
       <a:lnSpc>
         <a:spcPct val="100000"/>
       </a:lnSpc>
@@ -475,7 +492,7 @@
         <a:srgbClr val="000000"/>
       </a:buClr>
       <a:buFont typeface="Arial"/>
-      <a:defRPr b="0" i="0" sz="1400" u="none" cap="none" strike="noStrike">
+      <a:defRPr sz="1400" b="0" i="0" u="none" strike="noStrike" cap="none">
         <a:solidFill>
           <a:srgbClr val="000000"/>
         </a:solidFill>
@@ -485,7 +502,7 @@
         <a:sym typeface="Arial"/>
       </a:defRPr>
     </a:lvl1pPr>
-    <a:lvl2pPr lvl="1" marR="0" rtl="0" algn="l">
+    <a:lvl2pPr marR="0" lvl="1" algn="l" rtl="0">
       <a:lnSpc>
         <a:spcPct val="100000"/>
       </a:lnSpc>
@@ -499,7 +516,7 @@
         <a:srgbClr val="000000"/>
       </a:buClr>
       <a:buFont typeface="Arial"/>
-      <a:defRPr b="0" i="0" sz="1400" u="none" cap="none" strike="noStrike">
+      <a:defRPr sz="1400" b="0" i="0" u="none" strike="noStrike" cap="none">
         <a:solidFill>
           <a:srgbClr val="000000"/>
         </a:solidFill>
@@ -509,7 +526,7 @@
         <a:sym typeface="Arial"/>
       </a:defRPr>
     </a:lvl2pPr>
-    <a:lvl3pPr lvl="2" marR="0" rtl="0" algn="l">
+    <a:lvl3pPr marR="0" lvl="2" algn="l" rtl="0">
       <a:lnSpc>
         <a:spcPct val="100000"/>
       </a:lnSpc>
@@ -523,7 +540,7 @@
         <a:srgbClr val="000000"/>
       </a:buClr>
       <a:buFont typeface="Arial"/>
-      <a:defRPr b="0" i="0" sz="1400" u="none" cap="none" strike="noStrike">
+      <a:defRPr sz="1400" b="0" i="0" u="none" strike="noStrike" cap="none">
         <a:solidFill>
           <a:srgbClr val="000000"/>
         </a:solidFill>
@@ -533,7 +550,7 @@
         <a:sym typeface="Arial"/>
       </a:defRPr>
     </a:lvl3pPr>
-    <a:lvl4pPr lvl="3" marR="0" rtl="0" algn="l">
+    <a:lvl4pPr marR="0" lvl="3" algn="l" rtl="0">
       <a:lnSpc>
         <a:spcPct val="100000"/>
       </a:lnSpc>
@@ -547,7 +564,7 @@
         <a:srgbClr val="000000"/>
       </a:buClr>
       <a:buFont typeface="Arial"/>
-      <a:defRPr b="0" i="0" sz="1400" u="none" cap="none" strike="noStrike">
+      <a:defRPr sz="1400" b="0" i="0" u="none" strike="noStrike" cap="none">
         <a:solidFill>
           <a:srgbClr val="000000"/>
         </a:solidFill>
@@ -557,7 +574,7 @@
         <a:sym typeface="Arial"/>
       </a:defRPr>
     </a:lvl4pPr>
-    <a:lvl5pPr lvl="4" marR="0" rtl="0" algn="l">
+    <a:lvl5pPr marR="0" lvl="4" algn="l" rtl="0">
       <a:lnSpc>
         <a:spcPct val="100000"/>
       </a:lnSpc>
@@ -571,7 +588,7 @@
         <a:srgbClr val="000000"/>
       </a:buClr>
       <a:buFont typeface="Arial"/>
-      <a:defRPr b="0" i="0" sz="1400" u="none" cap="none" strike="noStrike">
+      <a:defRPr sz="1400" b="0" i="0" u="none" strike="noStrike" cap="none">
         <a:solidFill>
           <a:srgbClr val="000000"/>
         </a:solidFill>
@@ -581,7 +598,7 @@
         <a:sym typeface="Arial"/>
       </a:defRPr>
     </a:lvl5pPr>
-    <a:lvl6pPr lvl="5" marR="0" rtl="0" algn="l">
+    <a:lvl6pPr marR="0" lvl="5" algn="l" rtl="0">
       <a:lnSpc>
         <a:spcPct val="100000"/>
       </a:lnSpc>
@@ -595,7 +612,7 @@
         <a:srgbClr val="000000"/>
       </a:buClr>
       <a:buFont typeface="Arial"/>
-      <a:defRPr b="0" i="0" sz="1400" u="none" cap="none" strike="noStrike">
+      <a:defRPr sz="1400" b="0" i="0" u="none" strike="noStrike" cap="none">
         <a:solidFill>
           <a:srgbClr val="000000"/>
         </a:solidFill>
@@ -605,7 +622,7 @@
         <a:sym typeface="Arial"/>
       </a:defRPr>
     </a:lvl6pPr>
-    <a:lvl7pPr lvl="6" marR="0" rtl="0" algn="l">
+    <a:lvl7pPr marR="0" lvl="6" algn="l" rtl="0">
       <a:lnSpc>
         <a:spcPct val="100000"/>
       </a:lnSpc>
@@ -619,7 +636,7 @@
         <a:srgbClr val="000000"/>
       </a:buClr>
       <a:buFont typeface="Arial"/>
-      <a:defRPr b="0" i="0" sz="1400" u="none" cap="none" strike="noStrike">
+      <a:defRPr sz="1400" b="0" i="0" u="none" strike="noStrike" cap="none">
         <a:solidFill>
           <a:srgbClr val="000000"/>
         </a:solidFill>
@@ -629,7 +646,7 @@
         <a:sym typeface="Arial"/>
       </a:defRPr>
     </a:lvl7pPr>
-    <a:lvl8pPr lvl="7" marR="0" rtl="0" algn="l">
+    <a:lvl8pPr marR="0" lvl="7" algn="l" rtl="0">
       <a:lnSpc>
         <a:spcPct val="100000"/>
       </a:lnSpc>
@@ -643,7 +660,7 @@
         <a:srgbClr val="000000"/>
       </a:buClr>
       <a:buFont typeface="Arial"/>
-      <a:defRPr b="0" i="0" sz="1400" u="none" cap="none" strike="noStrike">
+      <a:defRPr sz="1400" b="0" i="0" u="none" strike="noStrike" cap="none">
         <a:solidFill>
           <a:srgbClr val="000000"/>
         </a:solidFill>
@@ -653,7 +670,7 @@
         <a:sym typeface="Arial"/>
       </a:defRPr>
     </a:lvl8pPr>
-    <a:lvl9pPr lvl="8" marR="0" rtl="0" algn="l">
+    <a:lvl9pPr marR="0" lvl="8" algn="l" rtl="0">
       <a:lnSpc>
         <a:spcPct val="100000"/>
       </a:lnSpc>
@@ -667,7 +684,7 @@
         <a:srgbClr val="000000"/>
       </a:buClr>
       <a:buFont typeface="Arial"/>
-      <a:defRPr b="0" i="0" sz="1400" u="none" cap="none" strike="noStrike">
+      <a:defRPr sz="1400" b="0" i="0" u="none" strike="noStrike" cap="none">
         <a:solidFill>
           <a:srgbClr val="000000"/>
         </a:solidFill>
@@ -682,11 +699,11 @@
 </file>
 
 <file path=ppt/notesSlides/notesSlide1.xml><?xml version="1.0" encoding="utf-8"?>
-<p:notes xmlns:a="http://schemas.openxmlformats.org/drawingml/2006/main" xmlns:r="http://schemas.openxmlformats.org/officeDocument/2006/relationships" xmlns:mc="http://schemas.openxmlformats.org/markup-compatibility/2006" xmlns:mv="urn:schemas-microsoft-com:mac:vml" xmlns:p="http://schemas.openxmlformats.org/presentationml/2006/main" xmlns:c="http://schemas.openxmlformats.org/drawingml/2006/chart" xmlns:dgm="http://schemas.openxmlformats.org/drawingml/2006/diagram" xmlns:o="urn:schemas-microsoft-com:office:office" xmlns:v="urn:schemas-microsoft-com:vml" xmlns:pvml="urn:schemas-microsoft-com:office:powerpoint" xmlns:com="http://schemas.openxmlformats.org/drawingml/2006/compatibility" xmlns:p14="http://schemas.microsoft.com/office/powerpoint/2010/main" xmlns:p15="http://schemas.microsoft.com/office/powerpoint/2012/main" showMasterPhAnim="0" showMasterSp="0">
+<p:notes xmlns:a="http://schemas.openxmlformats.org/drawingml/2006/main" xmlns:r="http://schemas.openxmlformats.org/officeDocument/2006/relationships" xmlns:p="http://schemas.openxmlformats.org/presentationml/2006/main" showMasterSp="0" showMasterPhAnim="0">
   <p:cSld>
     <p:spTree>
       <p:nvGrpSpPr>
-        <p:cNvPr id="50" name="Shape 50"/>
+        <p:cNvPr id="1" name="Shape 50"/>
         <p:cNvGrpSpPr/>
         <p:nvPr/>
       </p:nvGrpSpPr>
@@ -701,9 +718,11 @@
       <p:sp>
         <p:nvSpPr>
           <p:cNvPr id="51" name="Shape 51"/>
-          <p:cNvSpPr/>
+          <p:cNvSpPr>
+            <a:spLocks noGrp="1" noRot="1" noChangeAspect="1"/>
+          </p:cNvSpPr>
           <p:nvPr>
-            <p:ph idx="2" type="sldImg"/>
+            <p:ph type="sldImg" idx="2"/>
           </p:nvPr>
         </p:nvSpPr>
         <p:spPr>
@@ -712,8 +731,13 @@
             <a:ext cx="6096075" cy="3429000"/>
           </a:xfrm>
           <a:custGeom>
+            <a:avLst/>
+            <a:gdLst/>
+            <a:ahLst/>
+            <a:cxnLst/>
+            <a:rect l="0" t="0" r="0" b="0"/>
             <a:pathLst>
-              <a:path extrusionOk="0" h="120000" w="120000">
+              <a:path w="120000" h="120000" extrusionOk="0">
                 <a:moveTo>
                   <a:pt x="0" y="0"/>
                 </a:moveTo>
@@ -735,9 +759,11 @@
       <p:sp>
         <p:nvSpPr>
           <p:cNvPr id="52" name="Shape 52"/>
-          <p:cNvSpPr txBox="1"/>
+          <p:cNvSpPr txBox="1">
+            <a:spLocks noGrp="1"/>
+          </p:cNvSpPr>
           <p:nvPr>
-            <p:ph idx="1" type="body"/>
+            <p:ph type="body" idx="1"/>
           </p:nvPr>
         </p:nvSpPr>
         <p:spPr>
@@ -750,23 +776,20 @@
           </a:prstGeom>
         </p:spPr>
         <p:txBody>
-          <a:bodyPr anchorCtr="0" anchor="t" bIns="91425" lIns="91425" spcFirstLastPara="1" rIns="91425" wrap="square" tIns="91425">
+          <a:bodyPr spcFirstLastPara="1" wrap="square" lIns="91425" tIns="91425" rIns="91425" bIns="91425" anchor="t" anchorCtr="0">
             <a:noAutofit/>
           </a:bodyPr>
           <a:lstStyle/>
           <a:p>
-            <a:pPr indent="0" lvl="0" marL="0">
-              <a:spcBef>
-                <a:spcPts val="0"/>
-              </a:spcBef>
-              <a:spcAft>
-                <a:spcPts val="0"/>
-              </a:spcAft>
-              <a:buNone/>
-            </a:pPr>
-            <a:r>
-              <a:t/>
-            </a:r>
+            <a:pPr marL="0" lvl="0" indent="0">
+              <a:spcBef>
+                <a:spcPts val="0"/>
+              </a:spcBef>
+              <a:spcAft>
+                <a:spcPts val="0"/>
+              </a:spcAft>
+              <a:buNone/>
+            </a:pPr>
             <a:endParaRPr/>
           </a:p>
         </p:txBody>
@@ -780,11 +803,11 @@
 </file>
 
 <file path=ppt/notesSlides/notesSlide10.xml><?xml version="1.0" encoding="utf-8"?>
-<p:notes xmlns:a="http://schemas.openxmlformats.org/drawingml/2006/main" xmlns:r="http://schemas.openxmlformats.org/officeDocument/2006/relationships" xmlns:mc="http://schemas.openxmlformats.org/markup-compatibility/2006" xmlns:mv="urn:schemas-microsoft-com:mac:vml" xmlns:p="http://schemas.openxmlformats.org/presentationml/2006/main" xmlns:c="http://schemas.openxmlformats.org/drawingml/2006/chart" xmlns:dgm="http://schemas.openxmlformats.org/drawingml/2006/diagram" xmlns:o="urn:schemas-microsoft-com:office:office" xmlns:v="urn:schemas-microsoft-com:vml" xmlns:pvml="urn:schemas-microsoft-com:office:powerpoint" xmlns:com="http://schemas.openxmlformats.org/drawingml/2006/compatibility" xmlns:p14="http://schemas.microsoft.com/office/powerpoint/2010/main" xmlns:p15="http://schemas.microsoft.com/office/powerpoint/2012/main" showMasterPhAnim="0" showMasterSp="0">
+<p:notes xmlns:a="http://schemas.openxmlformats.org/drawingml/2006/main" xmlns:r="http://schemas.openxmlformats.org/officeDocument/2006/relationships" xmlns:p="http://schemas.openxmlformats.org/presentationml/2006/main" showMasterSp="0" showMasterPhAnim="0">
   <p:cSld>
     <p:spTree>
       <p:nvGrpSpPr>
-        <p:cNvPr id="108" name="Shape 108"/>
+        <p:cNvPr id="1" name="Shape 108"/>
         <p:cNvGrpSpPr/>
         <p:nvPr/>
       </p:nvGrpSpPr>
@@ -799,9 +822,11 @@
       <p:sp>
         <p:nvSpPr>
           <p:cNvPr id="109" name="Shape 109"/>
-          <p:cNvSpPr/>
+          <p:cNvSpPr>
+            <a:spLocks noGrp="1" noRot="1" noChangeAspect="1"/>
+          </p:cNvSpPr>
           <p:nvPr>
-            <p:ph idx="2" type="sldImg"/>
+            <p:ph type="sldImg" idx="2"/>
           </p:nvPr>
         </p:nvSpPr>
         <p:spPr>
@@ -810,8 +835,13 @@
             <a:ext cx="6096000" cy="3429000"/>
           </a:xfrm>
           <a:custGeom>
+            <a:avLst/>
+            <a:gdLst/>
+            <a:ahLst/>
+            <a:cxnLst/>
+            <a:rect l="0" t="0" r="0" b="0"/>
             <a:pathLst>
-              <a:path extrusionOk="0" h="120000" w="120000">
+              <a:path w="120000" h="120000" extrusionOk="0">
                 <a:moveTo>
                   <a:pt x="0" y="0"/>
                 </a:moveTo>
@@ -833,9 +863,11 @@
       <p:sp>
         <p:nvSpPr>
           <p:cNvPr id="110" name="Shape 110"/>
-          <p:cNvSpPr txBox="1"/>
+          <p:cNvSpPr txBox="1">
+            <a:spLocks noGrp="1"/>
+          </p:cNvSpPr>
           <p:nvPr>
-            <p:ph idx="1" type="body"/>
+            <p:ph type="body" idx="1"/>
           </p:nvPr>
         </p:nvSpPr>
         <p:spPr>
@@ -848,23 +880,20 @@
           </a:prstGeom>
         </p:spPr>
         <p:txBody>
-          <a:bodyPr anchorCtr="0" anchor="t" bIns="91425" lIns="91425" spcFirstLastPara="1" rIns="91425" wrap="square" tIns="91425">
+          <a:bodyPr spcFirstLastPara="1" wrap="square" lIns="91425" tIns="91425" rIns="91425" bIns="91425" anchor="t" anchorCtr="0">
             <a:noAutofit/>
           </a:bodyPr>
           <a:lstStyle/>
           <a:p>
-            <a:pPr indent="0" lvl="0" marL="0" rtl="0">
-              <a:spcBef>
-                <a:spcPts val="0"/>
-              </a:spcBef>
-              <a:spcAft>
-                <a:spcPts val="0"/>
-              </a:spcAft>
-              <a:buNone/>
-            </a:pPr>
-            <a:r>
-              <a:t/>
-            </a:r>
+            <a:pPr marL="0" lvl="0" indent="0" rtl="0">
+              <a:spcBef>
+                <a:spcPts val="0"/>
+              </a:spcBef>
+              <a:spcAft>
+                <a:spcPts val="0"/>
+              </a:spcAft>
+              <a:buNone/>
+            </a:pPr>
             <a:endParaRPr/>
           </a:p>
         </p:txBody>
@@ -878,11 +907,11 @@
 </file>
 
 <file path=ppt/notesSlides/notesSlide11.xml><?xml version="1.0" encoding="utf-8"?>
-<p:notes xmlns:a="http://schemas.openxmlformats.org/drawingml/2006/main" xmlns:r="http://schemas.openxmlformats.org/officeDocument/2006/relationships" xmlns:mc="http://schemas.openxmlformats.org/markup-compatibility/2006" xmlns:mv="urn:schemas-microsoft-com:mac:vml" xmlns:p="http://schemas.openxmlformats.org/presentationml/2006/main" xmlns:c="http://schemas.openxmlformats.org/drawingml/2006/chart" xmlns:dgm="http://schemas.openxmlformats.org/drawingml/2006/diagram" xmlns:o="urn:schemas-microsoft-com:office:office" xmlns:v="urn:schemas-microsoft-com:vml" xmlns:pvml="urn:schemas-microsoft-com:office:powerpoint" xmlns:com="http://schemas.openxmlformats.org/drawingml/2006/compatibility" xmlns:p14="http://schemas.microsoft.com/office/powerpoint/2010/main" xmlns:p15="http://schemas.microsoft.com/office/powerpoint/2012/main" showMasterPhAnim="0" showMasterSp="0">
+<p:notes xmlns:a="http://schemas.openxmlformats.org/drawingml/2006/main" xmlns:r="http://schemas.openxmlformats.org/officeDocument/2006/relationships" xmlns:p="http://schemas.openxmlformats.org/presentationml/2006/main" showMasterSp="0" showMasterPhAnim="0">
   <p:cSld>
     <p:spTree>
       <p:nvGrpSpPr>
-        <p:cNvPr id="120" name="Shape 120"/>
+        <p:cNvPr id="1" name="Shape 120"/>
         <p:cNvGrpSpPr/>
         <p:nvPr/>
       </p:nvGrpSpPr>
@@ -897,9 +926,11 @@
       <p:sp>
         <p:nvSpPr>
           <p:cNvPr id="121" name="Shape 121"/>
-          <p:cNvSpPr/>
+          <p:cNvSpPr>
+            <a:spLocks noGrp="1" noRot="1" noChangeAspect="1"/>
+          </p:cNvSpPr>
           <p:nvPr>
-            <p:ph idx="2" type="sldImg"/>
+            <p:ph type="sldImg" idx="2"/>
           </p:nvPr>
         </p:nvSpPr>
         <p:spPr>
@@ -908,8 +939,13 @@
             <a:ext cx="6096000" cy="3429000"/>
           </a:xfrm>
           <a:custGeom>
+            <a:avLst/>
+            <a:gdLst/>
+            <a:ahLst/>
+            <a:cxnLst/>
+            <a:rect l="0" t="0" r="0" b="0"/>
             <a:pathLst>
-              <a:path extrusionOk="0" h="120000" w="120000">
+              <a:path w="120000" h="120000" extrusionOk="0">
                 <a:moveTo>
                   <a:pt x="0" y="0"/>
                 </a:moveTo>
@@ -931,9 +967,11 @@
       <p:sp>
         <p:nvSpPr>
           <p:cNvPr id="122" name="Shape 122"/>
-          <p:cNvSpPr txBox="1"/>
+          <p:cNvSpPr txBox="1">
+            <a:spLocks noGrp="1"/>
+          </p:cNvSpPr>
           <p:nvPr>
-            <p:ph idx="1" type="body"/>
+            <p:ph type="body" idx="1"/>
           </p:nvPr>
         </p:nvSpPr>
         <p:spPr>
@@ -946,23 +984,20 @@
           </a:prstGeom>
         </p:spPr>
         <p:txBody>
-          <a:bodyPr anchorCtr="0" anchor="t" bIns="91425" lIns="91425" spcFirstLastPara="1" rIns="91425" wrap="square" tIns="91425">
+          <a:bodyPr spcFirstLastPara="1" wrap="square" lIns="91425" tIns="91425" rIns="91425" bIns="91425" anchor="t" anchorCtr="0">
             <a:noAutofit/>
           </a:bodyPr>
           <a:lstStyle/>
           <a:p>
-            <a:pPr indent="0" lvl="0" marL="0" rtl="0">
-              <a:spcBef>
-                <a:spcPts val="0"/>
-              </a:spcBef>
-              <a:spcAft>
-                <a:spcPts val="0"/>
-              </a:spcAft>
-              <a:buNone/>
-            </a:pPr>
-            <a:r>
-              <a:t/>
-            </a:r>
+            <a:pPr marL="0" lvl="0" indent="0" rtl="0">
+              <a:spcBef>
+                <a:spcPts val="0"/>
+              </a:spcBef>
+              <a:spcAft>
+                <a:spcPts val="0"/>
+              </a:spcAft>
+              <a:buNone/>
+            </a:pPr>
             <a:endParaRPr/>
           </a:p>
         </p:txBody>
@@ -976,11 +1011,11 @@
 </file>
 
 <file path=ppt/notesSlides/notesSlide12.xml><?xml version="1.0" encoding="utf-8"?>
-<p:notes xmlns:a="http://schemas.openxmlformats.org/drawingml/2006/main" xmlns:r="http://schemas.openxmlformats.org/officeDocument/2006/relationships" xmlns:mc="http://schemas.openxmlformats.org/markup-compatibility/2006" xmlns:mv="urn:schemas-microsoft-com:mac:vml" xmlns:p="http://schemas.openxmlformats.org/presentationml/2006/main" xmlns:c="http://schemas.openxmlformats.org/drawingml/2006/chart" xmlns:dgm="http://schemas.openxmlformats.org/drawingml/2006/diagram" xmlns:o="urn:schemas-microsoft-com:office:office" xmlns:v="urn:schemas-microsoft-com:vml" xmlns:pvml="urn:schemas-microsoft-com:office:powerpoint" xmlns:com="http://schemas.openxmlformats.org/drawingml/2006/compatibility" xmlns:p14="http://schemas.microsoft.com/office/powerpoint/2010/main" xmlns:p15="http://schemas.microsoft.com/office/powerpoint/2012/main" showMasterPhAnim="0" showMasterSp="0">
+<p:notes xmlns:a="http://schemas.openxmlformats.org/drawingml/2006/main" xmlns:r="http://schemas.openxmlformats.org/officeDocument/2006/relationships" xmlns:p="http://schemas.openxmlformats.org/presentationml/2006/main" showMasterSp="0" showMasterPhAnim="0">
   <p:cSld>
     <p:spTree>
       <p:nvGrpSpPr>
-        <p:cNvPr id="126" name="Shape 126"/>
+        <p:cNvPr id="1" name="Shape 126"/>
         <p:cNvGrpSpPr/>
         <p:nvPr/>
       </p:nvGrpSpPr>
@@ -995,9 +1030,11 @@
       <p:sp>
         <p:nvSpPr>
           <p:cNvPr id="127" name="Shape 127"/>
-          <p:cNvSpPr/>
+          <p:cNvSpPr>
+            <a:spLocks noGrp="1" noRot="1" noChangeAspect="1"/>
+          </p:cNvSpPr>
           <p:nvPr>
-            <p:ph idx="2" type="sldImg"/>
+            <p:ph type="sldImg" idx="2"/>
           </p:nvPr>
         </p:nvSpPr>
         <p:spPr>
@@ -1006,8 +1043,13 @@
             <a:ext cx="6096000" cy="3429000"/>
           </a:xfrm>
           <a:custGeom>
+            <a:avLst/>
+            <a:gdLst/>
+            <a:ahLst/>
+            <a:cxnLst/>
+            <a:rect l="0" t="0" r="0" b="0"/>
             <a:pathLst>
-              <a:path extrusionOk="0" h="120000" w="120000">
+              <a:path w="120000" h="120000" extrusionOk="0">
                 <a:moveTo>
                   <a:pt x="0" y="0"/>
                 </a:moveTo>
@@ -1029,9 +1071,11 @@
       <p:sp>
         <p:nvSpPr>
           <p:cNvPr id="128" name="Shape 128"/>
-          <p:cNvSpPr txBox="1"/>
+          <p:cNvSpPr txBox="1">
+            <a:spLocks noGrp="1"/>
+          </p:cNvSpPr>
           <p:nvPr>
-            <p:ph idx="1" type="body"/>
+            <p:ph type="body" idx="1"/>
           </p:nvPr>
         </p:nvSpPr>
         <p:spPr>
@@ -1044,23 +1088,20 @@
           </a:prstGeom>
         </p:spPr>
         <p:txBody>
-          <a:bodyPr anchorCtr="0" anchor="t" bIns="91425" lIns="91425" spcFirstLastPara="1" rIns="91425" wrap="square" tIns="91425">
+          <a:bodyPr spcFirstLastPara="1" wrap="square" lIns="91425" tIns="91425" rIns="91425" bIns="91425" anchor="t" anchorCtr="0">
             <a:noAutofit/>
           </a:bodyPr>
           <a:lstStyle/>
           <a:p>
-            <a:pPr indent="0" lvl="0" marL="0">
-              <a:spcBef>
-                <a:spcPts val="0"/>
-              </a:spcBef>
-              <a:spcAft>
-                <a:spcPts val="0"/>
-              </a:spcAft>
-              <a:buNone/>
-            </a:pPr>
-            <a:r>
-              <a:t/>
-            </a:r>
+            <a:pPr marL="0" lvl="0" indent="0">
+              <a:spcBef>
+                <a:spcPts val="0"/>
+              </a:spcBef>
+              <a:spcAft>
+                <a:spcPts val="0"/>
+              </a:spcAft>
+              <a:buNone/>
+            </a:pPr>
             <a:endParaRPr/>
           </a:p>
         </p:txBody>
@@ -1074,11 +1115,11 @@
 </file>
 
 <file path=ppt/notesSlides/notesSlide13.xml><?xml version="1.0" encoding="utf-8"?>
-<p:notes xmlns:a="http://schemas.openxmlformats.org/drawingml/2006/main" xmlns:r="http://schemas.openxmlformats.org/officeDocument/2006/relationships" xmlns:mc="http://schemas.openxmlformats.org/markup-compatibility/2006" xmlns:mv="urn:schemas-microsoft-com:mac:vml" xmlns:p="http://schemas.openxmlformats.org/presentationml/2006/main" xmlns:c="http://schemas.openxmlformats.org/drawingml/2006/chart" xmlns:dgm="http://schemas.openxmlformats.org/drawingml/2006/diagram" xmlns:o="urn:schemas-microsoft-com:office:office" xmlns:v="urn:schemas-microsoft-com:vml" xmlns:pvml="urn:schemas-microsoft-com:office:powerpoint" xmlns:com="http://schemas.openxmlformats.org/drawingml/2006/compatibility" xmlns:p14="http://schemas.microsoft.com/office/powerpoint/2010/main" xmlns:p15="http://schemas.microsoft.com/office/powerpoint/2012/main" showMasterPhAnim="0" showMasterSp="0">
+<p:notes xmlns:a="http://schemas.openxmlformats.org/drawingml/2006/main" xmlns:r="http://schemas.openxmlformats.org/officeDocument/2006/relationships" xmlns:p="http://schemas.openxmlformats.org/presentationml/2006/main" showMasterSp="0" showMasterPhAnim="0">
   <p:cSld>
     <p:spTree>
       <p:nvGrpSpPr>
-        <p:cNvPr id="132" name="Shape 132"/>
+        <p:cNvPr id="1" name="Shape 132"/>
         <p:cNvGrpSpPr/>
         <p:nvPr/>
       </p:nvGrpSpPr>
@@ -1093,9 +1134,11 @@
       <p:sp>
         <p:nvSpPr>
           <p:cNvPr id="133" name="Shape 133"/>
-          <p:cNvSpPr/>
+          <p:cNvSpPr>
+            <a:spLocks noGrp="1" noRot="1" noChangeAspect="1"/>
+          </p:cNvSpPr>
           <p:nvPr>
-            <p:ph idx="2" type="sldImg"/>
+            <p:ph type="sldImg" idx="2"/>
           </p:nvPr>
         </p:nvSpPr>
         <p:spPr>
@@ -1104,8 +1147,13 @@
             <a:ext cx="6096000" cy="3429000"/>
           </a:xfrm>
           <a:custGeom>
+            <a:avLst/>
+            <a:gdLst/>
+            <a:ahLst/>
+            <a:cxnLst/>
+            <a:rect l="0" t="0" r="0" b="0"/>
             <a:pathLst>
-              <a:path extrusionOk="0" h="120000" w="120000">
+              <a:path w="120000" h="120000" extrusionOk="0">
                 <a:moveTo>
                   <a:pt x="0" y="0"/>
                 </a:moveTo>
@@ -1127,9 +1175,11 @@
       <p:sp>
         <p:nvSpPr>
           <p:cNvPr id="134" name="Shape 134"/>
-          <p:cNvSpPr txBox="1"/>
+          <p:cNvSpPr txBox="1">
+            <a:spLocks noGrp="1"/>
+          </p:cNvSpPr>
           <p:nvPr>
-            <p:ph idx="1" type="body"/>
+            <p:ph type="body" idx="1"/>
           </p:nvPr>
         </p:nvSpPr>
         <p:spPr>
@@ -1142,23 +1192,20 @@
           </a:prstGeom>
         </p:spPr>
         <p:txBody>
-          <a:bodyPr anchorCtr="0" anchor="t" bIns="91425" lIns="91425" spcFirstLastPara="1" rIns="91425" wrap="square" tIns="91425">
+          <a:bodyPr spcFirstLastPara="1" wrap="square" lIns="91425" tIns="91425" rIns="91425" bIns="91425" anchor="t" anchorCtr="0">
             <a:noAutofit/>
           </a:bodyPr>
           <a:lstStyle/>
           <a:p>
-            <a:pPr indent="0" lvl="0" marL="0">
-              <a:spcBef>
-                <a:spcPts val="0"/>
-              </a:spcBef>
-              <a:spcAft>
-                <a:spcPts val="0"/>
-              </a:spcAft>
-              <a:buNone/>
-            </a:pPr>
-            <a:r>
-              <a:t/>
-            </a:r>
+            <a:pPr marL="0" lvl="0" indent="0">
+              <a:spcBef>
+                <a:spcPts val="0"/>
+              </a:spcBef>
+              <a:spcAft>
+                <a:spcPts val="0"/>
+              </a:spcAft>
+              <a:buNone/>
+            </a:pPr>
             <a:endParaRPr/>
           </a:p>
         </p:txBody>
@@ -1172,11 +1219,11 @@
 </file>
 
 <file path=ppt/notesSlides/notesSlide14.xml><?xml version="1.0" encoding="utf-8"?>
-<p:notes xmlns:a="http://schemas.openxmlformats.org/drawingml/2006/main" xmlns:r="http://schemas.openxmlformats.org/officeDocument/2006/relationships" xmlns:mc="http://schemas.openxmlformats.org/markup-compatibility/2006" xmlns:mv="urn:schemas-microsoft-com:mac:vml" xmlns:p="http://schemas.openxmlformats.org/presentationml/2006/main" xmlns:c="http://schemas.openxmlformats.org/drawingml/2006/chart" xmlns:dgm="http://schemas.openxmlformats.org/drawingml/2006/diagram" xmlns:o="urn:schemas-microsoft-com:office:office" xmlns:v="urn:schemas-microsoft-com:vml" xmlns:pvml="urn:schemas-microsoft-com:office:powerpoint" xmlns:com="http://schemas.openxmlformats.org/drawingml/2006/compatibility" xmlns:p14="http://schemas.microsoft.com/office/powerpoint/2010/main" xmlns:p15="http://schemas.microsoft.com/office/powerpoint/2012/main" showMasterPhAnim="0" showMasterSp="0">
+<p:notes xmlns:a="http://schemas.openxmlformats.org/drawingml/2006/main" xmlns:r="http://schemas.openxmlformats.org/officeDocument/2006/relationships" xmlns:p="http://schemas.openxmlformats.org/presentationml/2006/main" showMasterSp="0" showMasterPhAnim="0">
   <p:cSld>
     <p:spTree>
       <p:nvGrpSpPr>
-        <p:cNvPr id="138" name="Shape 138"/>
+        <p:cNvPr id="1" name="Shape 138"/>
         <p:cNvGrpSpPr/>
         <p:nvPr/>
       </p:nvGrpSpPr>
@@ -1191,9 +1238,11 @@
       <p:sp>
         <p:nvSpPr>
           <p:cNvPr id="139" name="Shape 139"/>
-          <p:cNvSpPr/>
+          <p:cNvSpPr>
+            <a:spLocks noGrp="1" noRot="1" noChangeAspect="1"/>
+          </p:cNvSpPr>
           <p:nvPr>
-            <p:ph idx="2" type="sldImg"/>
+            <p:ph type="sldImg" idx="2"/>
           </p:nvPr>
         </p:nvSpPr>
         <p:spPr>
@@ -1202,8 +1251,13 @@
             <a:ext cx="6096000" cy="3429000"/>
           </a:xfrm>
           <a:custGeom>
+            <a:avLst/>
+            <a:gdLst/>
+            <a:ahLst/>
+            <a:cxnLst/>
+            <a:rect l="0" t="0" r="0" b="0"/>
             <a:pathLst>
-              <a:path extrusionOk="0" h="120000" w="120000">
+              <a:path w="120000" h="120000" extrusionOk="0">
                 <a:moveTo>
                   <a:pt x="0" y="0"/>
                 </a:moveTo>
@@ -1225,9 +1279,11 @@
       <p:sp>
         <p:nvSpPr>
           <p:cNvPr id="140" name="Shape 140"/>
-          <p:cNvSpPr txBox="1"/>
+          <p:cNvSpPr txBox="1">
+            <a:spLocks noGrp="1"/>
+          </p:cNvSpPr>
           <p:nvPr>
-            <p:ph idx="1" type="body"/>
+            <p:ph type="body" idx="1"/>
           </p:nvPr>
         </p:nvSpPr>
         <p:spPr>
@@ -1240,23 +1296,20 @@
           </a:prstGeom>
         </p:spPr>
         <p:txBody>
-          <a:bodyPr anchorCtr="0" anchor="t" bIns="91425" lIns="91425" spcFirstLastPara="1" rIns="91425" wrap="square" tIns="91425">
+          <a:bodyPr spcFirstLastPara="1" wrap="square" lIns="91425" tIns="91425" rIns="91425" bIns="91425" anchor="t" anchorCtr="0">
             <a:noAutofit/>
           </a:bodyPr>
           <a:lstStyle/>
           <a:p>
-            <a:pPr indent="0" lvl="0" marL="0">
-              <a:spcBef>
-                <a:spcPts val="0"/>
-              </a:spcBef>
-              <a:spcAft>
-                <a:spcPts val="0"/>
-              </a:spcAft>
-              <a:buNone/>
-            </a:pPr>
-            <a:r>
-              <a:t/>
-            </a:r>
+            <a:pPr marL="0" lvl="0" indent="0">
+              <a:spcBef>
+                <a:spcPts val="0"/>
+              </a:spcBef>
+              <a:spcAft>
+                <a:spcPts val="0"/>
+              </a:spcAft>
+              <a:buNone/>
+            </a:pPr>
             <a:endParaRPr/>
           </a:p>
         </p:txBody>
@@ -1270,11 +1323,11 @@
 </file>
 
 <file path=ppt/notesSlides/notesSlide15.xml><?xml version="1.0" encoding="utf-8"?>
-<p:notes xmlns:a="http://schemas.openxmlformats.org/drawingml/2006/main" xmlns:r="http://schemas.openxmlformats.org/officeDocument/2006/relationships" xmlns:mc="http://schemas.openxmlformats.org/markup-compatibility/2006" xmlns:mv="urn:schemas-microsoft-com:mac:vml" xmlns:p="http://schemas.openxmlformats.org/presentationml/2006/main" xmlns:c="http://schemas.openxmlformats.org/drawingml/2006/chart" xmlns:dgm="http://schemas.openxmlformats.org/drawingml/2006/diagram" xmlns:o="urn:schemas-microsoft-com:office:office" xmlns:v="urn:schemas-microsoft-com:vml" xmlns:pvml="urn:schemas-microsoft-com:office:powerpoint" xmlns:com="http://schemas.openxmlformats.org/drawingml/2006/compatibility" xmlns:p14="http://schemas.microsoft.com/office/powerpoint/2010/main" xmlns:p15="http://schemas.microsoft.com/office/powerpoint/2012/main" showMasterPhAnim="0" showMasterSp="0">
+<p:notes xmlns:a="http://schemas.openxmlformats.org/drawingml/2006/main" xmlns:r="http://schemas.openxmlformats.org/officeDocument/2006/relationships" xmlns:p="http://schemas.openxmlformats.org/presentationml/2006/main" showMasterSp="0" showMasterPhAnim="0">
   <p:cSld>
     <p:spTree>
       <p:nvGrpSpPr>
-        <p:cNvPr id="144" name="Shape 144"/>
+        <p:cNvPr id="1" name="Shape 144"/>
         <p:cNvGrpSpPr/>
         <p:nvPr/>
       </p:nvGrpSpPr>
@@ -1289,9 +1342,11 @@
       <p:sp>
         <p:nvSpPr>
           <p:cNvPr id="145" name="Shape 145"/>
-          <p:cNvSpPr/>
+          <p:cNvSpPr>
+            <a:spLocks noGrp="1" noRot="1" noChangeAspect="1"/>
+          </p:cNvSpPr>
           <p:nvPr>
-            <p:ph idx="2" type="sldImg"/>
+            <p:ph type="sldImg" idx="2"/>
           </p:nvPr>
         </p:nvSpPr>
         <p:spPr>
@@ -1300,8 +1355,13 @@
             <a:ext cx="6096000" cy="3429000"/>
           </a:xfrm>
           <a:custGeom>
+            <a:avLst/>
+            <a:gdLst/>
+            <a:ahLst/>
+            <a:cxnLst/>
+            <a:rect l="0" t="0" r="0" b="0"/>
             <a:pathLst>
-              <a:path extrusionOk="0" h="120000" w="120000">
+              <a:path w="120000" h="120000" extrusionOk="0">
                 <a:moveTo>
                   <a:pt x="0" y="0"/>
                 </a:moveTo>
@@ -1323,9 +1383,11 @@
       <p:sp>
         <p:nvSpPr>
           <p:cNvPr id="146" name="Shape 146"/>
-          <p:cNvSpPr txBox="1"/>
+          <p:cNvSpPr txBox="1">
+            <a:spLocks noGrp="1"/>
+          </p:cNvSpPr>
           <p:nvPr>
-            <p:ph idx="1" type="body"/>
+            <p:ph type="body" idx="1"/>
           </p:nvPr>
         </p:nvSpPr>
         <p:spPr>
@@ -1338,23 +1400,20 @@
           </a:prstGeom>
         </p:spPr>
         <p:txBody>
-          <a:bodyPr anchorCtr="0" anchor="t" bIns="91425" lIns="91425" spcFirstLastPara="1" rIns="91425" wrap="square" tIns="91425">
+          <a:bodyPr spcFirstLastPara="1" wrap="square" lIns="91425" tIns="91425" rIns="91425" bIns="91425" anchor="t" anchorCtr="0">
             <a:noAutofit/>
           </a:bodyPr>
           <a:lstStyle/>
           <a:p>
-            <a:pPr indent="0" lvl="0" marL="0" rtl="0">
-              <a:spcBef>
-                <a:spcPts val="0"/>
-              </a:spcBef>
-              <a:spcAft>
-                <a:spcPts val="0"/>
-              </a:spcAft>
-              <a:buNone/>
-            </a:pPr>
-            <a:r>
-              <a:t/>
-            </a:r>
+            <a:pPr marL="0" lvl="0" indent="0" rtl="0">
+              <a:spcBef>
+                <a:spcPts val="0"/>
+              </a:spcBef>
+              <a:spcAft>
+                <a:spcPts val="0"/>
+              </a:spcAft>
+              <a:buNone/>
+            </a:pPr>
             <a:endParaRPr/>
           </a:p>
         </p:txBody>
@@ -1368,11 +1427,11 @@
 </file>
 
 <file path=ppt/notesSlides/notesSlide2.xml><?xml version="1.0" encoding="utf-8"?>
-<p:notes xmlns:a="http://schemas.openxmlformats.org/drawingml/2006/main" xmlns:r="http://schemas.openxmlformats.org/officeDocument/2006/relationships" xmlns:mc="http://schemas.openxmlformats.org/markup-compatibility/2006" xmlns:mv="urn:schemas-microsoft-com:mac:vml" xmlns:p="http://schemas.openxmlformats.org/presentationml/2006/main" xmlns:c="http://schemas.openxmlformats.org/drawingml/2006/chart" xmlns:dgm="http://schemas.openxmlformats.org/drawingml/2006/diagram" xmlns:o="urn:schemas-microsoft-com:office:office" xmlns:v="urn:schemas-microsoft-com:vml" xmlns:pvml="urn:schemas-microsoft-com:office:powerpoint" xmlns:com="http://schemas.openxmlformats.org/drawingml/2006/compatibility" xmlns:p14="http://schemas.microsoft.com/office/powerpoint/2010/main" xmlns:p15="http://schemas.microsoft.com/office/powerpoint/2012/main" showMasterPhAnim="0" showMasterSp="0">
+<p:notes xmlns:a="http://schemas.openxmlformats.org/drawingml/2006/main" xmlns:r="http://schemas.openxmlformats.org/officeDocument/2006/relationships" xmlns:p="http://schemas.openxmlformats.org/presentationml/2006/main" showMasterSp="0" showMasterPhAnim="0">
   <p:cSld>
     <p:spTree>
       <p:nvGrpSpPr>
-        <p:cNvPr id="56" name="Shape 56"/>
+        <p:cNvPr id="1" name="Shape 56"/>
         <p:cNvGrpSpPr/>
         <p:nvPr/>
       </p:nvGrpSpPr>
@@ -1387,9 +1446,11 @@
       <p:sp>
         <p:nvSpPr>
           <p:cNvPr id="57" name="Shape 57"/>
-          <p:cNvSpPr/>
+          <p:cNvSpPr>
+            <a:spLocks noGrp="1" noRot="1" noChangeAspect="1"/>
+          </p:cNvSpPr>
           <p:nvPr>
-            <p:ph idx="2" type="sldImg"/>
+            <p:ph type="sldImg" idx="2"/>
           </p:nvPr>
         </p:nvSpPr>
         <p:spPr>
@@ -1398,8 +1459,13 @@
             <a:ext cx="6096000" cy="3429000"/>
           </a:xfrm>
           <a:custGeom>
+            <a:avLst/>
+            <a:gdLst/>
+            <a:ahLst/>
+            <a:cxnLst/>
+            <a:rect l="0" t="0" r="0" b="0"/>
             <a:pathLst>
-              <a:path extrusionOk="0" h="120000" w="120000">
+              <a:path w="120000" h="120000" extrusionOk="0">
                 <a:moveTo>
                   <a:pt x="0" y="0"/>
                 </a:moveTo>
@@ -1421,9 +1487,11 @@
       <p:sp>
         <p:nvSpPr>
           <p:cNvPr id="58" name="Shape 58"/>
-          <p:cNvSpPr txBox="1"/>
+          <p:cNvSpPr txBox="1">
+            <a:spLocks noGrp="1"/>
+          </p:cNvSpPr>
           <p:nvPr>
-            <p:ph idx="1" type="body"/>
+            <p:ph type="body" idx="1"/>
           </p:nvPr>
         </p:nvSpPr>
         <p:spPr>
@@ -1436,23 +1504,20 @@
           </a:prstGeom>
         </p:spPr>
         <p:txBody>
-          <a:bodyPr anchorCtr="0" anchor="t" bIns="91425" lIns="91425" spcFirstLastPara="1" rIns="91425" wrap="square" tIns="91425">
+          <a:bodyPr spcFirstLastPara="1" wrap="square" lIns="91425" tIns="91425" rIns="91425" bIns="91425" anchor="t" anchorCtr="0">
             <a:noAutofit/>
           </a:bodyPr>
           <a:lstStyle/>
           <a:p>
-            <a:pPr indent="0" lvl="0" marL="0">
-              <a:spcBef>
-                <a:spcPts val="0"/>
-              </a:spcBef>
-              <a:spcAft>
-                <a:spcPts val="0"/>
-              </a:spcAft>
-              <a:buNone/>
-            </a:pPr>
-            <a:r>
-              <a:t/>
-            </a:r>
+            <a:pPr marL="0" lvl="0" indent="0">
+              <a:spcBef>
+                <a:spcPts val="0"/>
+              </a:spcBef>
+              <a:spcAft>
+                <a:spcPts val="0"/>
+              </a:spcAft>
+              <a:buNone/>
+            </a:pPr>
             <a:endParaRPr/>
           </a:p>
         </p:txBody>
@@ -1466,11 +1531,11 @@
 </file>
 
 <file path=ppt/notesSlides/notesSlide3.xml><?xml version="1.0" encoding="utf-8"?>
-<p:notes xmlns:a="http://schemas.openxmlformats.org/drawingml/2006/main" xmlns:r="http://schemas.openxmlformats.org/officeDocument/2006/relationships" xmlns:mc="http://schemas.openxmlformats.org/markup-compatibility/2006" xmlns:mv="urn:schemas-microsoft-com:mac:vml" xmlns:p="http://schemas.openxmlformats.org/presentationml/2006/main" xmlns:c="http://schemas.openxmlformats.org/drawingml/2006/chart" xmlns:dgm="http://schemas.openxmlformats.org/drawingml/2006/diagram" xmlns:o="urn:schemas-microsoft-com:office:office" xmlns:v="urn:schemas-microsoft-com:vml" xmlns:pvml="urn:schemas-microsoft-com:office:powerpoint" xmlns:com="http://schemas.openxmlformats.org/drawingml/2006/compatibility" xmlns:p14="http://schemas.microsoft.com/office/powerpoint/2010/main" xmlns:p15="http://schemas.microsoft.com/office/powerpoint/2012/main" showMasterPhAnim="0" showMasterSp="0">
+<p:notes xmlns:a="http://schemas.openxmlformats.org/drawingml/2006/main" xmlns:r="http://schemas.openxmlformats.org/officeDocument/2006/relationships" xmlns:p="http://schemas.openxmlformats.org/presentationml/2006/main" showMasterSp="0" showMasterPhAnim="0">
   <p:cSld>
     <p:spTree>
       <p:nvGrpSpPr>
-        <p:cNvPr id="63" name="Shape 63"/>
+        <p:cNvPr id="1" name="Shape 63"/>
         <p:cNvGrpSpPr/>
         <p:nvPr/>
       </p:nvGrpSpPr>
@@ -1485,9 +1550,11 @@
       <p:sp>
         <p:nvSpPr>
           <p:cNvPr id="64" name="Shape 64"/>
-          <p:cNvSpPr/>
+          <p:cNvSpPr>
+            <a:spLocks noGrp="1" noRot="1" noChangeAspect="1"/>
+          </p:cNvSpPr>
           <p:nvPr>
-            <p:ph idx="2" type="sldImg"/>
+            <p:ph type="sldImg" idx="2"/>
           </p:nvPr>
         </p:nvSpPr>
         <p:spPr>
@@ -1496,8 +1563,13 @@
             <a:ext cx="6096000" cy="3429000"/>
           </a:xfrm>
           <a:custGeom>
+            <a:avLst/>
+            <a:gdLst/>
+            <a:ahLst/>
+            <a:cxnLst/>
+            <a:rect l="0" t="0" r="0" b="0"/>
             <a:pathLst>
-              <a:path extrusionOk="0" h="120000" w="120000">
+              <a:path w="120000" h="120000" extrusionOk="0">
                 <a:moveTo>
                   <a:pt x="0" y="0"/>
                 </a:moveTo>
@@ -1519,9 +1591,11 @@
       <p:sp>
         <p:nvSpPr>
           <p:cNvPr id="65" name="Shape 65"/>
-          <p:cNvSpPr txBox="1"/>
+          <p:cNvSpPr txBox="1">
+            <a:spLocks noGrp="1"/>
+          </p:cNvSpPr>
           <p:nvPr>
-            <p:ph idx="1" type="body"/>
+            <p:ph type="body" idx="1"/>
           </p:nvPr>
         </p:nvSpPr>
         <p:spPr>
@@ -1534,23 +1608,20 @@
           </a:prstGeom>
         </p:spPr>
         <p:txBody>
-          <a:bodyPr anchorCtr="0" anchor="t" bIns="91425" lIns="91425" spcFirstLastPara="1" rIns="91425" wrap="square" tIns="91425">
+          <a:bodyPr spcFirstLastPara="1" wrap="square" lIns="91425" tIns="91425" rIns="91425" bIns="91425" anchor="t" anchorCtr="0">
             <a:noAutofit/>
           </a:bodyPr>
           <a:lstStyle/>
           <a:p>
-            <a:pPr indent="0" lvl="0" marL="0">
-              <a:spcBef>
-                <a:spcPts val="0"/>
-              </a:spcBef>
-              <a:spcAft>
-                <a:spcPts val="0"/>
-              </a:spcAft>
-              <a:buNone/>
-            </a:pPr>
-            <a:r>
-              <a:t/>
-            </a:r>
+            <a:pPr marL="0" lvl="0" indent="0">
+              <a:spcBef>
+                <a:spcPts val="0"/>
+              </a:spcBef>
+              <a:spcAft>
+                <a:spcPts val="0"/>
+              </a:spcAft>
+              <a:buNone/>
+            </a:pPr>
             <a:endParaRPr/>
           </a:p>
         </p:txBody>
@@ -1564,11 +1635,11 @@
 </file>
 
 <file path=ppt/notesSlides/notesSlide4.xml><?xml version="1.0" encoding="utf-8"?>
-<p:notes xmlns:a="http://schemas.openxmlformats.org/drawingml/2006/main" xmlns:r="http://schemas.openxmlformats.org/officeDocument/2006/relationships" xmlns:mc="http://schemas.openxmlformats.org/markup-compatibility/2006" xmlns:mv="urn:schemas-microsoft-com:mac:vml" xmlns:p="http://schemas.openxmlformats.org/presentationml/2006/main" xmlns:c="http://schemas.openxmlformats.org/drawingml/2006/chart" xmlns:dgm="http://schemas.openxmlformats.org/drawingml/2006/diagram" xmlns:o="urn:schemas-microsoft-com:office:office" xmlns:v="urn:schemas-microsoft-com:vml" xmlns:pvml="urn:schemas-microsoft-com:office:powerpoint" xmlns:com="http://schemas.openxmlformats.org/drawingml/2006/compatibility" xmlns:p14="http://schemas.microsoft.com/office/powerpoint/2010/main" xmlns:p15="http://schemas.microsoft.com/office/powerpoint/2012/main" showMasterPhAnim="0" showMasterSp="0">
+<p:notes xmlns:a="http://schemas.openxmlformats.org/drawingml/2006/main" xmlns:r="http://schemas.openxmlformats.org/officeDocument/2006/relationships" xmlns:p="http://schemas.openxmlformats.org/presentationml/2006/main" showMasterSp="0" showMasterPhAnim="0">
   <p:cSld>
     <p:spTree>
       <p:nvGrpSpPr>
-        <p:cNvPr id="69" name="Shape 69"/>
+        <p:cNvPr id="1" name="Shape 69"/>
         <p:cNvGrpSpPr/>
         <p:nvPr/>
       </p:nvGrpSpPr>
@@ -1583,9 +1654,11 @@
       <p:sp>
         <p:nvSpPr>
           <p:cNvPr id="70" name="Shape 70"/>
-          <p:cNvSpPr/>
+          <p:cNvSpPr>
+            <a:spLocks noGrp="1" noRot="1" noChangeAspect="1"/>
+          </p:cNvSpPr>
           <p:nvPr>
-            <p:ph idx="2" type="sldImg"/>
+            <p:ph type="sldImg" idx="2"/>
           </p:nvPr>
         </p:nvSpPr>
         <p:spPr>
@@ -1594,8 +1667,13 @@
             <a:ext cx="6096000" cy="3429000"/>
           </a:xfrm>
           <a:custGeom>
+            <a:avLst/>
+            <a:gdLst/>
+            <a:ahLst/>
+            <a:cxnLst/>
+            <a:rect l="0" t="0" r="0" b="0"/>
             <a:pathLst>
-              <a:path extrusionOk="0" h="120000" w="120000">
+              <a:path w="120000" h="120000" extrusionOk="0">
                 <a:moveTo>
                   <a:pt x="0" y="0"/>
                 </a:moveTo>
@@ -1617,9 +1695,11 @@
       <p:sp>
         <p:nvSpPr>
           <p:cNvPr id="71" name="Shape 71"/>
-          <p:cNvSpPr txBox="1"/>
+          <p:cNvSpPr txBox="1">
+            <a:spLocks noGrp="1"/>
+          </p:cNvSpPr>
           <p:nvPr>
-            <p:ph idx="1" type="body"/>
+            <p:ph type="body" idx="1"/>
           </p:nvPr>
         </p:nvSpPr>
         <p:spPr>
@@ -1632,23 +1712,20 @@
           </a:prstGeom>
         </p:spPr>
         <p:txBody>
-          <a:bodyPr anchorCtr="0" anchor="t" bIns="91425" lIns="91425" spcFirstLastPara="1" rIns="91425" wrap="square" tIns="91425">
+          <a:bodyPr spcFirstLastPara="1" wrap="square" lIns="91425" tIns="91425" rIns="91425" bIns="91425" anchor="t" anchorCtr="0">
             <a:noAutofit/>
           </a:bodyPr>
           <a:lstStyle/>
           <a:p>
-            <a:pPr indent="0" lvl="0" marL="0" rtl="0">
-              <a:spcBef>
-                <a:spcPts val="0"/>
-              </a:spcBef>
-              <a:spcAft>
-                <a:spcPts val="0"/>
-              </a:spcAft>
-              <a:buNone/>
-            </a:pPr>
-            <a:r>
-              <a:t/>
-            </a:r>
+            <a:pPr marL="0" lvl="0" indent="0" rtl="0">
+              <a:spcBef>
+                <a:spcPts val="0"/>
+              </a:spcBef>
+              <a:spcAft>
+                <a:spcPts val="0"/>
+              </a:spcAft>
+              <a:buNone/>
+            </a:pPr>
             <a:endParaRPr/>
           </a:p>
         </p:txBody>
@@ -1662,11 +1739,11 @@
 </file>
 
 <file path=ppt/notesSlides/notesSlide5.xml><?xml version="1.0" encoding="utf-8"?>
-<p:notes xmlns:a="http://schemas.openxmlformats.org/drawingml/2006/main" xmlns:r="http://schemas.openxmlformats.org/officeDocument/2006/relationships" xmlns:mc="http://schemas.openxmlformats.org/markup-compatibility/2006" xmlns:mv="urn:schemas-microsoft-com:mac:vml" xmlns:p="http://schemas.openxmlformats.org/presentationml/2006/main" xmlns:c="http://schemas.openxmlformats.org/drawingml/2006/chart" xmlns:dgm="http://schemas.openxmlformats.org/drawingml/2006/diagram" xmlns:o="urn:schemas-microsoft-com:office:office" xmlns:v="urn:schemas-microsoft-com:vml" xmlns:pvml="urn:schemas-microsoft-com:office:powerpoint" xmlns:com="http://schemas.openxmlformats.org/drawingml/2006/compatibility" xmlns:p14="http://schemas.microsoft.com/office/powerpoint/2010/main" xmlns:p15="http://schemas.microsoft.com/office/powerpoint/2012/main" showMasterPhAnim="0" showMasterSp="0">
+<p:notes xmlns:a="http://schemas.openxmlformats.org/drawingml/2006/main" xmlns:r="http://schemas.openxmlformats.org/officeDocument/2006/relationships" xmlns:p="http://schemas.openxmlformats.org/presentationml/2006/main" showMasterSp="0" showMasterPhAnim="0">
   <p:cSld>
     <p:spTree>
       <p:nvGrpSpPr>
-        <p:cNvPr id="75" name="Shape 75"/>
+        <p:cNvPr id="1" name="Shape 75"/>
         <p:cNvGrpSpPr/>
         <p:nvPr/>
       </p:nvGrpSpPr>
@@ -1681,9 +1758,11 @@
       <p:sp>
         <p:nvSpPr>
           <p:cNvPr id="76" name="Shape 76"/>
-          <p:cNvSpPr/>
+          <p:cNvSpPr>
+            <a:spLocks noGrp="1" noRot="1" noChangeAspect="1"/>
+          </p:cNvSpPr>
           <p:nvPr>
-            <p:ph idx="2" type="sldImg"/>
+            <p:ph type="sldImg" idx="2"/>
           </p:nvPr>
         </p:nvSpPr>
         <p:spPr>
@@ -1692,8 +1771,13 @@
             <a:ext cx="6096000" cy="3429000"/>
           </a:xfrm>
           <a:custGeom>
+            <a:avLst/>
+            <a:gdLst/>
+            <a:ahLst/>
+            <a:cxnLst/>
+            <a:rect l="0" t="0" r="0" b="0"/>
             <a:pathLst>
-              <a:path extrusionOk="0" h="120000" w="120000">
+              <a:path w="120000" h="120000" extrusionOk="0">
                 <a:moveTo>
                   <a:pt x="0" y="0"/>
                 </a:moveTo>
@@ -1715,9 +1799,11 @@
       <p:sp>
         <p:nvSpPr>
           <p:cNvPr id="77" name="Shape 77"/>
-          <p:cNvSpPr txBox="1"/>
+          <p:cNvSpPr txBox="1">
+            <a:spLocks noGrp="1"/>
+          </p:cNvSpPr>
           <p:nvPr>
-            <p:ph idx="1" type="body"/>
+            <p:ph type="body" idx="1"/>
           </p:nvPr>
         </p:nvSpPr>
         <p:spPr>
@@ -1730,23 +1816,20 @@
           </a:prstGeom>
         </p:spPr>
         <p:txBody>
-          <a:bodyPr anchorCtr="0" anchor="t" bIns="91425" lIns="91425" spcFirstLastPara="1" rIns="91425" wrap="square" tIns="91425">
+          <a:bodyPr spcFirstLastPara="1" wrap="square" lIns="91425" tIns="91425" rIns="91425" bIns="91425" anchor="t" anchorCtr="0">
             <a:noAutofit/>
           </a:bodyPr>
           <a:lstStyle/>
           <a:p>
-            <a:pPr indent="0" lvl="0" marL="0" rtl="0">
-              <a:spcBef>
-                <a:spcPts val="0"/>
-              </a:spcBef>
-              <a:spcAft>
-                <a:spcPts val="0"/>
-              </a:spcAft>
-              <a:buNone/>
-            </a:pPr>
-            <a:r>
-              <a:t/>
-            </a:r>
+            <a:pPr marL="0" lvl="0" indent="0" rtl="0">
+              <a:spcBef>
+                <a:spcPts val="0"/>
+              </a:spcBef>
+              <a:spcAft>
+                <a:spcPts val="0"/>
+              </a:spcAft>
+              <a:buNone/>
+            </a:pPr>
             <a:endParaRPr/>
           </a:p>
         </p:txBody>
@@ -1760,11 +1843,11 @@
 </file>
 
 <file path=ppt/notesSlides/notesSlide6.xml><?xml version="1.0" encoding="utf-8"?>
-<p:notes xmlns:a="http://schemas.openxmlformats.org/drawingml/2006/main" xmlns:r="http://schemas.openxmlformats.org/officeDocument/2006/relationships" xmlns:mc="http://schemas.openxmlformats.org/markup-compatibility/2006" xmlns:mv="urn:schemas-microsoft-com:mac:vml" xmlns:p="http://schemas.openxmlformats.org/presentationml/2006/main" xmlns:c="http://schemas.openxmlformats.org/drawingml/2006/chart" xmlns:dgm="http://schemas.openxmlformats.org/drawingml/2006/diagram" xmlns:o="urn:schemas-microsoft-com:office:office" xmlns:v="urn:schemas-microsoft-com:vml" xmlns:pvml="urn:schemas-microsoft-com:office:powerpoint" xmlns:com="http://schemas.openxmlformats.org/drawingml/2006/compatibility" xmlns:p14="http://schemas.microsoft.com/office/powerpoint/2010/main" xmlns:p15="http://schemas.microsoft.com/office/powerpoint/2012/main" showMasterPhAnim="0" showMasterSp="0">
+<p:notes xmlns:a="http://schemas.openxmlformats.org/drawingml/2006/main" xmlns:r="http://schemas.openxmlformats.org/officeDocument/2006/relationships" xmlns:p="http://schemas.openxmlformats.org/presentationml/2006/main" showMasterSp="0" showMasterPhAnim="0">
   <p:cSld>
     <p:spTree>
       <p:nvGrpSpPr>
-        <p:cNvPr id="81" name="Shape 81"/>
+        <p:cNvPr id="1" name="Shape 81"/>
         <p:cNvGrpSpPr/>
         <p:nvPr/>
       </p:nvGrpSpPr>
@@ -1779,9 +1862,11 @@
       <p:sp>
         <p:nvSpPr>
           <p:cNvPr id="82" name="Shape 82"/>
-          <p:cNvSpPr/>
+          <p:cNvSpPr>
+            <a:spLocks noGrp="1" noRot="1" noChangeAspect="1"/>
+          </p:cNvSpPr>
           <p:nvPr>
-            <p:ph idx="2" type="sldImg"/>
+            <p:ph type="sldImg" idx="2"/>
           </p:nvPr>
         </p:nvSpPr>
         <p:spPr>
@@ -1790,8 +1875,13 @@
             <a:ext cx="6096000" cy="3429000"/>
           </a:xfrm>
           <a:custGeom>
+            <a:avLst/>
+            <a:gdLst/>
+            <a:ahLst/>
+            <a:cxnLst/>
+            <a:rect l="0" t="0" r="0" b="0"/>
             <a:pathLst>
-              <a:path extrusionOk="0" h="120000" w="120000">
+              <a:path w="120000" h="120000" extrusionOk="0">
                 <a:moveTo>
                   <a:pt x="0" y="0"/>
                 </a:moveTo>
@@ -1813,9 +1903,11 @@
       <p:sp>
         <p:nvSpPr>
           <p:cNvPr id="83" name="Shape 83"/>
-          <p:cNvSpPr txBox="1"/>
+          <p:cNvSpPr txBox="1">
+            <a:spLocks noGrp="1"/>
+          </p:cNvSpPr>
           <p:nvPr>
-            <p:ph idx="1" type="body"/>
+            <p:ph type="body" idx="1"/>
           </p:nvPr>
         </p:nvSpPr>
         <p:spPr>
@@ -1828,23 +1920,20 @@
           </a:prstGeom>
         </p:spPr>
         <p:txBody>
-          <a:bodyPr anchorCtr="0" anchor="t" bIns="91425" lIns="91425" spcFirstLastPara="1" rIns="91425" wrap="square" tIns="91425">
+          <a:bodyPr spcFirstLastPara="1" wrap="square" lIns="91425" tIns="91425" rIns="91425" bIns="91425" anchor="t" anchorCtr="0">
             <a:noAutofit/>
           </a:bodyPr>
           <a:lstStyle/>
           <a:p>
-            <a:pPr indent="0" lvl="0" marL="0">
-              <a:spcBef>
-                <a:spcPts val="0"/>
-              </a:spcBef>
-              <a:spcAft>
-                <a:spcPts val="0"/>
-              </a:spcAft>
-              <a:buNone/>
-            </a:pPr>
-            <a:r>
-              <a:t/>
-            </a:r>
+            <a:pPr marL="0" lvl="0" indent="0">
+              <a:spcBef>
+                <a:spcPts val="0"/>
+              </a:spcBef>
+              <a:spcAft>
+                <a:spcPts val="0"/>
+              </a:spcAft>
+              <a:buNone/>
+            </a:pPr>
             <a:endParaRPr/>
           </a:p>
         </p:txBody>
@@ -1858,11 +1947,11 @@
 </file>
 
 <file path=ppt/notesSlides/notesSlide7.xml><?xml version="1.0" encoding="utf-8"?>
-<p:notes xmlns:a="http://schemas.openxmlformats.org/drawingml/2006/main" xmlns:r="http://schemas.openxmlformats.org/officeDocument/2006/relationships" xmlns:mc="http://schemas.openxmlformats.org/markup-compatibility/2006" xmlns:mv="urn:schemas-microsoft-com:mac:vml" xmlns:p="http://schemas.openxmlformats.org/presentationml/2006/main" xmlns:c="http://schemas.openxmlformats.org/drawingml/2006/chart" xmlns:dgm="http://schemas.openxmlformats.org/drawingml/2006/diagram" xmlns:o="urn:schemas-microsoft-com:office:office" xmlns:v="urn:schemas-microsoft-com:vml" xmlns:pvml="urn:schemas-microsoft-com:office:powerpoint" xmlns:com="http://schemas.openxmlformats.org/drawingml/2006/compatibility" xmlns:p14="http://schemas.microsoft.com/office/powerpoint/2010/main" xmlns:p15="http://schemas.microsoft.com/office/powerpoint/2012/main" showMasterPhAnim="0" showMasterSp="0">
+<p:notes xmlns:a="http://schemas.openxmlformats.org/drawingml/2006/main" xmlns:r="http://schemas.openxmlformats.org/officeDocument/2006/relationships" xmlns:p="http://schemas.openxmlformats.org/presentationml/2006/main" showMasterSp="0" showMasterPhAnim="0">
   <p:cSld>
     <p:spTree>
       <p:nvGrpSpPr>
-        <p:cNvPr id="87" name="Shape 87"/>
+        <p:cNvPr id="1" name="Shape 87"/>
         <p:cNvGrpSpPr/>
         <p:nvPr/>
       </p:nvGrpSpPr>
@@ -1877,9 +1966,11 @@
       <p:sp>
         <p:nvSpPr>
           <p:cNvPr id="88" name="Shape 88"/>
-          <p:cNvSpPr/>
+          <p:cNvSpPr>
+            <a:spLocks noGrp="1" noRot="1" noChangeAspect="1"/>
+          </p:cNvSpPr>
           <p:nvPr>
-            <p:ph idx="2" type="sldImg"/>
+            <p:ph type="sldImg" idx="2"/>
           </p:nvPr>
         </p:nvSpPr>
         <p:spPr>
@@ -1888,8 +1979,13 @@
             <a:ext cx="6096000" cy="3429000"/>
           </a:xfrm>
           <a:custGeom>
+            <a:avLst/>
+            <a:gdLst/>
+            <a:ahLst/>
+            <a:cxnLst/>
+            <a:rect l="0" t="0" r="0" b="0"/>
             <a:pathLst>
-              <a:path extrusionOk="0" h="120000" w="120000">
+              <a:path w="120000" h="120000" extrusionOk="0">
                 <a:moveTo>
                   <a:pt x="0" y="0"/>
                 </a:moveTo>
@@ -1911,9 +2007,11 @@
       <p:sp>
         <p:nvSpPr>
           <p:cNvPr id="89" name="Shape 89"/>
-          <p:cNvSpPr txBox="1"/>
+          <p:cNvSpPr txBox="1">
+            <a:spLocks noGrp="1"/>
+          </p:cNvSpPr>
           <p:nvPr>
-            <p:ph idx="1" type="body"/>
+            <p:ph type="body" idx="1"/>
           </p:nvPr>
         </p:nvSpPr>
         <p:spPr>
@@ -1926,23 +2024,20 @@
           </a:prstGeom>
         </p:spPr>
         <p:txBody>
-          <a:bodyPr anchorCtr="0" anchor="t" bIns="91425" lIns="91425" spcFirstLastPara="1" rIns="91425" wrap="square" tIns="91425">
+          <a:bodyPr spcFirstLastPara="1" wrap="square" lIns="91425" tIns="91425" rIns="91425" bIns="91425" anchor="t" anchorCtr="0">
             <a:noAutofit/>
           </a:bodyPr>
           <a:lstStyle/>
           <a:p>
-            <a:pPr indent="0" lvl="0" marL="0">
-              <a:spcBef>
-                <a:spcPts val="0"/>
-              </a:spcBef>
-              <a:spcAft>
-                <a:spcPts val="0"/>
-              </a:spcAft>
-              <a:buNone/>
-            </a:pPr>
-            <a:r>
-              <a:t/>
-            </a:r>
+            <a:pPr marL="0" lvl="0" indent="0">
+              <a:spcBef>
+                <a:spcPts val="0"/>
+              </a:spcBef>
+              <a:spcAft>
+                <a:spcPts val="0"/>
+              </a:spcAft>
+              <a:buNone/>
+            </a:pPr>
             <a:endParaRPr/>
           </a:p>
         </p:txBody>
@@ -1956,11 +2051,11 @@
 </file>
 
 <file path=ppt/notesSlides/notesSlide8.xml><?xml version="1.0" encoding="utf-8"?>
-<p:notes xmlns:a="http://schemas.openxmlformats.org/drawingml/2006/main" xmlns:r="http://schemas.openxmlformats.org/officeDocument/2006/relationships" xmlns:mc="http://schemas.openxmlformats.org/markup-compatibility/2006" xmlns:mv="urn:schemas-microsoft-com:mac:vml" xmlns:p="http://schemas.openxmlformats.org/presentationml/2006/main" xmlns:c="http://schemas.openxmlformats.org/drawingml/2006/chart" xmlns:dgm="http://schemas.openxmlformats.org/drawingml/2006/diagram" xmlns:o="urn:schemas-microsoft-com:office:office" xmlns:v="urn:schemas-microsoft-com:vml" xmlns:pvml="urn:schemas-microsoft-com:office:powerpoint" xmlns:com="http://schemas.openxmlformats.org/drawingml/2006/compatibility" xmlns:p14="http://schemas.microsoft.com/office/powerpoint/2010/main" xmlns:p15="http://schemas.microsoft.com/office/powerpoint/2012/main" showMasterPhAnim="0" showMasterSp="0">
+<p:notes xmlns:a="http://schemas.openxmlformats.org/drawingml/2006/main" xmlns:r="http://schemas.openxmlformats.org/officeDocument/2006/relationships" xmlns:p="http://schemas.openxmlformats.org/presentationml/2006/main" showMasterSp="0" showMasterPhAnim="0">
   <p:cSld>
     <p:spTree>
       <p:nvGrpSpPr>
-        <p:cNvPr id="93" name="Shape 93"/>
+        <p:cNvPr id="1" name="Shape 93"/>
         <p:cNvGrpSpPr/>
         <p:nvPr/>
       </p:nvGrpSpPr>
@@ -1975,9 +2070,11 @@
       <p:sp>
         <p:nvSpPr>
           <p:cNvPr id="94" name="Shape 94"/>
-          <p:cNvSpPr/>
+          <p:cNvSpPr>
+            <a:spLocks noGrp="1" noRot="1" noChangeAspect="1"/>
+          </p:cNvSpPr>
           <p:nvPr>
-            <p:ph idx="2" type="sldImg"/>
+            <p:ph type="sldImg" idx="2"/>
           </p:nvPr>
         </p:nvSpPr>
         <p:spPr>
@@ -1986,8 +2083,13 @@
             <a:ext cx="6096000" cy="3429000"/>
           </a:xfrm>
           <a:custGeom>
+            <a:avLst/>
+            <a:gdLst/>
+            <a:ahLst/>
+            <a:cxnLst/>
+            <a:rect l="0" t="0" r="0" b="0"/>
             <a:pathLst>
-              <a:path extrusionOk="0" h="120000" w="120000">
+              <a:path w="120000" h="120000" extrusionOk="0">
                 <a:moveTo>
                   <a:pt x="0" y="0"/>
                 </a:moveTo>
@@ -2009,9 +2111,11 @@
       <p:sp>
         <p:nvSpPr>
           <p:cNvPr id="95" name="Shape 95"/>
-          <p:cNvSpPr txBox="1"/>
+          <p:cNvSpPr txBox="1">
+            <a:spLocks noGrp="1"/>
+          </p:cNvSpPr>
           <p:nvPr>
-            <p:ph idx="1" type="body"/>
+            <p:ph type="body" idx="1"/>
           </p:nvPr>
         </p:nvSpPr>
         <p:spPr>
@@ -2024,23 +2128,20 @@
           </a:prstGeom>
         </p:spPr>
         <p:txBody>
-          <a:bodyPr anchorCtr="0" anchor="t" bIns="91425" lIns="91425" spcFirstLastPara="1" rIns="91425" wrap="square" tIns="91425">
+          <a:bodyPr spcFirstLastPara="1" wrap="square" lIns="91425" tIns="91425" rIns="91425" bIns="91425" anchor="t" anchorCtr="0">
             <a:noAutofit/>
           </a:bodyPr>
           <a:lstStyle/>
           <a:p>
-            <a:pPr indent="0" lvl="0" marL="0">
-              <a:spcBef>
-                <a:spcPts val="0"/>
-              </a:spcBef>
-              <a:spcAft>
-                <a:spcPts val="0"/>
-              </a:spcAft>
-              <a:buNone/>
-            </a:pPr>
-            <a:r>
-              <a:t/>
-            </a:r>
+            <a:pPr marL="0" lvl="0" indent="0">
+              <a:spcBef>
+                <a:spcPts val="0"/>
+              </a:spcBef>
+              <a:spcAft>
+                <a:spcPts val="0"/>
+              </a:spcAft>
+              <a:buNone/>
+            </a:pPr>
             <a:endParaRPr/>
           </a:p>
         </p:txBody>
@@ -2054,11 +2155,11 @@
 </file>
 
 <file path=ppt/notesSlides/notesSlide9.xml><?xml version="1.0" encoding="utf-8"?>
-<p:notes xmlns:a="http://schemas.openxmlformats.org/drawingml/2006/main" xmlns:r="http://schemas.openxmlformats.org/officeDocument/2006/relationships" xmlns:mc="http://schemas.openxmlformats.org/markup-compatibility/2006" xmlns:mv="urn:schemas-microsoft-com:mac:vml" xmlns:p="http://schemas.openxmlformats.org/presentationml/2006/main" xmlns:c="http://schemas.openxmlformats.org/drawingml/2006/chart" xmlns:dgm="http://schemas.openxmlformats.org/drawingml/2006/diagram" xmlns:o="urn:schemas-microsoft-com:office:office" xmlns:v="urn:schemas-microsoft-com:vml" xmlns:pvml="urn:schemas-microsoft-com:office:powerpoint" xmlns:com="http://schemas.openxmlformats.org/drawingml/2006/compatibility" xmlns:p14="http://schemas.microsoft.com/office/powerpoint/2010/main" xmlns:p15="http://schemas.microsoft.com/office/powerpoint/2012/main" showMasterPhAnim="0" showMasterSp="0">
+<p:notes xmlns:a="http://schemas.openxmlformats.org/drawingml/2006/main" xmlns:r="http://schemas.openxmlformats.org/officeDocument/2006/relationships" xmlns:p="http://schemas.openxmlformats.org/presentationml/2006/main" showMasterSp="0" showMasterPhAnim="0">
   <p:cSld>
     <p:spTree>
       <p:nvGrpSpPr>
-        <p:cNvPr id="100" name="Shape 100"/>
+        <p:cNvPr id="1" name="Shape 100"/>
         <p:cNvGrpSpPr/>
         <p:nvPr/>
       </p:nvGrpSpPr>
@@ -2073,9 +2174,11 @@
       <p:sp>
         <p:nvSpPr>
           <p:cNvPr id="101" name="Shape 101"/>
-          <p:cNvSpPr/>
+          <p:cNvSpPr>
+            <a:spLocks noGrp="1" noRot="1" noChangeAspect="1"/>
+          </p:cNvSpPr>
           <p:nvPr>
-            <p:ph idx="2" type="sldImg"/>
+            <p:ph type="sldImg" idx="2"/>
           </p:nvPr>
         </p:nvSpPr>
         <p:spPr>
@@ -2084,8 +2187,13 @@
             <a:ext cx="6096000" cy="3429000"/>
           </a:xfrm>
           <a:custGeom>
+            <a:avLst/>
+            <a:gdLst/>
+            <a:ahLst/>
+            <a:cxnLst/>
+            <a:rect l="0" t="0" r="0" b="0"/>
             <a:pathLst>
-              <a:path extrusionOk="0" h="120000" w="120000">
+              <a:path w="120000" h="120000" extrusionOk="0">
                 <a:moveTo>
                   <a:pt x="0" y="0"/>
                 </a:moveTo>
@@ -2107,9 +2215,11 @@
       <p:sp>
         <p:nvSpPr>
           <p:cNvPr id="102" name="Shape 102"/>
-          <p:cNvSpPr txBox="1"/>
+          <p:cNvSpPr txBox="1">
+            <a:spLocks noGrp="1"/>
+          </p:cNvSpPr>
           <p:nvPr>
-            <p:ph idx="1" type="body"/>
+            <p:ph type="body" idx="1"/>
           </p:nvPr>
         </p:nvSpPr>
         <p:spPr>
@@ -2122,23 +2232,20 @@
           </a:prstGeom>
         </p:spPr>
         <p:txBody>
-          <a:bodyPr anchorCtr="0" anchor="t" bIns="91425" lIns="91425" spcFirstLastPara="1" rIns="91425" wrap="square" tIns="91425">
+          <a:bodyPr spcFirstLastPara="1" wrap="square" lIns="91425" tIns="91425" rIns="91425" bIns="91425" anchor="t" anchorCtr="0">
             <a:noAutofit/>
           </a:bodyPr>
           <a:lstStyle/>
           <a:p>
-            <a:pPr indent="0" lvl="0" marL="0">
-              <a:spcBef>
-                <a:spcPts val="0"/>
-              </a:spcBef>
-              <a:spcAft>
-                <a:spcPts val="0"/>
-              </a:spcAft>
-              <a:buNone/>
-            </a:pPr>
-            <a:r>
-              <a:t/>
-            </a:r>
+            <a:pPr marL="0" lvl="0" indent="0">
+              <a:spcBef>
+                <a:spcPts val="0"/>
+              </a:spcBef>
+              <a:spcAft>
+                <a:spcPts val="0"/>
+              </a:spcAft>
+              <a:buNone/>
+            </a:pPr>
             <a:endParaRPr/>
           </a:p>
         </p:txBody>
@@ -2152,11 +2259,11 @@
 </file>
 
 <file path=ppt/slideLayouts/slideLayout1.xml><?xml version="1.0" encoding="utf-8"?>
-<p:sldLayout xmlns:a="http://schemas.openxmlformats.org/drawingml/2006/main" xmlns:r="http://schemas.openxmlformats.org/officeDocument/2006/relationships" xmlns:mc="http://schemas.openxmlformats.org/markup-compatibility/2006" xmlns:mv="urn:schemas-microsoft-com:mac:vml" xmlns:p="http://schemas.openxmlformats.org/presentationml/2006/main" xmlns:c="http://schemas.openxmlformats.org/drawingml/2006/chart" xmlns:dgm="http://schemas.openxmlformats.org/drawingml/2006/diagram" xmlns:o="urn:schemas-microsoft-com:office:office" xmlns:v="urn:schemas-microsoft-com:vml" xmlns:pvml="urn:schemas-microsoft-com:office:powerpoint" xmlns:com="http://schemas.openxmlformats.org/drawingml/2006/compatibility" xmlns:p14="http://schemas.microsoft.com/office/powerpoint/2010/main" xmlns:p15="http://schemas.microsoft.com/office/powerpoint/2012/main" matchingName="Title slide" type="title">
+<p:sldLayout xmlns:a="http://schemas.openxmlformats.org/drawingml/2006/main" xmlns:r="http://schemas.openxmlformats.org/officeDocument/2006/relationships" xmlns:p="http://schemas.openxmlformats.org/presentationml/2006/main" matchingName="Title slide" type="title">
   <p:cSld name="TITLE">
     <p:spTree>
       <p:nvGrpSpPr>
-        <p:cNvPr id="9" name="Shape 9"/>
+        <p:cNvPr id="1" name="Shape 9"/>
         <p:cNvGrpSpPr/>
         <p:nvPr/>
       </p:nvGrpSpPr>
@@ -2171,7 +2278,9 @@
       <p:sp>
         <p:nvSpPr>
           <p:cNvPr id="10" name="Shape 10"/>
-          <p:cNvSpPr txBox="1"/>
+          <p:cNvSpPr txBox="1">
+            <a:spLocks noGrp="1"/>
+          </p:cNvSpPr>
           <p:nvPr>
             <p:ph type="ctrTitle"/>
           </p:nvPr>
@@ -2186,7 +2295,7 @@
           </a:prstGeom>
         </p:spPr>
         <p:txBody>
-          <a:bodyPr anchorCtr="0" anchor="b" bIns="91425" lIns="91425" spcFirstLastPara="1" rIns="91425" wrap="square" tIns="91425"/>
+          <a:bodyPr spcFirstLastPara="1" wrap="square" lIns="91425" tIns="91425" rIns="91425" bIns="91425" anchor="b" anchorCtr="0"/>
           <a:lstStyle>
             <a:lvl1pPr lvl="0" algn="ctr">
               <a:spcBef>
@@ -2288,15 +2397,19 @@
               <a:defRPr sz="5200"/>
             </a:lvl9pPr>
           </a:lstStyle>
-          <a:p/>
+          <a:p>
+            <a:endParaRPr/>
+          </a:p>
         </p:txBody>
       </p:sp>
       <p:sp>
         <p:nvSpPr>
           <p:cNvPr id="11" name="Shape 11"/>
-          <p:cNvSpPr txBox="1"/>
+          <p:cNvSpPr txBox="1">
+            <a:spLocks noGrp="1"/>
+          </p:cNvSpPr>
           <p:nvPr>
-            <p:ph idx="1" type="subTitle"/>
+            <p:ph type="subTitle" idx="1"/>
           </p:nvPr>
         </p:nvSpPr>
         <p:spPr>
@@ -2309,7 +2422,7 @@
           </a:prstGeom>
         </p:spPr>
         <p:txBody>
-          <a:bodyPr anchorCtr="0" anchor="t" bIns="91425" lIns="91425" spcFirstLastPara="1" rIns="91425" wrap="square" tIns="91425"/>
+          <a:bodyPr spcFirstLastPara="1" wrap="square" lIns="91425" tIns="91425" rIns="91425" bIns="91425" anchor="t" anchorCtr="0"/>
           <a:lstStyle>
             <a:lvl1pPr lvl="0" algn="ctr">
               <a:lnSpc>
@@ -2438,15 +2551,19 @@
               <a:defRPr sz="2800"/>
             </a:lvl9pPr>
           </a:lstStyle>
-          <a:p/>
+          <a:p>
+            <a:endParaRPr/>
+          </a:p>
         </p:txBody>
       </p:sp>
       <p:sp>
         <p:nvSpPr>
           <p:cNvPr id="12" name="Shape 12"/>
-          <p:cNvSpPr txBox="1"/>
+          <p:cNvSpPr txBox="1">
+            <a:spLocks noGrp="1"/>
+          </p:cNvSpPr>
           <p:nvPr>
-            <p:ph idx="12" type="sldNum"/>
+            <p:ph type="sldNum" idx="12"/>
           </p:nvPr>
         </p:nvSpPr>
         <p:spPr>
@@ -2459,7 +2576,7 @@
           </a:prstGeom>
         </p:spPr>
         <p:txBody>
-          <a:bodyPr anchorCtr="0" anchor="ctr" bIns="91425" lIns="91425" spcFirstLastPara="1" rIns="91425" wrap="square" tIns="91425">
+          <a:bodyPr spcFirstLastPara="1" wrap="square" lIns="91425" tIns="91425" rIns="91425" bIns="91425" anchor="ctr" anchorCtr="0">
             <a:noAutofit/>
           </a:bodyPr>
           <a:lstStyle>
@@ -2501,7 +2618,7 @@
             </a:lvl9pPr>
           </a:lstStyle>
           <a:p>
-            <a:pPr indent="0" lvl="0" marL="0">
+            <a:pPr marL="0" lvl="0" indent="0">
               <a:spcBef>
                 <a:spcPts val="0"/>
               </a:spcBef>
@@ -2527,11 +2644,11 @@
 </file>
 
 <file path=ppt/slideLayouts/slideLayout10.xml><?xml version="1.0" encoding="utf-8"?>
-<p:sldLayout xmlns:a="http://schemas.openxmlformats.org/drawingml/2006/main" xmlns:r="http://schemas.openxmlformats.org/officeDocument/2006/relationships" xmlns:mc="http://schemas.openxmlformats.org/markup-compatibility/2006" xmlns:mv="urn:schemas-microsoft-com:mac:vml" xmlns:p="http://schemas.openxmlformats.org/presentationml/2006/main" xmlns:c="http://schemas.openxmlformats.org/drawingml/2006/chart" xmlns:dgm="http://schemas.openxmlformats.org/drawingml/2006/diagram" xmlns:o="urn:schemas-microsoft-com:office:office" xmlns:v="urn:schemas-microsoft-com:vml" xmlns:pvml="urn:schemas-microsoft-com:office:powerpoint" xmlns:com="http://schemas.openxmlformats.org/drawingml/2006/compatibility" xmlns:p14="http://schemas.microsoft.com/office/powerpoint/2010/main" xmlns:p15="http://schemas.microsoft.com/office/powerpoint/2012/main" matchingName="Big number">
+<p:sldLayout xmlns:a="http://schemas.openxmlformats.org/drawingml/2006/main" xmlns:r="http://schemas.openxmlformats.org/officeDocument/2006/relationships" xmlns:p="http://schemas.openxmlformats.org/presentationml/2006/main" matchingName="Big number">
   <p:cSld name="BIG_NUMBER">
     <p:spTree>
       <p:nvGrpSpPr>
-        <p:cNvPr id="44" name="Shape 44"/>
+        <p:cNvPr id="1" name="Shape 44"/>
         <p:cNvGrpSpPr/>
         <p:nvPr/>
       </p:nvGrpSpPr>
@@ -2546,7 +2663,9 @@
       <p:sp>
         <p:nvSpPr>
           <p:cNvPr id="45" name="Shape 45"/>
-          <p:cNvSpPr txBox="1"/>
+          <p:cNvSpPr txBox="1">
+            <a:spLocks noGrp="1"/>
+          </p:cNvSpPr>
           <p:nvPr>
             <p:ph type="title"/>
           </p:nvPr>
@@ -2561,7 +2680,7 @@
           </a:prstGeom>
         </p:spPr>
         <p:txBody>
-          <a:bodyPr anchorCtr="0" anchor="b" bIns="91425" lIns="91425" spcFirstLastPara="1" rIns="91425" wrap="square" tIns="91425"/>
+          <a:bodyPr spcFirstLastPara="1" wrap="square" lIns="91425" tIns="91425" rIns="91425" bIns="91425" anchor="b" anchorCtr="0"/>
           <a:lstStyle>
             <a:lvl1pPr lvl="0" algn="ctr">
               <a:spcBef>
@@ -2663,15 +2782,19 @@
               <a:defRPr sz="12000"/>
             </a:lvl9pPr>
           </a:lstStyle>
-          <a:p/>
+          <a:p>
+            <a:endParaRPr/>
+          </a:p>
         </p:txBody>
       </p:sp>
       <p:sp>
         <p:nvSpPr>
           <p:cNvPr id="46" name="Shape 46"/>
-          <p:cNvSpPr txBox="1"/>
+          <p:cNvSpPr txBox="1">
+            <a:spLocks noGrp="1"/>
+          </p:cNvSpPr>
           <p:nvPr>
-            <p:ph idx="1" type="body"/>
+            <p:ph type="body" idx="1"/>
           </p:nvPr>
         </p:nvSpPr>
         <p:spPr>
@@ -2684,9 +2807,9 @@
           </a:prstGeom>
         </p:spPr>
         <p:txBody>
-          <a:bodyPr anchorCtr="0" anchor="t" bIns="91425" lIns="91425" spcFirstLastPara="1" rIns="91425" wrap="square" tIns="91425"/>
+          <a:bodyPr spcFirstLastPara="1" wrap="square" lIns="91425" tIns="91425" rIns="91425" bIns="91425" anchor="t" anchorCtr="0"/>
           <a:lstStyle>
-            <a:lvl1pPr indent="-342900" lvl="0" marL="457200" algn="ctr">
+            <a:lvl1pPr marL="457200" lvl="0" indent="-342900" algn="ctr">
               <a:spcBef>
                 <a:spcPts val="0"/>
               </a:spcBef>
@@ -2697,7 +2820,7 @@
               <a:buChar char="●"/>
               <a:defRPr/>
             </a:lvl1pPr>
-            <a:lvl2pPr indent="-317500" lvl="1" marL="914400" algn="ctr">
+            <a:lvl2pPr marL="914400" lvl="1" indent="-317500" algn="ctr">
               <a:spcBef>
                 <a:spcPts val="1600"/>
               </a:spcBef>
@@ -2708,7 +2831,7 @@
               <a:buChar char="○"/>
               <a:defRPr/>
             </a:lvl2pPr>
-            <a:lvl3pPr indent="-317500" lvl="2" marL="1371600" algn="ctr">
+            <a:lvl3pPr marL="1371600" lvl="2" indent="-317500" algn="ctr">
               <a:spcBef>
                 <a:spcPts val="1600"/>
               </a:spcBef>
@@ -2719,7 +2842,7 @@
               <a:buChar char="■"/>
               <a:defRPr/>
             </a:lvl3pPr>
-            <a:lvl4pPr indent="-317500" lvl="3" marL="1828800" algn="ctr">
+            <a:lvl4pPr marL="1828800" lvl="3" indent="-317500" algn="ctr">
               <a:spcBef>
                 <a:spcPts val="1600"/>
               </a:spcBef>
@@ -2730,7 +2853,7 @@
               <a:buChar char="●"/>
               <a:defRPr/>
             </a:lvl4pPr>
-            <a:lvl5pPr indent="-317500" lvl="4" marL="2286000" algn="ctr">
+            <a:lvl5pPr marL="2286000" lvl="4" indent="-317500" algn="ctr">
               <a:spcBef>
                 <a:spcPts val="1600"/>
               </a:spcBef>
@@ -2741,7 +2864,7 @@
               <a:buChar char="○"/>
               <a:defRPr/>
             </a:lvl5pPr>
-            <a:lvl6pPr indent="-317500" lvl="5" marL="2743200" algn="ctr">
+            <a:lvl6pPr marL="2743200" lvl="5" indent="-317500" algn="ctr">
               <a:spcBef>
                 <a:spcPts val="1600"/>
               </a:spcBef>
@@ -2752,7 +2875,7 @@
               <a:buChar char="■"/>
               <a:defRPr/>
             </a:lvl6pPr>
-            <a:lvl7pPr indent="-317500" lvl="6" marL="3200400" algn="ctr">
+            <a:lvl7pPr marL="3200400" lvl="6" indent="-317500" algn="ctr">
               <a:spcBef>
                 <a:spcPts val="1600"/>
               </a:spcBef>
@@ -2763,7 +2886,7 @@
               <a:buChar char="●"/>
               <a:defRPr/>
             </a:lvl7pPr>
-            <a:lvl8pPr indent="-317500" lvl="7" marL="3657600" algn="ctr">
+            <a:lvl8pPr marL="3657600" lvl="7" indent="-317500" algn="ctr">
               <a:spcBef>
                 <a:spcPts val="1600"/>
               </a:spcBef>
@@ -2774,7 +2897,7 @@
               <a:buChar char="○"/>
               <a:defRPr/>
             </a:lvl8pPr>
-            <a:lvl9pPr indent="-317500" lvl="8" marL="4114800" algn="ctr">
+            <a:lvl9pPr marL="4114800" lvl="8" indent="-317500" algn="ctr">
               <a:spcBef>
                 <a:spcPts val="1600"/>
               </a:spcBef>
@@ -2786,15 +2909,19 @@
               <a:defRPr/>
             </a:lvl9pPr>
           </a:lstStyle>
-          <a:p/>
+          <a:p>
+            <a:endParaRPr/>
+          </a:p>
         </p:txBody>
       </p:sp>
       <p:sp>
         <p:nvSpPr>
           <p:cNvPr id="47" name="Shape 47"/>
-          <p:cNvSpPr txBox="1"/>
+          <p:cNvSpPr txBox="1">
+            <a:spLocks noGrp="1"/>
+          </p:cNvSpPr>
           <p:nvPr>
-            <p:ph idx="12" type="sldNum"/>
+            <p:ph type="sldNum" idx="12"/>
           </p:nvPr>
         </p:nvSpPr>
         <p:spPr>
@@ -2807,7 +2934,7 @@
           </a:prstGeom>
         </p:spPr>
         <p:txBody>
-          <a:bodyPr anchorCtr="0" anchor="ctr" bIns="91425" lIns="91425" spcFirstLastPara="1" rIns="91425" wrap="square" tIns="91425">
+          <a:bodyPr spcFirstLastPara="1" wrap="square" lIns="91425" tIns="91425" rIns="91425" bIns="91425" anchor="ctr" anchorCtr="0">
             <a:noAutofit/>
           </a:bodyPr>
           <a:lstStyle>
@@ -2849,7 +2976,7 @@
             </a:lvl9pPr>
           </a:lstStyle>
           <a:p>
-            <a:pPr indent="0" lvl="0" marL="0">
+            <a:pPr marL="0" lvl="0" indent="0">
               <a:spcBef>
                 <a:spcPts val="0"/>
               </a:spcBef>
@@ -2875,11 +3002,11 @@
 </file>
 
 <file path=ppt/slideLayouts/slideLayout11.xml><?xml version="1.0" encoding="utf-8"?>
-<p:sldLayout xmlns:a="http://schemas.openxmlformats.org/drawingml/2006/main" xmlns:r="http://schemas.openxmlformats.org/officeDocument/2006/relationships" xmlns:mc="http://schemas.openxmlformats.org/markup-compatibility/2006" xmlns:mv="urn:schemas-microsoft-com:mac:vml" xmlns:p="http://schemas.openxmlformats.org/presentationml/2006/main" xmlns:c="http://schemas.openxmlformats.org/drawingml/2006/chart" xmlns:dgm="http://schemas.openxmlformats.org/drawingml/2006/diagram" xmlns:o="urn:schemas-microsoft-com:office:office" xmlns:v="urn:schemas-microsoft-com:vml" xmlns:pvml="urn:schemas-microsoft-com:office:powerpoint" xmlns:com="http://schemas.openxmlformats.org/drawingml/2006/compatibility" xmlns:p14="http://schemas.microsoft.com/office/powerpoint/2010/main" xmlns:p15="http://schemas.microsoft.com/office/powerpoint/2012/main" matchingName="Blank" type="blank">
+<p:sldLayout xmlns:a="http://schemas.openxmlformats.org/drawingml/2006/main" xmlns:r="http://schemas.openxmlformats.org/officeDocument/2006/relationships" xmlns:p="http://schemas.openxmlformats.org/presentationml/2006/main" matchingName="Blank" type="blank">
   <p:cSld name="BLANK">
     <p:spTree>
       <p:nvGrpSpPr>
-        <p:cNvPr id="48" name="Shape 48"/>
+        <p:cNvPr id="1" name="Shape 48"/>
         <p:cNvGrpSpPr/>
         <p:nvPr/>
       </p:nvGrpSpPr>
@@ -2894,9 +3021,11 @@
       <p:sp>
         <p:nvSpPr>
           <p:cNvPr id="49" name="Shape 49"/>
-          <p:cNvSpPr txBox="1"/>
+          <p:cNvSpPr txBox="1">
+            <a:spLocks noGrp="1"/>
+          </p:cNvSpPr>
           <p:nvPr>
-            <p:ph idx="12" type="sldNum"/>
+            <p:ph type="sldNum" idx="12"/>
           </p:nvPr>
         </p:nvSpPr>
         <p:spPr>
@@ -2909,7 +3038,7 @@
           </a:prstGeom>
         </p:spPr>
         <p:txBody>
-          <a:bodyPr anchorCtr="0" anchor="ctr" bIns="91425" lIns="91425" spcFirstLastPara="1" rIns="91425" wrap="square" tIns="91425">
+          <a:bodyPr spcFirstLastPara="1" wrap="square" lIns="91425" tIns="91425" rIns="91425" bIns="91425" anchor="ctr" anchorCtr="0">
             <a:noAutofit/>
           </a:bodyPr>
           <a:lstStyle>
@@ -2951,7 +3080,7 @@
             </a:lvl9pPr>
           </a:lstStyle>
           <a:p>
-            <a:pPr indent="0" lvl="0" marL="0">
+            <a:pPr marL="0" lvl="0" indent="0">
               <a:spcBef>
                 <a:spcPts val="0"/>
               </a:spcBef>
@@ -2977,11 +3106,11 @@
 </file>
 
 <file path=ppt/slideLayouts/slideLayout2.xml><?xml version="1.0" encoding="utf-8"?>
-<p:sldLayout xmlns:a="http://schemas.openxmlformats.org/drawingml/2006/main" xmlns:r="http://schemas.openxmlformats.org/officeDocument/2006/relationships" xmlns:mc="http://schemas.openxmlformats.org/markup-compatibility/2006" xmlns:mv="urn:schemas-microsoft-com:mac:vml" xmlns:p="http://schemas.openxmlformats.org/presentationml/2006/main" xmlns:c="http://schemas.openxmlformats.org/drawingml/2006/chart" xmlns:dgm="http://schemas.openxmlformats.org/drawingml/2006/diagram" xmlns:o="urn:schemas-microsoft-com:office:office" xmlns:v="urn:schemas-microsoft-com:vml" xmlns:pvml="urn:schemas-microsoft-com:office:powerpoint" xmlns:com="http://schemas.openxmlformats.org/drawingml/2006/compatibility" xmlns:p14="http://schemas.microsoft.com/office/powerpoint/2010/main" xmlns:p15="http://schemas.microsoft.com/office/powerpoint/2012/main" matchingName="Section header" type="secHead">
+<p:sldLayout xmlns:a="http://schemas.openxmlformats.org/drawingml/2006/main" xmlns:r="http://schemas.openxmlformats.org/officeDocument/2006/relationships" xmlns:p="http://schemas.openxmlformats.org/presentationml/2006/main" matchingName="Section header" type="secHead">
   <p:cSld name="SECTION_HEADER">
     <p:spTree>
       <p:nvGrpSpPr>
-        <p:cNvPr id="13" name="Shape 13"/>
+        <p:cNvPr id="1" name="Shape 13"/>
         <p:cNvGrpSpPr/>
         <p:nvPr/>
       </p:nvGrpSpPr>
@@ -2996,7 +3125,9 @@
       <p:sp>
         <p:nvSpPr>
           <p:cNvPr id="14" name="Shape 14"/>
-          <p:cNvSpPr txBox="1"/>
+          <p:cNvSpPr txBox="1">
+            <a:spLocks noGrp="1"/>
+          </p:cNvSpPr>
           <p:nvPr>
             <p:ph type="title"/>
           </p:nvPr>
@@ -3011,7 +3142,7 @@
           </a:prstGeom>
         </p:spPr>
         <p:txBody>
-          <a:bodyPr anchorCtr="0" anchor="ctr" bIns="91425" lIns="91425" spcFirstLastPara="1" rIns="91425" wrap="square" tIns="91425"/>
+          <a:bodyPr spcFirstLastPara="1" wrap="square" lIns="91425" tIns="91425" rIns="91425" bIns="91425" anchor="ctr" anchorCtr="0"/>
           <a:lstStyle>
             <a:lvl1pPr lvl="0" algn="ctr">
               <a:spcBef>
@@ -3113,15 +3244,19 @@
               <a:defRPr sz="3600"/>
             </a:lvl9pPr>
           </a:lstStyle>
-          <a:p/>
+          <a:p>
+            <a:endParaRPr/>
+          </a:p>
         </p:txBody>
       </p:sp>
       <p:sp>
         <p:nvSpPr>
           <p:cNvPr id="15" name="Shape 15"/>
-          <p:cNvSpPr txBox="1"/>
+          <p:cNvSpPr txBox="1">
+            <a:spLocks noGrp="1"/>
+          </p:cNvSpPr>
           <p:nvPr>
-            <p:ph idx="12" type="sldNum"/>
+            <p:ph type="sldNum" idx="12"/>
           </p:nvPr>
         </p:nvSpPr>
         <p:spPr>
@@ -3134,7 +3269,7 @@
           </a:prstGeom>
         </p:spPr>
         <p:txBody>
-          <a:bodyPr anchorCtr="0" anchor="ctr" bIns="91425" lIns="91425" spcFirstLastPara="1" rIns="91425" wrap="square" tIns="91425">
+          <a:bodyPr spcFirstLastPara="1" wrap="square" lIns="91425" tIns="91425" rIns="91425" bIns="91425" anchor="ctr" anchorCtr="0">
             <a:noAutofit/>
           </a:bodyPr>
           <a:lstStyle>
@@ -3176,7 +3311,7 @@
             </a:lvl9pPr>
           </a:lstStyle>
           <a:p>
-            <a:pPr indent="0" lvl="0" marL="0">
+            <a:pPr marL="0" lvl="0" indent="0">
               <a:spcBef>
                 <a:spcPts val="0"/>
               </a:spcBef>
@@ -3202,11 +3337,11 @@
 </file>
 
 <file path=ppt/slideLayouts/slideLayout3.xml><?xml version="1.0" encoding="utf-8"?>
-<p:sldLayout xmlns:a="http://schemas.openxmlformats.org/drawingml/2006/main" xmlns:r="http://schemas.openxmlformats.org/officeDocument/2006/relationships" xmlns:mc="http://schemas.openxmlformats.org/markup-compatibility/2006" xmlns:mv="urn:schemas-microsoft-com:mac:vml" xmlns:p="http://schemas.openxmlformats.org/presentationml/2006/main" xmlns:c="http://schemas.openxmlformats.org/drawingml/2006/chart" xmlns:dgm="http://schemas.openxmlformats.org/drawingml/2006/diagram" xmlns:o="urn:schemas-microsoft-com:office:office" xmlns:v="urn:schemas-microsoft-com:vml" xmlns:pvml="urn:schemas-microsoft-com:office:powerpoint" xmlns:com="http://schemas.openxmlformats.org/drawingml/2006/compatibility" xmlns:p14="http://schemas.microsoft.com/office/powerpoint/2010/main" xmlns:p15="http://schemas.microsoft.com/office/powerpoint/2012/main" matchingName="Title and body" type="tx">
+<p:sldLayout xmlns:a="http://schemas.openxmlformats.org/drawingml/2006/main" xmlns:r="http://schemas.openxmlformats.org/officeDocument/2006/relationships" xmlns:p="http://schemas.openxmlformats.org/presentationml/2006/main" matchingName="Title and body" type="tx">
   <p:cSld name="TITLE_AND_BODY">
     <p:spTree>
       <p:nvGrpSpPr>
-        <p:cNvPr id="16" name="Shape 16"/>
+        <p:cNvPr id="1" name="Shape 16"/>
         <p:cNvGrpSpPr/>
         <p:nvPr/>
       </p:nvGrpSpPr>
@@ -3221,7 +3356,9 @@
       <p:sp>
         <p:nvSpPr>
           <p:cNvPr id="17" name="Shape 17"/>
-          <p:cNvSpPr txBox="1"/>
+          <p:cNvSpPr txBox="1">
+            <a:spLocks noGrp="1"/>
+          </p:cNvSpPr>
           <p:nvPr>
             <p:ph type="title"/>
           </p:nvPr>
@@ -3236,7 +3373,7 @@
           </a:prstGeom>
         </p:spPr>
         <p:txBody>
-          <a:bodyPr anchorCtr="0" anchor="t" bIns="91425" lIns="91425" spcFirstLastPara="1" rIns="91425" wrap="square" tIns="91425"/>
+          <a:bodyPr spcFirstLastPara="1" wrap="square" lIns="91425" tIns="91425" rIns="91425" bIns="91425" anchor="t" anchorCtr="0"/>
           <a:lstStyle>
             <a:lvl1pPr lvl="0">
               <a:spcBef>
@@ -3338,15 +3475,19 @@
               <a:defRPr/>
             </a:lvl9pPr>
           </a:lstStyle>
-          <a:p/>
+          <a:p>
+            <a:endParaRPr/>
+          </a:p>
         </p:txBody>
       </p:sp>
       <p:sp>
         <p:nvSpPr>
           <p:cNvPr id="18" name="Shape 18"/>
-          <p:cNvSpPr txBox="1"/>
+          <p:cNvSpPr txBox="1">
+            <a:spLocks noGrp="1"/>
+          </p:cNvSpPr>
           <p:nvPr>
-            <p:ph idx="1" type="body"/>
+            <p:ph type="body" idx="1"/>
           </p:nvPr>
         </p:nvSpPr>
         <p:spPr>
@@ -3359,9 +3500,9 @@
           </a:prstGeom>
         </p:spPr>
         <p:txBody>
-          <a:bodyPr anchorCtr="0" anchor="t" bIns="91425" lIns="91425" spcFirstLastPara="1" rIns="91425" wrap="square" tIns="91425"/>
+          <a:bodyPr spcFirstLastPara="1" wrap="square" lIns="91425" tIns="91425" rIns="91425" bIns="91425" anchor="t" anchorCtr="0"/>
           <a:lstStyle>
-            <a:lvl1pPr indent="-342900" lvl="0" marL="457200">
+            <a:lvl1pPr marL="457200" lvl="0" indent="-342900">
               <a:spcBef>
                 <a:spcPts val="0"/>
               </a:spcBef>
@@ -3372,7 +3513,7 @@
               <a:buChar char="●"/>
               <a:defRPr/>
             </a:lvl1pPr>
-            <a:lvl2pPr indent="-317500" lvl="1" marL="914400">
+            <a:lvl2pPr marL="914400" lvl="1" indent="-317500">
               <a:spcBef>
                 <a:spcPts val="1600"/>
               </a:spcBef>
@@ -3383,7 +3524,7 @@
               <a:buChar char="○"/>
               <a:defRPr/>
             </a:lvl2pPr>
-            <a:lvl3pPr indent="-317500" lvl="2" marL="1371600">
+            <a:lvl3pPr marL="1371600" lvl="2" indent="-317500">
               <a:spcBef>
                 <a:spcPts val="1600"/>
               </a:spcBef>
@@ -3394,7 +3535,7 @@
               <a:buChar char="■"/>
               <a:defRPr/>
             </a:lvl3pPr>
-            <a:lvl4pPr indent="-317500" lvl="3" marL="1828800">
+            <a:lvl4pPr marL="1828800" lvl="3" indent="-317500">
               <a:spcBef>
                 <a:spcPts val="1600"/>
               </a:spcBef>
@@ -3405,7 +3546,7 @@
               <a:buChar char="●"/>
               <a:defRPr/>
             </a:lvl4pPr>
-            <a:lvl5pPr indent="-317500" lvl="4" marL="2286000">
+            <a:lvl5pPr marL="2286000" lvl="4" indent="-317500">
               <a:spcBef>
                 <a:spcPts val="1600"/>
               </a:spcBef>
@@ -3416,7 +3557,7 @@
               <a:buChar char="○"/>
               <a:defRPr/>
             </a:lvl5pPr>
-            <a:lvl6pPr indent="-317500" lvl="5" marL="2743200">
+            <a:lvl6pPr marL="2743200" lvl="5" indent="-317500">
               <a:spcBef>
                 <a:spcPts val="1600"/>
               </a:spcBef>
@@ -3427,7 +3568,7 @@
               <a:buChar char="■"/>
               <a:defRPr/>
             </a:lvl6pPr>
-            <a:lvl7pPr indent="-317500" lvl="6" marL="3200400">
+            <a:lvl7pPr marL="3200400" lvl="6" indent="-317500">
               <a:spcBef>
                 <a:spcPts val="1600"/>
               </a:spcBef>
@@ -3438,7 +3579,7 @@
               <a:buChar char="●"/>
               <a:defRPr/>
             </a:lvl7pPr>
-            <a:lvl8pPr indent="-317500" lvl="7" marL="3657600">
+            <a:lvl8pPr marL="3657600" lvl="7" indent="-317500">
               <a:spcBef>
                 <a:spcPts val="1600"/>
               </a:spcBef>
@@ -3449,7 +3590,7 @@
               <a:buChar char="○"/>
               <a:defRPr/>
             </a:lvl8pPr>
-            <a:lvl9pPr indent="-317500" lvl="8" marL="4114800">
+            <a:lvl9pPr marL="4114800" lvl="8" indent="-317500">
               <a:spcBef>
                 <a:spcPts val="1600"/>
               </a:spcBef>
@@ -3461,15 +3602,19 @@
               <a:defRPr/>
             </a:lvl9pPr>
           </a:lstStyle>
-          <a:p/>
+          <a:p>
+            <a:endParaRPr/>
+          </a:p>
         </p:txBody>
       </p:sp>
       <p:sp>
         <p:nvSpPr>
           <p:cNvPr id="19" name="Shape 19"/>
-          <p:cNvSpPr txBox="1"/>
+          <p:cNvSpPr txBox="1">
+            <a:spLocks noGrp="1"/>
+          </p:cNvSpPr>
           <p:nvPr>
-            <p:ph idx="12" type="sldNum"/>
+            <p:ph type="sldNum" idx="12"/>
           </p:nvPr>
         </p:nvSpPr>
         <p:spPr>
@@ -3482,7 +3627,7 @@
           </a:prstGeom>
         </p:spPr>
         <p:txBody>
-          <a:bodyPr anchorCtr="0" anchor="ctr" bIns="91425" lIns="91425" spcFirstLastPara="1" rIns="91425" wrap="square" tIns="91425">
+          <a:bodyPr spcFirstLastPara="1" wrap="square" lIns="91425" tIns="91425" rIns="91425" bIns="91425" anchor="ctr" anchorCtr="0">
             <a:noAutofit/>
           </a:bodyPr>
           <a:lstStyle>
@@ -3524,7 +3669,7 @@
             </a:lvl9pPr>
           </a:lstStyle>
           <a:p>
-            <a:pPr indent="0" lvl="0" marL="0">
+            <a:pPr marL="0" lvl="0" indent="0">
               <a:spcBef>
                 <a:spcPts val="0"/>
               </a:spcBef>
@@ -3550,11 +3695,11 @@
 </file>
 
 <file path=ppt/slideLayouts/slideLayout4.xml><?xml version="1.0" encoding="utf-8"?>
-<p:sldLayout xmlns:a="http://schemas.openxmlformats.org/drawingml/2006/main" xmlns:r="http://schemas.openxmlformats.org/officeDocument/2006/relationships" xmlns:mc="http://schemas.openxmlformats.org/markup-compatibility/2006" xmlns:mv="urn:schemas-microsoft-com:mac:vml" xmlns:p="http://schemas.openxmlformats.org/presentationml/2006/main" xmlns:c="http://schemas.openxmlformats.org/drawingml/2006/chart" xmlns:dgm="http://schemas.openxmlformats.org/drawingml/2006/diagram" xmlns:o="urn:schemas-microsoft-com:office:office" xmlns:v="urn:schemas-microsoft-com:vml" xmlns:pvml="urn:schemas-microsoft-com:office:powerpoint" xmlns:com="http://schemas.openxmlformats.org/drawingml/2006/compatibility" xmlns:p14="http://schemas.microsoft.com/office/powerpoint/2010/main" xmlns:p15="http://schemas.microsoft.com/office/powerpoint/2012/main" matchingName="Title and two columns" type="twoColTx">
+<p:sldLayout xmlns:a="http://schemas.openxmlformats.org/drawingml/2006/main" xmlns:r="http://schemas.openxmlformats.org/officeDocument/2006/relationships" xmlns:p="http://schemas.openxmlformats.org/presentationml/2006/main" matchingName="Title and two columns" type="twoColTx">
   <p:cSld name="TITLE_AND_TWO_COLUMNS">
     <p:spTree>
       <p:nvGrpSpPr>
-        <p:cNvPr id="20" name="Shape 20"/>
+        <p:cNvPr id="1" name="Shape 20"/>
         <p:cNvGrpSpPr/>
         <p:nvPr/>
       </p:nvGrpSpPr>
@@ -3569,7 +3714,9 @@
       <p:sp>
         <p:nvSpPr>
           <p:cNvPr id="21" name="Shape 21"/>
-          <p:cNvSpPr txBox="1"/>
+          <p:cNvSpPr txBox="1">
+            <a:spLocks noGrp="1"/>
+          </p:cNvSpPr>
           <p:nvPr>
             <p:ph type="title"/>
           </p:nvPr>
@@ -3584,7 +3731,7 @@
           </a:prstGeom>
         </p:spPr>
         <p:txBody>
-          <a:bodyPr anchorCtr="0" anchor="t" bIns="91425" lIns="91425" spcFirstLastPara="1" rIns="91425" wrap="square" tIns="91425"/>
+          <a:bodyPr spcFirstLastPara="1" wrap="square" lIns="91425" tIns="91425" rIns="91425" bIns="91425" anchor="t" anchorCtr="0"/>
           <a:lstStyle>
             <a:lvl1pPr lvl="0">
               <a:spcBef>
@@ -3686,15 +3833,19 @@
               <a:defRPr/>
             </a:lvl9pPr>
           </a:lstStyle>
-          <a:p/>
+          <a:p>
+            <a:endParaRPr/>
+          </a:p>
         </p:txBody>
       </p:sp>
       <p:sp>
         <p:nvSpPr>
           <p:cNvPr id="22" name="Shape 22"/>
-          <p:cNvSpPr txBox="1"/>
+          <p:cNvSpPr txBox="1">
+            <a:spLocks noGrp="1"/>
+          </p:cNvSpPr>
           <p:nvPr>
-            <p:ph idx="1" type="body"/>
+            <p:ph type="body" idx="1"/>
           </p:nvPr>
         </p:nvSpPr>
         <p:spPr>
@@ -3707,9 +3858,9 @@
           </a:prstGeom>
         </p:spPr>
         <p:txBody>
-          <a:bodyPr anchorCtr="0" anchor="t" bIns="91425" lIns="91425" spcFirstLastPara="1" rIns="91425" wrap="square" tIns="91425"/>
+          <a:bodyPr spcFirstLastPara="1" wrap="square" lIns="91425" tIns="91425" rIns="91425" bIns="91425" anchor="t" anchorCtr="0"/>
           <a:lstStyle>
-            <a:lvl1pPr indent="-317500" lvl="0" marL="457200">
+            <a:lvl1pPr marL="457200" lvl="0" indent="-317500">
               <a:spcBef>
                 <a:spcPts val="0"/>
               </a:spcBef>
@@ -3720,7 +3871,7 @@
               <a:buChar char="●"/>
               <a:defRPr sz="1400"/>
             </a:lvl1pPr>
-            <a:lvl2pPr indent="-304800" lvl="1" marL="914400">
+            <a:lvl2pPr marL="914400" lvl="1" indent="-304800">
               <a:spcBef>
                 <a:spcPts val="1600"/>
               </a:spcBef>
@@ -3731,7 +3882,7 @@
               <a:buChar char="○"/>
               <a:defRPr sz="1200"/>
             </a:lvl2pPr>
-            <a:lvl3pPr indent="-304800" lvl="2" marL="1371600">
+            <a:lvl3pPr marL="1371600" lvl="2" indent="-304800">
               <a:spcBef>
                 <a:spcPts val="1600"/>
               </a:spcBef>
@@ -3742,7 +3893,7 @@
               <a:buChar char="■"/>
               <a:defRPr sz="1200"/>
             </a:lvl3pPr>
-            <a:lvl4pPr indent="-304800" lvl="3" marL="1828800">
+            <a:lvl4pPr marL="1828800" lvl="3" indent="-304800">
               <a:spcBef>
                 <a:spcPts val="1600"/>
               </a:spcBef>
@@ -3753,7 +3904,7 @@
               <a:buChar char="●"/>
               <a:defRPr sz="1200"/>
             </a:lvl4pPr>
-            <a:lvl5pPr indent="-304800" lvl="4" marL="2286000">
+            <a:lvl5pPr marL="2286000" lvl="4" indent="-304800">
               <a:spcBef>
                 <a:spcPts val="1600"/>
               </a:spcBef>
@@ -3764,7 +3915,7 @@
               <a:buChar char="○"/>
               <a:defRPr sz="1200"/>
             </a:lvl5pPr>
-            <a:lvl6pPr indent="-304800" lvl="5" marL="2743200">
+            <a:lvl6pPr marL="2743200" lvl="5" indent="-304800">
               <a:spcBef>
                 <a:spcPts val="1600"/>
               </a:spcBef>
@@ -3775,7 +3926,7 @@
               <a:buChar char="■"/>
               <a:defRPr sz="1200"/>
             </a:lvl6pPr>
-            <a:lvl7pPr indent="-304800" lvl="6" marL="3200400">
+            <a:lvl7pPr marL="3200400" lvl="6" indent="-304800">
               <a:spcBef>
                 <a:spcPts val="1600"/>
               </a:spcBef>
@@ -3786,7 +3937,7 @@
               <a:buChar char="●"/>
               <a:defRPr sz="1200"/>
             </a:lvl7pPr>
-            <a:lvl8pPr indent="-304800" lvl="7" marL="3657600">
+            <a:lvl8pPr marL="3657600" lvl="7" indent="-304800">
               <a:spcBef>
                 <a:spcPts val="1600"/>
               </a:spcBef>
@@ -3797,7 +3948,7 @@
               <a:buChar char="○"/>
               <a:defRPr sz="1200"/>
             </a:lvl8pPr>
-            <a:lvl9pPr indent="-304800" lvl="8" marL="4114800">
+            <a:lvl9pPr marL="4114800" lvl="8" indent="-304800">
               <a:spcBef>
                 <a:spcPts val="1600"/>
               </a:spcBef>
@@ -3809,15 +3960,19 @@
               <a:defRPr sz="1200"/>
             </a:lvl9pPr>
           </a:lstStyle>
-          <a:p/>
+          <a:p>
+            <a:endParaRPr/>
+          </a:p>
         </p:txBody>
       </p:sp>
       <p:sp>
         <p:nvSpPr>
           <p:cNvPr id="23" name="Shape 23"/>
-          <p:cNvSpPr txBox="1"/>
+          <p:cNvSpPr txBox="1">
+            <a:spLocks noGrp="1"/>
+          </p:cNvSpPr>
           <p:nvPr>
-            <p:ph idx="2" type="body"/>
+            <p:ph type="body" idx="2"/>
           </p:nvPr>
         </p:nvSpPr>
         <p:spPr>
@@ -3830,9 +3985,9 @@
           </a:prstGeom>
         </p:spPr>
         <p:txBody>
-          <a:bodyPr anchorCtr="0" anchor="t" bIns="91425" lIns="91425" spcFirstLastPara="1" rIns="91425" wrap="square" tIns="91425"/>
+          <a:bodyPr spcFirstLastPara="1" wrap="square" lIns="91425" tIns="91425" rIns="91425" bIns="91425" anchor="t" anchorCtr="0"/>
           <a:lstStyle>
-            <a:lvl1pPr indent="-317500" lvl="0" marL="457200">
+            <a:lvl1pPr marL="457200" lvl="0" indent="-317500">
               <a:spcBef>
                 <a:spcPts val="0"/>
               </a:spcBef>
@@ -3843,7 +3998,7 @@
               <a:buChar char="●"/>
               <a:defRPr sz="1400"/>
             </a:lvl1pPr>
-            <a:lvl2pPr indent="-304800" lvl="1" marL="914400">
+            <a:lvl2pPr marL="914400" lvl="1" indent="-304800">
               <a:spcBef>
                 <a:spcPts val="1600"/>
               </a:spcBef>
@@ -3854,7 +4009,7 @@
               <a:buChar char="○"/>
               <a:defRPr sz="1200"/>
             </a:lvl2pPr>
-            <a:lvl3pPr indent="-304800" lvl="2" marL="1371600">
+            <a:lvl3pPr marL="1371600" lvl="2" indent="-304800">
               <a:spcBef>
                 <a:spcPts val="1600"/>
               </a:spcBef>
@@ -3865,7 +4020,7 @@
               <a:buChar char="■"/>
               <a:defRPr sz="1200"/>
             </a:lvl3pPr>
-            <a:lvl4pPr indent="-304800" lvl="3" marL="1828800">
+            <a:lvl4pPr marL="1828800" lvl="3" indent="-304800">
               <a:spcBef>
                 <a:spcPts val="1600"/>
               </a:spcBef>
@@ -3876,7 +4031,7 @@
               <a:buChar char="●"/>
               <a:defRPr sz="1200"/>
             </a:lvl4pPr>
-            <a:lvl5pPr indent="-304800" lvl="4" marL="2286000">
+            <a:lvl5pPr marL="2286000" lvl="4" indent="-304800">
               <a:spcBef>
                 <a:spcPts val="1600"/>
               </a:spcBef>
@@ -3887,7 +4042,7 @@
               <a:buChar char="○"/>
               <a:defRPr sz="1200"/>
             </a:lvl5pPr>
-            <a:lvl6pPr indent="-304800" lvl="5" marL="2743200">
+            <a:lvl6pPr marL="2743200" lvl="5" indent="-304800">
               <a:spcBef>
                 <a:spcPts val="1600"/>
               </a:spcBef>
@@ -3898,7 +4053,7 @@
               <a:buChar char="■"/>
               <a:defRPr sz="1200"/>
             </a:lvl6pPr>
-            <a:lvl7pPr indent="-304800" lvl="6" marL="3200400">
+            <a:lvl7pPr marL="3200400" lvl="6" indent="-304800">
               <a:spcBef>
                 <a:spcPts val="1600"/>
               </a:spcBef>
@@ -3909,7 +4064,7 @@
               <a:buChar char="●"/>
               <a:defRPr sz="1200"/>
             </a:lvl7pPr>
-            <a:lvl8pPr indent="-304800" lvl="7" marL="3657600">
+            <a:lvl8pPr marL="3657600" lvl="7" indent="-304800">
               <a:spcBef>
                 <a:spcPts val="1600"/>
               </a:spcBef>
@@ -3920,7 +4075,7 @@
               <a:buChar char="○"/>
               <a:defRPr sz="1200"/>
             </a:lvl8pPr>
-            <a:lvl9pPr indent="-304800" lvl="8" marL="4114800">
+            <a:lvl9pPr marL="4114800" lvl="8" indent="-304800">
               <a:spcBef>
                 <a:spcPts val="1600"/>
               </a:spcBef>
@@ -3932,15 +4087,19 @@
               <a:defRPr sz="1200"/>
             </a:lvl9pPr>
           </a:lstStyle>
-          <a:p/>
+          <a:p>
+            <a:endParaRPr/>
+          </a:p>
         </p:txBody>
       </p:sp>
       <p:sp>
         <p:nvSpPr>
           <p:cNvPr id="24" name="Shape 24"/>
-          <p:cNvSpPr txBox="1"/>
+          <p:cNvSpPr txBox="1">
+            <a:spLocks noGrp="1"/>
+          </p:cNvSpPr>
           <p:nvPr>
-            <p:ph idx="12" type="sldNum"/>
+            <p:ph type="sldNum" idx="12"/>
           </p:nvPr>
         </p:nvSpPr>
         <p:spPr>
@@ -3953,7 +4112,7 @@
           </a:prstGeom>
         </p:spPr>
         <p:txBody>
-          <a:bodyPr anchorCtr="0" anchor="ctr" bIns="91425" lIns="91425" spcFirstLastPara="1" rIns="91425" wrap="square" tIns="91425">
+          <a:bodyPr spcFirstLastPara="1" wrap="square" lIns="91425" tIns="91425" rIns="91425" bIns="91425" anchor="ctr" anchorCtr="0">
             <a:noAutofit/>
           </a:bodyPr>
           <a:lstStyle>
@@ -3995,7 +4154,7 @@
             </a:lvl9pPr>
           </a:lstStyle>
           <a:p>
-            <a:pPr indent="0" lvl="0" marL="0">
+            <a:pPr marL="0" lvl="0" indent="0">
               <a:spcBef>
                 <a:spcPts val="0"/>
               </a:spcBef>
@@ -4021,11 +4180,11 @@
 </file>
 
 <file path=ppt/slideLayouts/slideLayout5.xml><?xml version="1.0" encoding="utf-8"?>
-<p:sldLayout xmlns:a="http://schemas.openxmlformats.org/drawingml/2006/main" xmlns:r="http://schemas.openxmlformats.org/officeDocument/2006/relationships" xmlns:mc="http://schemas.openxmlformats.org/markup-compatibility/2006" xmlns:mv="urn:schemas-microsoft-com:mac:vml" xmlns:p="http://schemas.openxmlformats.org/presentationml/2006/main" xmlns:c="http://schemas.openxmlformats.org/drawingml/2006/chart" xmlns:dgm="http://schemas.openxmlformats.org/drawingml/2006/diagram" xmlns:o="urn:schemas-microsoft-com:office:office" xmlns:v="urn:schemas-microsoft-com:vml" xmlns:pvml="urn:schemas-microsoft-com:office:powerpoint" xmlns:com="http://schemas.openxmlformats.org/drawingml/2006/compatibility" xmlns:p14="http://schemas.microsoft.com/office/powerpoint/2010/main" xmlns:p15="http://schemas.microsoft.com/office/powerpoint/2012/main" matchingName="Title only" type="titleOnly">
+<p:sldLayout xmlns:a="http://schemas.openxmlformats.org/drawingml/2006/main" xmlns:r="http://schemas.openxmlformats.org/officeDocument/2006/relationships" xmlns:p="http://schemas.openxmlformats.org/presentationml/2006/main" matchingName="Title only" type="titleOnly">
   <p:cSld name="TITLE_ONLY">
     <p:spTree>
       <p:nvGrpSpPr>
-        <p:cNvPr id="25" name="Shape 25"/>
+        <p:cNvPr id="1" name="Shape 25"/>
         <p:cNvGrpSpPr/>
         <p:nvPr/>
       </p:nvGrpSpPr>
@@ -4040,7 +4199,9 @@
       <p:sp>
         <p:nvSpPr>
           <p:cNvPr id="26" name="Shape 26"/>
-          <p:cNvSpPr txBox="1"/>
+          <p:cNvSpPr txBox="1">
+            <a:spLocks noGrp="1"/>
+          </p:cNvSpPr>
           <p:nvPr>
             <p:ph type="title"/>
           </p:nvPr>
@@ -4055,7 +4216,7 @@
           </a:prstGeom>
         </p:spPr>
         <p:txBody>
-          <a:bodyPr anchorCtr="0" anchor="t" bIns="91425" lIns="91425" spcFirstLastPara="1" rIns="91425" wrap="square" tIns="91425"/>
+          <a:bodyPr spcFirstLastPara="1" wrap="square" lIns="91425" tIns="91425" rIns="91425" bIns="91425" anchor="t" anchorCtr="0"/>
           <a:lstStyle>
             <a:lvl1pPr lvl="0">
               <a:spcBef>
@@ -4157,15 +4318,19 @@
               <a:defRPr/>
             </a:lvl9pPr>
           </a:lstStyle>
-          <a:p/>
+          <a:p>
+            <a:endParaRPr/>
+          </a:p>
         </p:txBody>
       </p:sp>
       <p:sp>
         <p:nvSpPr>
           <p:cNvPr id="27" name="Shape 27"/>
-          <p:cNvSpPr txBox="1"/>
+          <p:cNvSpPr txBox="1">
+            <a:spLocks noGrp="1"/>
+          </p:cNvSpPr>
           <p:nvPr>
-            <p:ph idx="12" type="sldNum"/>
+            <p:ph type="sldNum" idx="12"/>
           </p:nvPr>
         </p:nvSpPr>
         <p:spPr>
@@ -4178,7 +4343,7 @@
           </a:prstGeom>
         </p:spPr>
         <p:txBody>
-          <a:bodyPr anchorCtr="0" anchor="ctr" bIns="91425" lIns="91425" spcFirstLastPara="1" rIns="91425" wrap="square" tIns="91425">
+          <a:bodyPr spcFirstLastPara="1" wrap="square" lIns="91425" tIns="91425" rIns="91425" bIns="91425" anchor="ctr" anchorCtr="0">
             <a:noAutofit/>
           </a:bodyPr>
           <a:lstStyle>
@@ -4220,7 +4385,7 @@
             </a:lvl9pPr>
           </a:lstStyle>
           <a:p>
-            <a:pPr indent="0" lvl="0" marL="0">
+            <a:pPr marL="0" lvl="0" indent="0">
               <a:spcBef>
                 <a:spcPts val="0"/>
               </a:spcBef>
@@ -4246,11 +4411,11 @@
 </file>
 
 <file path=ppt/slideLayouts/slideLayout6.xml><?xml version="1.0" encoding="utf-8"?>
-<p:sldLayout xmlns:a="http://schemas.openxmlformats.org/drawingml/2006/main" xmlns:r="http://schemas.openxmlformats.org/officeDocument/2006/relationships" xmlns:mc="http://schemas.openxmlformats.org/markup-compatibility/2006" xmlns:mv="urn:schemas-microsoft-com:mac:vml" xmlns:p="http://schemas.openxmlformats.org/presentationml/2006/main" xmlns:c="http://schemas.openxmlformats.org/drawingml/2006/chart" xmlns:dgm="http://schemas.openxmlformats.org/drawingml/2006/diagram" xmlns:o="urn:schemas-microsoft-com:office:office" xmlns:v="urn:schemas-microsoft-com:vml" xmlns:pvml="urn:schemas-microsoft-com:office:powerpoint" xmlns:com="http://schemas.openxmlformats.org/drawingml/2006/compatibility" xmlns:p14="http://schemas.microsoft.com/office/powerpoint/2010/main" xmlns:p15="http://schemas.microsoft.com/office/powerpoint/2012/main" matchingName="One column text">
+<p:sldLayout xmlns:a="http://schemas.openxmlformats.org/drawingml/2006/main" xmlns:r="http://schemas.openxmlformats.org/officeDocument/2006/relationships" xmlns:p="http://schemas.openxmlformats.org/presentationml/2006/main" matchingName="One column text">
   <p:cSld name="ONE_COLUMN_TEXT">
     <p:spTree>
       <p:nvGrpSpPr>
-        <p:cNvPr id="28" name="Shape 28"/>
+        <p:cNvPr id="1" name="Shape 28"/>
         <p:cNvGrpSpPr/>
         <p:nvPr/>
       </p:nvGrpSpPr>
@@ -4265,7 +4430,9 @@
       <p:sp>
         <p:nvSpPr>
           <p:cNvPr id="29" name="Shape 29"/>
-          <p:cNvSpPr txBox="1"/>
+          <p:cNvSpPr txBox="1">
+            <a:spLocks noGrp="1"/>
+          </p:cNvSpPr>
           <p:nvPr>
             <p:ph type="title"/>
           </p:nvPr>
@@ -4280,7 +4447,7 @@
           </a:prstGeom>
         </p:spPr>
         <p:txBody>
-          <a:bodyPr anchorCtr="0" anchor="b" bIns="91425" lIns="91425" spcFirstLastPara="1" rIns="91425" wrap="square" tIns="91425"/>
+          <a:bodyPr spcFirstLastPara="1" wrap="square" lIns="91425" tIns="91425" rIns="91425" bIns="91425" anchor="b" anchorCtr="0"/>
           <a:lstStyle>
             <a:lvl1pPr lvl="0">
               <a:spcBef>
@@ -4382,15 +4549,19 @@
               <a:defRPr sz="2400"/>
             </a:lvl9pPr>
           </a:lstStyle>
-          <a:p/>
+          <a:p>
+            <a:endParaRPr/>
+          </a:p>
         </p:txBody>
       </p:sp>
       <p:sp>
         <p:nvSpPr>
           <p:cNvPr id="30" name="Shape 30"/>
-          <p:cNvSpPr txBox="1"/>
+          <p:cNvSpPr txBox="1">
+            <a:spLocks noGrp="1"/>
+          </p:cNvSpPr>
           <p:nvPr>
-            <p:ph idx="1" type="body"/>
+            <p:ph type="body" idx="1"/>
           </p:nvPr>
         </p:nvSpPr>
         <p:spPr>
@@ -4403,9 +4574,9 @@
           </a:prstGeom>
         </p:spPr>
         <p:txBody>
-          <a:bodyPr anchorCtr="0" anchor="t" bIns="91425" lIns="91425" spcFirstLastPara="1" rIns="91425" wrap="square" tIns="91425"/>
+          <a:bodyPr spcFirstLastPara="1" wrap="square" lIns="91425" tIns="91425" rIns="91425" bIns="91425" anchor="t" anchorCtr="0"/>
           <a:lstStyle>
-            <a:lvl1pPr indent="-304800" lvl="0" marL="457200">
+            <a:lvl1pPr marL="457200" lvl="0" indent="-304800">
               <a:spcBef>
                 <a:spcPts val="0"/>
               </a:spcBef>
@@ -4416,7 +4587,7 @@
               <a:buChar char="●"/>
               <a:defRPr sz="1200"/>
             </a:lvl1pPr>
-            <a:lvl2pPr indent="-304800" lvl="1" marL="914400">
+            <a:lvl2pPr marL="914400" lvl="1" indent="-304800">
               <a:spcBef>
                 <a:spcPts val="1600"/>
               </a:spcBef>
@@ -4427,7 +4598,7 @@
               <a:buChar char="○"/>
               <a:defRPr sz="1200"/>
             </a:lvl2pPr>
-            <a:lvl3pPr indent="-304800" lvl="2" marL="1371600">
+            <a:lvl3pPr marL="1371600" lvl="2" indent="-304800">
               <a:spcBef>
                 <a:spcPts val="1600"/>
               </a:spcBef>
@@ -4438,7 +4609,7 @@
               <a:buChar char="■"/>
               <a:defRPr sz="1200"/>
             </a:lvl3pPr>
-            <a:lvl4pPr indent="-304800" lvl="3" marL="1828800">
+            <a:lvl4pPr marL="1828800" lvl="3" indent="-304800">
               <a:spcBef>
                 <a:spcPts val="1600"/>
               </a:spcBef>
@@ -4449,7 +4620,7 @@
               <a:buChar char="●"/>
               <a:defRPr sz="1200"/>
             </a:lvl4pPr>
-            <a:lvl5pPr indent="-304800" lvl="4" marL="2286000">
+            <a:lvl5pPr marL="2286000" lvl="4" indent="-304800">
               <a:spcBef>
                 <a:spcPts val="1600"/>
               </a:spcBef>
@@ -4460,7 +4631,7 @@
               <a:buChar char="○"/>
               <a:defRPr sz="1200"/>
             </a:lvl5pPr>
-            <a:lvl6pPr indent="-304800" lvl="5" marL="2743200">
+            <a:lvl6pPr marL="2743200" lvl="5" indent="-304800">
               <a:spcBef>
                 <a:spcPts val="1600"/>
               </a:spcBef>
@@ -4471,7 +4642,7 @@
               <a:buChar char="■"/>
               <a:defRPr sz="1200"/>
             </a:lvl6pPr>
-            <a:lvl7pPr indent="-304800" lvl="6" marL="3200400">
+            <a:lvl7pPr marL="3200400" lvl="6" indent="-304800">
               <a:spcBef>
                 <a:spcPts val="1600"/>
               </a:spcBef>
@@ -4482,7 +4653,7 @@
               <a:buChar char="●"/>
               <a:defRPr sz="1200"/>
             </a:lvl7pPr>
-            <a:lvl8pPr indent="-304800" lvl="7" marL="3657600">
+            <a:lvl8pPr marL="3657600" lvl="7" indent="-304800">
               <a:spcBef>
                 <a:spcPts val="1600"/>
               </a:spcBef>
@@ -4493,7 +4664,7 @@
               <a:buChar char="○"/>
               <a:defRPr sz="1200"/>
             </a:lvl8pPr>
-            <a:lvl9pPr indent="-304800" lvl="8" marL="4114800">
+            <a:lvl9pPr marL="4114800" lvl="8" indent="-304800">
               <a:spcBef>
                 <a:spcPts val="1600"/>
               </a:spcBef>
@@ -4505,15 +4676,19 @@
               <a:defRPr sz="1200"/>
             </a:lvl9pPr>
           </a:lstStyle>
-          <a:p/>
+          <a:p>
+            <a:endParaRPr/>
+          </a:p>
         </p:txBody>
       </p:sp>
       <p:sp>
         <p:nvSpPr>
           <p:cNvPr id="31" name="Shape 31"/>
-          <p:cNvSpPr txBox="1"/>
+          <p:cNvSpPr txBox="1">
+            <a:spLocks noGrp="1"/>
+          </p:cNvSpPr>
           <p:nvPr>
-            <p:ph idx="12" type="sldNum"/>
+            <p:ph type="sldNum" idx="12"/>
           </p:nvPr>
         </p:nvSpPr>
         <p:spPr>
@@ -4526,7 +4701,7 @@
           </a:prstGeom>
         </p:spPr>
         <p:txBody>
-          <a:bodyPr anchorCtr="0" anchor="ctr" bIns="91425" lIns="91425" spcFirstLastPara="1" rIns="91425" wrap="square" tIns="91425">
+          <a:bodyPr spcFirstLastPara="1" wrap="square" lIns="91425" tIns="91425" rIns="91425" bIns="91425" anchor="ctr" anchorCtr="0">
             <a:noAutofit/>
           </a:bodyPr>
           <a:lstStyle>
@@ -4568,7 +4743,7 @@
             </a:lvl9pPr>
           </a:lstStyle>
           <a:p>
-            <a:pPr indent="0" lvl="0" marL="0">
+            <a:pPr marL="0" lvl="0" indent="0">
               <a:spcBef>
                 <a:spcPts val="0"/>
               </a:spcBef>
@@ -4594,11 +4769,11 @@
 </file>
 
 <file path=ppt/slideLayouts/slideLayout7.xml><?xml version="1.0" encoding="utf-8"?>
-<p:sldLayout xmlns:a="http://schemas.openxmlformats.org/drawingml/2006/main" xmlns:r="http://schemas.openxmlformats.org/officeDocument/2006/relationships" xmlns:mc="http://schemas.openxmlformats.org/markup-compatibility/2006" xmlns:mv="urn:schemas-microsoft-com:mac:vml" xmlns:p="http://schemas.openxmlformats.org/presentationml/2006/main" xmlns:c="http://schemas.openxmlformats.org/drawingml/2006/chart" xmlns:dgm="http://schemas.openxmlformats.org/drawingml/2006/diagram" xmlns:o="urn:schemas-microsoft-com:office:office" xmlns:v="urn:schemas-microsoft-com:vml" xmlns:pvml="urn:schemas-microsoft-com:office:powerpoint" xmlns:com="http://schemas.openxmlformats.org/drawingml/2006/compatibility" xmlns:p14="http://schemas.microsoft.com/office/powerpoint/2010/main" xmlns:p15="http://schemas.microsoft.com/office/powerpoint/2012/main" matchingName="Main point">
+<p:sldLayout xmlns:a="http://schemas.openxmlformats.org/drawingml/2006/main" xmlns:r="http://schemas.openxmlformats.org/officeDocument/2006/relationships" xmlns:p="http://schemas.openxmlformats.org/presentationml/2006/main" matchingName="Main point">
   <p:cSld name="MAIN_POINT">
     <p:spTree>
       <p:nvGrpSpPr>
-        <p:cNvPr id="32" name="Shape 32"/>
+        <p:cNvPr id="1" name="Shape 32"/>
         <p:cNvGrpSpPr/>
         <p:nvPr/>
       </p:nvGrpSpPr>
@@ -4613,7 +4788,9 @@
       <p:sp>
         <p:nvSpPr>
           <p:cNvPr id="33" name="Shape 33"/>
-          <p:cNvSpPr txBox="1"/>
+          <p:cNvSpPr txBox="1">
+            <a:spLocks noGrp="1"/>
+          </p:cNvSpPr>
           <p:nvPr>
             <p:ph type="title"/>
           </p:nvPr>
@@ -4628,7 +4805,7 @@
           </a:prstGeom>
         </p:spPr>
         <p:txBody>
-          <a:bodyPr anchorCtr="0" anchor="ctr" bIns="91425" lIns="91425" spcFirstLastPara="1" rIns="91425" wrap="square" tIns="91425"/>
+          <a:bodyPr spcFirstLastPara="1" wrap="square" lIns="91425" tIns="91425" rIns="91425" bIns="91425" anchor="ctr" anchorCtr="0"/>
           <a:lstStyle>
             <a:lvl1pPr lvl="0">
               <a:spcBef>
@@ -4730,15 +4907,19 @@
               <a:defRPr sz="4800"/>
             </a:lvl9pPr>
           </a:lstStyle>
-          <a:p/>
+          <a:p>
+            <a:endParaRPr/>
+          </a:p>
         </p:txBody>
       </p:sp>
       <p:sp>
         <p:nvSpPr>
           <p:cNvPr id="34" name="Shape 34"/>
-          <p:cNvSpPr txBox="1"/>
+          <p:cNvSpPr txBox="1">
+            <a:spLocks noGrp="1"/>
+          </p:cNvSpPr>
           <p:nvPr>
-            <p:ph idx="12" type="sldNum"/>
+            <p:ph type="sldNum" idx="12"/>
           </p:nvPr>
         </p:nvSpPr>
         <p:spPr>
@@ -4751,7 +4932,7 @@
           </a:prstGeom>
         </p:spPr>
         <p:txBody>
-          <a:bodyPr anchorCtr="0" anchor="ctr" bIns="91425" lIns="91425" spcFirstLastPara="1" rIns="91425" wrap="square" tIns="91425">
+          <a:bodyPr spcFirstLastPara="1" wrap="square" lIns="91425" tIns="91425" rIns="91425" bIns="91425" anchor="ctr" anchorCtr="0">
             <a:noAutofit/>
           </a:bodyPr>
           <a:lstStyle>
@@ -4793,7 +4974,7 @@
             </a:lvl9pPr>
           </a:lstStyle>
           <a:p>
-            <a:pPr indent="0" lvl="0" marL="0">
+            <a:pPr marL="0" lvl="0" indent="0">
               <a:spcBef>
                 <a:spcPts val="0"/>
               </a:spcBef>
@@ -4819,11 +5000,11 @@
 </file>
 
 <file path=ppt/slideLayouts/slideLayout8.xml><?xml version="1.0" encoding="utf-8"?>
-<p:sldLayout xmlns:a="http://schemas.openxmlformats.org/drawingml/2006/main" xmlns:r="http://schemas.openxmlformats.org/officeDocument/2006/relationships" xmlns:mc="http://schemas.openxmlformats.org/markup-compatibility/2006" xmlns:mv="urn:schemas-microsoft-com:mac:vml" xmlns:p="http://schemas.openxmlformats.org/presentationml/2006/main" xmlns:c="http://schemas.openxmlformats.org/drawingml/2006/chart" xmlns:dgm="http://schemas.openxmlformats.org/drawingml/2006/diagram" xmlns:o="urn:schemas-microsoft-com:office:office" xmlns:v="urn:schemas-microsoft-com:vml" xmlns:pvml="urn:schemas-microsoft-com:office:powerpoint" xmlns:com="http://schemas.openxmlformats.org/drawingml/2006/compatibility" xmlns:p14="http://schemas.microsoft.com/office/powerpoint/2010/main" xmlns:p15="http://schemas.microsoft.com/office/powerpoint/2012/main" matchingName="Section title and description">
+<p:sldLayout xmlns:a="http://schemas.openxmlformats.org/drawingml/2006/main" xmlns:r="http://schemas.openxmlformats.org/officeDocument/2006/relationships" xmlns:p="http://schemas.openxmlformats.org/presentationml/2006/main" matchingName="Section title and description">
   <p:cSld name="SECTION_TITLE_AND_DESCRIPTION">
     <p:spTree>
       <p:nvGrpSpPr>
-        <p:cNvPr id="35" name="Shape 35"/>
+        <p:cNvPr id="1" name="Shape 35"/>
         <p:cNvGrpSpPr/>
         <p:nvPr/>
       </p:nvGrpSpPr>
@@ -4857,23 +5038,20 @@
           </a:ln>
         </p:spPr>
         <p:txBody>
-          <a:bodyPr anchorCtr="0" anchor="ctr" bIns="91425" lIns="91425" spcFirstLastPara="1" rIns="91425" wrap="square" tIns="91425">
+          <a:bodyPr spcFirstLastPara="1" wrap="square" lIns="91425" tIns="91425" rIns="91425" bIns="91425" anchor="ctr" anchorCtr="0">
             <a:noAutofit/>
           </a:bodyPr>
           <a:lstStyle/>
           <a:p>
-            <a:pPr indent="0" lvl="0" marL="0">
-              <a:spcBef>
-                <a:spcPts val="0"/>
-              </a:spcBef>
-              <a:spcAft>
-                <a:spcPts val="0"/>
-              </a:spcAft>
-              <a:buNone/>
-            </a:pPr>
-            <a:r>
-              <a:t/>
-            </a:r>
+            <a:pPr marL="0" lvl="0" indent="0">
+              <a:spcBef>
+                <a:spcPts val="0"/>
+              </a:spcBef>
+              <a:spcAft>
+                <a:spcPts val="0"/>
+              </a:spcAft>
+              <a:buNone/>
+            </a:pPr>
             <a:endParaRPr/>
           </a:p>
         </p:txBody>
@@ -4881,7 +5059,9 @@
       <p:sp>
         <p:nvSpPr>
           <p:cNvPr id="37" name="Shape 37"/>
-          <p:cNvSpPr txBox="1"/>
+          <p:cNvSpPr txBox="1">
+            <a:spLocks noGrp="1"/>
+          </p:cNvSpPr>
           <p:nvPr>
             <p:ph type="title"/>
           </p:nvPr>
@@ -4896,7 +5076,7 @@
           </a:prstGeom>
         </p:spPr>
         <p:txBody>
-          <a:bodyPr anchorCtr="0" anchor="b" bIns="91425" lIns="91425" spcFirstLastPara="1" rIns="91425" wrap="square" tIns="91425"/>
+          <a:bodyPr spcFirstLastPara="1" wrap="square" lIns="91425" tIns="91425" rIns="91425" bIns="91425" anchor="b" anchorCtr="0"/>
           <a:lstStyle>
             <a:lvl1pPr lvl="0" algn="ctr">
               <a:spcBef>
@@ -4998,15 +5178,19 @@
               <a:defRPr sz="4200"/>
             </a:lvl9pPr>
           </a:lstStyle>
-          <a:p/>
+          <a:p>
+            <a:endParaRPr/>
+          </a:p>
         </p:txBody>
       </p:sp>
       <p:sp>
         <p:nvSpPr>
           <p:cNvPr id="38" name="Shape 38"/>
-          <p:cNvSpPr txBox="1"/>
+          <p:cNvSpPr txBox="1">
+            <a:spLocks noGrp="1"/>
+          </p:cNvSpPr>
           <p:nvPr>
-            <p:ph idx="1" type="subTitle"/>
+            <p:ph type="subTitle" idx="1"/>
           </p:nvPr>
         </p:nvSpPr>
         <p:spPr>
@@ -5019,7 +5203,7 @@
           </a:prstGeom>
         </p:spPr>
         <p:txBody>
-          <a:bodyPr anchorCtr="0" anchor="t" bIns="91425" lIns="91425" spcFirstLastPara="1" rIns="91425" wrap="square" tIns="91425"/>
+          <a:bodyPr spcFirstLastPara="1" wrap="square" lIns="91425" tIns="91425" rIns="91425" bIns="91425" anchor="t" anchorCtr="0"/>
           <a:lstStyle>
             <a:lvl1pPr lvl="0" algn="ctr">
               <a:lnSpc>
@@ -5148,15 +5332,19 @@
               <a:defRPr sz="2100"/>
             </a:lvl9pPr>
           </a:lstStyle>
-          <a:p/>
+          <a:p>
+            <a:endParaRPr/>
+          </a:p>
         </p:txBody>
       </p:sp>
       <p:sp>
         <p:nvSpPr>
           <p:cNvPr id="39" name="Shape 39"/>
-          <p:cNvSpPr txBox="1"/>
+          <p:cNvSpPr txBox="1">
+            <a:spLocks noGrp="1"/>
+          </p:cNvSpPr>
           <p:nvPr>
-            <p:ph idx="2" type="body"/>
+            <p:ph type="body" idx="2"/>
           </p:nvPr>
         </p:nvSpPr>
         <p:spPr>
@@ -5169,9 +5357,9 @@
           </a:prstGeom>
         </p:spPr>
         <p:txBody>
-          <a:bodyPr anchorCtr="0" anchor="ctr" bIns="91425" lIns="91425" spcFirstLastPara="1" rIns="91425" wrap="square" tIns="91425"/>
+          <a:bodyPr spcFirstLastPara="1" wrap="square" lIns="91425" tIns="91425" rIns="91425" bIns="91425" anchor="ctr" anchorCtr="0"/>
           <a:lstStyle>
-            <a:lvl1pPr indent="-342900" lvl="0" marL="457200">
+            <a:lvl1pPr marL="457200" lvl="0" indent="-342900">
               <a:spcBef>
                 <a:spcPts val="0"/>
               </a:spcBef>
@@ -5182,7 +5370,7 @@
               <a:buChar char="●"/>
               <a:defRPr/>
             </a:lvl1pPr>
-            <a:lvl2pPr indent="-317500" lvl="1" marL="914400">
+            <a:lvl2pPr marL="914400" lvl="1" indent="-317500">
               <a:spcBef>
                 <a:spcPts val="1600"/>
               </a:spcBef>
@@ -5193,7 +5381,7 @@
               <a:buChar char="○"/>
               <a:defRPr/>
             </a:lvl2pPr>
-            <a:lvl3pPr indent="-317500" lvl="2" marL="1371600">
+            <a:lvl3pPr marL="1371600" lvl="2" indent="-317500">
               <a:spcBef>
                 <a:spcPts val="1600"/>
               </a:spcBef>
@@ -5204,7 +5392,7 @@
               <a:buChar char="■"/>
               <a:defRPr/>
             </a:lvl3pPr>
-            <a:lvl4pPr indent="-317500" lvl="3" marL="1828800">
+            <a:lvl4pPr marL="1828800" lvl="3" indent="-317500">
               <a:spcBef>
                 <a:spcPts val="1600"/>
               </a:spcBef>
@@ -5215,7 +5403,7 @@
               <a:buChar char="●"/>
               <a:defRPr/>
             </a:lvl4pPr>
-            <a:lvl5pPr indent="-317500" lvl="4" marL="2286000">
+            <a:lvl5pPr marL="2286000" lvl="4" indent="-317500">
               <a:spcBef>
                 <a:spcPts val="1600"/>
               </a:spcBef>
@@ -5226,7 +5414,7 @@
               <a:buChar char="○"/>
               <a:defRPr/>
             </a:lvl5pPr>
-            <a:lvl6pPr indent="-317500" lvl="5" marL="2743200">
+            <a:lvl6pPr marL="2743200" lvl="5" indent="-317500">
               <a:spcBef>
                 <a:spcPts val="1600"/>
               </a:spcBef>
@@ -5237,7 +5425,7 @@
               <a:buChar char="■"/>
               <a:defRPr/>
             </a:lvl6pPr>
-            <a:lvl7pPr indent="-317500" lvl="6" marL="3200400">
+            <a:lvl7pPr marL="3200400" lvl="6" indent="-317500">
               <a:spcBef>
                 <a:spcPts val="1600"/>
               </a:spcBef>
@@ -5248,7 +5436,7 @@
               <a:buChar char="●"/>
               <a:defRPr/>
             </a:lvl7pPr>
-            <a:lvl8pPr indent="-317500" lvl="7" marL="3657600">
+            <a:lvl8pPr marL="3657600" lvl="7" indent="-317500">
               <a:spcBef>
                 <a:spcPts val="1600"/>
               </a:spcBef>
@@ -5259,7 +5447,7 @@
               <a:buChar char="○"/>
               <a:defRPr/>
             </a:lvl8pPr>
-            <a:lvl9pPr indent="-317500" lvl="8" marL="4114800">
+            <a:lvl9pPr marL="4114800" lvl="8" indent="-317500">
               <a:spcBef>
                 <a:spcPts val="1600"/>
               </a:spcBef>
@@ -5271,15 +5459,19 @@
               <a:defRPr/>
             </a:lvl9pPr>
           </a:lstStyle>
-          <a:p/>
+          <a:p>
+            <a:endParaRPr/>
+          </a:p>
         </p:txBody>
       </p:sp>
       <p:sp>
         <p:nvSpPr>
           <p:cNvPr id="40" name="Shape 40"/>
-          <p:cNvSpPr txBox="1"/>
+          <p:cNvSpPr txBox="1">
+            <a:spLocks noGrp="1"/>
+          </p:cNvSpPr>
           <p:nvPr>
-            <p:ph idx="12" type="sldNum"/>
+            <p:ph type="sldNum" idx="12"/>
           </p:nvPr>
         </p:nvSpPr>
         <p:spPr>
@@ -5292,7 +5484,7 @@
           </a:prstGeom>
         </p:spPr>
         <p:txBody>
-          <a:bodyPr anchorCtr="0" anchor="ctr" bIns="91425" lIns="91425" spcFirstLastPara="1" rIns="91425" wrap="square" tIns="91425">
+          <a:bodyPr spcFirstLastPara="1" wrap="square" lIns="91425" tIns="91425" rIns="91425" bIns="91425" anchor="ctr" anchorCtr="0">
             <a:noAutofit/>
           </a:bodyPr>
           <a:lstStyle>
@@ -5334,7 +5526,7 @@
             </a:lvl9pPr>
           </a:lstStyle>
           <a:p>
-            <a:pPr indent="0" lvl="0" marL="0">
+            <a:pPr marL="0" lvl="0" indent="0">
               <a:spcBef>
                 <a:spcPts val="0"/>
               </a:spcBef>
@@ -5360,11 +5552,11 @@
 </file>
 
 <file path=ppt/slideLayouts/slideLayout9.xml><?xml version="1.0" encoding="utf-8"?>
-<p:sldLayout xmlns:a="http://schemas.openxmlformats.org/drawingml/2006/main" xmlns:r="http://schemas.openxmlformats.org/officeDocument/2006/relationships" xmlns:mc="http://schemas.openxmlformats.org/markup-compatibility/2006" xmlns:mv="urn:schemas-microsoft-com:mac:vml" xmlns:p="http://schemas.openxmlformats.org/presentationml/2006/main" xmlns:c="http://schemas.openxmlformats.org/drawingml/2006/chart" xmlns:dgm="http://schemas.openxmlformats.org/drawingml/2006/diagram" xmlns:o="urn:schemas-microsoft-com:office:office" xmlns:v="urn:schemas-microsoft-com:vml" xmlns:pvml="urn:schemas-microsoft-com:office:powerpoint" xmlns:com="http://schemas.openxmlformats.org/drawingml/2006/compatibility" xmlns:p14="http://schemas.microsoft.com/office/powerpoint/2010/main" xmlns:p15="http://schemas.microsoft.com/office/powerpoint/2012/main" matchingName="Caption">
+<p:sldLayout xmlns:a="http://schemas.openxmlformats.org/drawingml/2006/main" xmlns:r="http://schemas.openxmlformats.org/officeDocument/2006/relationships" xmlns:p="http://schemas.openxmlformats.org/presentationml/2006/main" matchingName="Caption">
   <p:cSld name="CAPTION_ONLY">
     <p:spTree>
       <p:nvGrpSpPr>
-        <p:cNvPr id="41" name="Shape 41"/>
+        <p:cNvPr id="1" name="Shape 41"/>
         <p:cNvGrpSpPr/>
         <p:nvPr/>
       </p:nvGrpSpPr>
@@ -5379,9 +5571,11 @@
       <p:sp>
         <p:nvSpPr>
           <p:cNvPr id="42" name="Shape 42"/>
-          <p:cNvSpPr txBox="1"/>
+          <p:cNvSpPr txBox="1">
+            <a:spLocks noGrp="1"/>
+          </p:cNvSpPr>
           <p:nvPr>
-            <p:ph idx="1" type="body"/>
+            <p:ph type="body" idx="1"/>
           </p:nvPr>
         </p:nvSpPr>
         <p:spPr>
@@ -5394,9 +5588,9 @@
           </a:prstGeom>
         </p:spPr>
         <p:txBody>
-          <a:bodyPr anchorCtr="0" anchor="ctr" bIns="91425" lIns="91425" spcFirstLastPara="1" rIns="91425" wrap="square" tIns="91425"/>
+          <a:bodyPr spcFirstLastPara="1" wrap="square" lIns="91425" tIns="91425" rIns="91425" bIns="91425" anchor="ctr" anchorCtr="0"/>
           <a:lstStyle>
-            <a:lvl1pPr indent="-228600" lvl="0" marL="457200">
+            <a:lvl1pPr marL="457200" lvl="0" indent="-228600">
               <a:lnSpc>
                 <a:spcPct val="100000"/>
               </a:lnSpc>
@@ -5411,15 +5605,19 @@
               <a:defRPr/>
             </a:lvl1pPr>
           </a:lstStyle>
-          <a:p/>
+          <a:p>
+            <a:endParaRPr/>
+          </a:p>
         </p:txBody>
       </p:sp>
       <p:sp>
         <p:nvSpPr>
           <p:cNvPr id="43" name="Shape 43"/>
-          <p:cNvSpPr txBox="1"/>
+          <p:cNvSpPr txBox="1">
+            <a:spLocks noGrp="1"/>
+          </p:cNvSpPr>
           <p:nvPr>
-            <p:ph idx="12" type="sldNum"/>
+            <p:ph type="sldNum" idx="12"/>
           </p:nvPr>
         </p:nvSpPr>
         <p:spPr>
@@ -5432,7 +5630,7 @@
           </a:prstGeom>
         </p:spPr>
         <p:txBody>
-          <a:bodyPr anchorCtr="0" anchor="ctr" bIns="91425" lIns="91425" spcFirstLastPara="1" rIns="91425" wrap="square" tIns="91425">
+          <a:bodyPr spcFirstLastPara="1" wrap="square" lIns="91425" tIns="91425" rIns="91425" bIns="91425" anchor="ctr" anchorCtr="0">
             <a:noAutofit/>
           </a:bodyPr>
           <a:lstStyle>
@@ -5474,7 +5672,7 @@
             </a:lvl9pPr>
           </a:lstStyle>
           <a:p>
-            <a:pPr indent="0" lvl="0" marL="0">
+            <a:pPr marL="0" lvl="0" indent="0">
               <a:spcBef>
                 <a:spcPts val="0"/>
               </a:spcBef>
@@ -5500,18 +5698,19 @@
 </file>
 
 <file path=ppt/slideMasters/slideMaster1.xml><?xml version="1.0" encoding="utf-8"?>
-<p:sldMaster xmlns:a="http://schemas.openxmlformats.org/drawingml/2006/main" xmlns:r="http://schemas.openxmlformats.org/officeDocument/2006/relationships" xmlns:mc="http://schemas.openxmlformats.org/markup-compatibility/2006" xmlns:mv="urn:schemas-microsoft-com:mac:vml" xmlns:p="http://schemas.openxmlformats.org/presentationml/2006/main" xmlns:c="http://schemas.openxmlformats.org/drawingml/2006/chart" xmlns:dgm="http://schemas.openxmlformats.org/drawingml/2006/diagram" xmlns:o="urn:schemas-microsoft-com:office:office" xmlns:v="urn:schemas-microsoft-com:vml" xmlns:pvml="urn:schemas-microsoft-com:office:powerpoint" xmlns:com="http://schemas.openxmlformats.org/drawingml/2006/compatibility" xmlns:p14="http://schemas.microsoft.com/office/powerpoint/2010/main" xmlns:p15="http://schemas.microsoft.com/office/powerpoint/2012/main">
+<p:sldMaster xmlns:a="http://schemas.openxmlformats.org/drawingml/2006/main" xmlns:r="http://schemas.openxmlformats.org/officeDocument/2006/relationships" xmlns:p="http://schemas.openxmlformats.org/presentationml/2006/main">
   <p:cSld name="simple-light-2">
     <p:bg>
       <p:bgPr>
         <a:solidFill>
           <a:schemeClr val="lt1"/>
         </a:solidFill>
+        <a:effectLst/>
       </p:bgPr>
     </p:bg>
     <p:spTree>
       <p:nvGrpSpPr>
-        <p:cNvPr id="5" name="Shape 5"/>
+        <p:cNvPr id="1" name="Shape 5"/>
         <p:cNvGrpSpPr/>
         <p:nvPr/>
       </p:nvGrpSpPr>
@@ -5526,7 +5725,9 @@
       <p:sp>
         <p:nvSpPr>
           <p:cNvPr id="6" name="Shape 6"/>
-          <p:cNvSpPr txBox="1"/>
+          <p:cNvSpPr txBox="1">
+            <a:spLocks noGrp="1"/>
+          </p:cNvSpPr>
           <p:nvPr>
             <p:ph type="title"/>
           </p:nvPr>
@@ -5545,7 +5746,7 @@
           </a:ln>
         </p:spPr>
         <p:txBody>
-          <a:bodyPr anchorCtr="0" anchor="t" bIns="91425" lIns="91425" spcFirstLastPara="1" rIns="91425" wrap="square" tIns="91425"/>
+          <a:bodyPr spcFirstLastPara="1" wrap="square" lIns="91425" tIns="91425" rIns="91425" bIns="91425" anchor="t" anchorCtr="0"/>
           <a:lstStyle>
             <a:lvl1pPr lvl="0">
               <a:spcBef>
@@ -5710,15 +5911,19 @@
               </a:defRPr>
             </a:lvl9pPr>
           </a:lstStyle>
-          <a:p/>
+          <a:p>
+            <a:endParaRPr/>
+          </a:p>
         </p:txBody>
       </p:sp>
       <p:sp>
         <p:nvSpPr>
           <p:cNvPr id="7" name="Shape 7"/>
-          <p:cNvSpPr txBox="1"/>
+          <p:cNvSpPr txBox="1">
+            <a:spLocks noGrp="1"/>
+          </p:cNvSpPr>
           <p:nvPr>
-            <p:ph idx="1" type="body"/>
+            <p:ph type="body" idx="1"/>
           </p:nvPr>
         </p:nvSpPr>
         <p:spPr>
@@ -5735,9 +5940,9 @@
           </a:ln>
         </p:spPr>
         <p:txBody>
-          <a:bodyPr anchorCtr="0" anchor="t" bIns="91425" lIns="91425" spcFirstLastPara="1" rIns="91425" wrap="square" tIns="91425"/>
+          <a:bodyPr spcFirstLastPara="1" wrap="square" lIns="91425" tIns="91425" rIns="91425" bIns="91425" anchor="t" anchorCtr="0"/>
           <a:lstStyle>
-            <a:lvl1pPr indent="-342900" lvl="0" marL="457200">
+            <a:lvl1pPr marL="457200" lvl="0" indent="-342900">
               <a:lnSpc>
                 <a:spcPct val="115000"/>
               </a:lnSpc>
@@ -5758,7 +5963,7 @@
                 </a:solidFill>
               </a:defRPr>
             </a:lvl1pPr>
-            <a:lvl2pPr indent="-317500" lvl="1" marL="914400">
+            <a:lvl2pPr marL="914400" lvl="1" indent="-317500">
               <a:lnSpc>
                 <a:spcPct val="115000"/>
               </a:lnSpc>
@@ -5779,7 +5984,7 @@
                 </a:solidFill>
               </a:defRPr>
             </a:lvl2pPr>
-            <a:lvl3pPr indent="-317500" lvl="2" marL="1371600">
+            <a:lvl3pPr marL="1371600" lvl="2" indent="-317500">
               <a:lnSpc>
                 <a:spcPct val="115000"/>
               </a:lnSpc>
@@ -5800,7 +6005,7 @@
                 </a:solidFill>
               </a:defRPr>
             </a:lvl3pPr>
-            <a:lvl4pPr indent="-317500" lvl="3" marL="1828800">
+            <a:lvl4pPr marL="1828800" lvl="3" indent="-317500">
               <a:lnSpc>
                 <a:spcPct val="115000"/>
               </a:lnSpc>
@@ -5821,7 +6026,7 @@
                 </a:solidFill>
               </a:defRPr>
             </a:lvl4pPr>
-            <a:lvl5pPr indent="-317500" lvl="4" marL="2286000">
+            <a:lvl5pPr marL="2286000" lvl="4" indent="-317500">
               <a:lnSpc>
                 <a:spcPct val="115000"/>
               </a:lnSpc>
@@ -5842,7 +6047,7 @@
                 </a:solidFill>
               </a:defRPr>
             </a:lvl5pPr>
-            <a:lvl6pPr indent="-317500" lvl="5" marL="2743200">
+            <a:lvl6pPr marL="2743200" lvl="5" indent="-317500">
               <a:lnSpc>
                 <a:spcPct val="115000"/>
               </a:lnSpc>
@@ -5863,7 +6068,7 @@
                 </a:solidFill>
               </a:defRPr>
             </a:lvl6pPr>
-            <a:lvl7pPr indent="-317500" lvl="6" marL="3200400">
+            <a:lvl7pPr marL="3200400" lvl="6" indent="-317500">
               <a:lnSpc>
                 <a:spcPct val="115000"/>
               </a:lnSpc>
@@ -5884,7 +6089,7 @@
                 </a:solidFill>
               </a:defRPr>
             </a:lvl7pPr>
-            <a:lvl8pPr indent="-317500" lvl="7" marL="3657600">
+            <a:lvl8pPr marL="3657600" lvl="7" indent="-317500">
               <a:lnSpc>
                 <a:spcPct val="115000"/>
               </a:lnSpc>
@@ -5905,7 +6110,7 @@
                 </a:solidFill>
               </a:defRPr>
             </a:lvl8pPr>
-            <a:lvl9pPr indent="-317500" lvl="8" marL="4114800">
+            <a:lvl9pPr marL="4114800" lvl="8" indent="-317500">
               <a:lnSpc>
                 <a:spcPct val="115000"/>
               </a:lnSpc>
@@ -5927,15 +6132,19 @@
               </a:defRPr>
             </a:lvl9pPr>
           </a:lstStyle>
-          <a:p/>
+          <a:p>
+            <a:endParaRPr/>
+          </a:p>
         </p:txBody>
       </p:sp>
       <p:sp>
         <p:nvSpPr>
           <p:cNvPr id="8" name="Shape 8"/>
-          <p:cNvSpPr txBox="1"/>
+          <p:cNvSpPr txBox="1">
+            <a:spLocks noGrp="1"/>
+          </p:cNvSpPr>
           <p:nvPr>
-            <p:ph idx="12" type="sldNum"/>
+            <p:ph type="sldNum" idx="12"/>
           </p:nvPr>
         </p:nvSpPr>
         <p:spPr>
@@ -5952,7 +6161,7 @@
           </a:ln>
         </p:spPr>
         <p:txBody>
-          <a:bodyPr anchorCtr="0" anchor="ctr" bIns="91425" lIns="91425" spcFirstLastPara="1" rIns="91425" wrap="square" tIns="91425">
+          <a:bodyPr spcFirstLastPara="1" wrap="square" lIns="91425" tIns="91425" rIns="91425" bIns="91425" anchor="ctr" anchorCtr="0">
             <a:noAutofit/>
           </a:bodyPr>
           <a:lstStyle>
@@ -6030,7 +6239,7 @@
             </a:lvl9pPr>
           </a:lstStyle>
           <a:p>
-            <a:pPr indent="0" lvl="0" marL="0">
+            <a:pPr marL="0" lvl="0" indent="0">
               <a:spcBef>
                 <a:spcPts val="0"/>
               </a:spcBef>
@@ -6049,7 +6258,7 @@
       </p:sp>
     </p:spTree>
   </p:cSld>
-  <p:clrMap accent1="accent1" accent2="accent2" accent3="accent3" accent4="accent4" accent5="accent5" accent6="accent6" bg1="lt1" bg2="dk2" tx1="dk1" tx2="lt2" folHlink="folHlink" hlink="hlink"/>
+  <p:clrMap bg1="lt1" tx1="dk1" bg2="dk2" tx2="lt2" accent1="accent1" accent2="accent2" accent3="accent3" accent4="accent4" accent5="accent5" accent6="accent6" hlink="hlink" folHlink="folHlink"/>
   <p:sldLayoutIdLst>
     <p:sldLayoutId id="2147483648" r:id="rId1"/>
     <p:sldLayoutId id="2147483649" r:id="rId2"/>
@@ -6063,10 +6272,10 @@
     <p:sldLayoutId id="2147483657" r:id="rId10"/>
     <p:sldLayoutId id="2147483658" r:id="rId11"/>
   </p:sldLayoutIdLst>
-  <p:hf dt="0" ftr="0" hdr="0" sldNum="0"/>
+  <p:hf sldNum="0" hdr="0" ftr="0" dt="0"/>
   <p:txStyles>
     <p:titleStyle>
-      <a:defPPr lvl="0" marR="0" rtl="0" algn="l">
+      <a:defPPr marR="0" lvl="0" algn="l" rtl="0">
         <a:lnSpc>
           <a:spcPct val="100000"/>
         </a:lnSpc>
@@ -6077,7 +6286,7 @@
           <a:spcPts val="0"/>
         </a:spcAft>
       </a:defPPr>
-      <a:lvl1pPr lvl="0" marR="0" rtl="0" algn="l">
+      <a:lvl1pPr marR="0" lvl="0" algn="l" rtl="0">
         <a:lnSpc>
           <a:spcPct val="100000"/>
         </a:lnSpc>
@@ -6091,7 +6300,7 @@
           <a:srgbClr val="000000"/>
         </a:buClr>
         <a:buFont typeface="Arial"/>
-        <a:defRPr b="0" i="0" sz="1400" u="none" cap="none" strike="noStrike">
+        <a:defRPr sz="1400" b="0" i="0" u="none" strike="noStrike" cap="none">
           <a:solidFill>
             <a:srgbClr val="000000"/>
           </a:solidFill>
@@ -6101,7 +6310,7 @@
           <a:sym typeface="Arial"/>
         </a:defRPr>
       </a:lvl1pPr>
-      <a:lvl2pPr lvl="1" marR="0" rtl="0" algn="l">
+      <a:lvl2pPr marR="0" lvl="1" algn="l" rtl="0">
         <a:lnSpc>
           <a:spcPct val="100000"/>
         </a:lnSpc>
@@ -6115,7 +6324,7 @@
           <a:srgbClr val="000000"/>
         </a:buClr>
         <a:buFont typeface="Arial"/>
-        <a:defRPr b="0" i="0" sz="1400" u="none" cap="none" strike="noStrike">
+        <a:defRPr sz="1400" b="0" i="0" u="none" strike="noStrike" cap="none">
           <a:solidFill>
             <a:srgbClr val="000000"/>
           </a:solidFill>
@@ -6125,7 +6334,7 @@
           <a:sym typeface="Arial"/>
         </a:defRPr>
       </a:lvl2pPr>
-      <a:lvl3pPr lvl="2" marR="0" rtl="0" algn="l">
+      <a:lvl3pPr marR="0" lvl="2" algn="l" rtl="0">
         <a:lnSpc>
           <a:spcPct val="100000"/>
         </a:lnSpc>
@@ -6139,7 +6348,7 @@
           <a:srgbClr val="000000"/>
         </a:buClr>
         <a:buFont typeface="Arial"/>
-        <a:defRPr b="0" i="0" sz="1400" u="none" cap="none" strike="noStrike">
+        <a:defRPr sz="1400" b="0" i="0" u="none" strike="noStrike" cap="none">
           <a:solidFill>
             <a:srgbClr val="000000"/>
           </a:solidFill>
@@ -6149,7 +6358,7 @@
           <a:sym typeface="Arial"/>
         </a:defRPr>
       </a:lvl3pPr>
-      <a:lvl4pPr lvl="3" marR="0" rtl="0" algn="l">
+      <a:lvl4pPr marR="0" lvl="3" algn="l" rtl="0">
         <a:lnSpc>
           <a:spcPct val="100000"/>
         </a:lnSpc>
@@ -6163,7 +6372,7 @@
           <a:srgbClr val="000000"/>
         </a:buClr>
         <a:buFont typeface="Arial"/>
-        <a:defRPr b="0" i="0" sz="1400" u="none" cap="none" strike="noStrike">
+        <a:defRPr sz="1400" b="0" i="0" u="none" strike="noStrike" cap="none">
           <a:solidFill>
             <a:srgbClr val="000000"/>
           </a:solidFill>
@@ -6173,7 +6382,7 @@
           <a:sym typeface="Arial"/>
         </a:defRPr>
       </a:lvl4pPr>
-      <a:lvl5pPr lvl="4" marR="0" rtl="0" algn="l">
+      <a:lvl5pPr marR="0" lvl="4" algn="l" rtl="0">
         <a:lnSpc>
           <a:spcPct val="100000"/>
         </a:lnSpc>
@@ -6187,7 +6396,7 @@
           <a:srgbClr val="000000"/>
         </a:buClr>
         <a:buFont typeface="Arial"/>
-        <a:defRPr b="0" i="0" sz="1400" u="none" cap="none" strike="noStrike">
+        <a:defRPr sz="1400" b="0" i="0" u="none" strike="noStrike" cap="none">
           <a:solidFill>
             <a:srgbClr val="000000"/>
           </a:solidFill>
@@ -6197,7 +6406,7 @@
           <a:sym typeface="Arial"/>
         </a:defRPr>
       </a:lvl5pPr>
-      <a:lvl6pPr lvl="5" marR="0" rtl="0" algn="l">
+      <a:lvl6pPr marR="0" lvl="5" algn="l" rtl="0">
         <a:lnSpc>
           <a:spcPct val="100000"/>
         </a:lnSpc>
@@ -6211,7 +6420,7 @@
           <a:srgbClr val="000000"/>
         </a:buClr>
         <a:buFont typeface="Arial"/>
-        <a:defRPr b="0" i="0" sz="1400" u="none" cap="none" strike="noStrike">
+        <a:defRPr sz="1400" b="0" i="0" u="none" strike="noStrike" cap="none">
           <a:solidFill>
             <a:srgbClr val="000000"/>
           </a:solidFill>
@@ -6221,7 +6430,7 @@
           <a:sym typeface="Arial"/>
         </a:defRPr>
       </a:lvl6pPr>
-      <a:lvl7pPr lvl="6" marR="0" rtl="0" algn="l">
+      <a:lvl7pPr marR="0" lvl="6" algn="l" rtl="0">
         <a:lnSpc>
           <a:spcPct val="100000"/>
         </a:lnSpc>
@@ -6235,7 +6444,7 @@
           <a:srgbClr val="000000"/>
         </a:buClr>
         <a:buFont typeface="Arial"/>
-        <a:defRPr b="0" i="0" sz="1400" u="none" cap="none" strike="noStrike">
+        <a:defRPr sz="1400" b="0" i="0" u="none" strike="noStrike" cap="none">
           <a:solidFill>
             <a:srgbClr val="000000"/>
           </a:solidFill>
@@ -6245,7 +6454,7 @@
           <a:sym typeface="Arial"/>
         </a:defRPr>
       </a:lvl7pPr>
-      <a:lvl8pPr lvl="7" marR="0" rtl="0" algn="l">
+      <a:lvl8pPr marR="0" lvl="7" algn="l" rtl="0">
         <a:lnSpc>
           <a:spcPct val="100000"/>
         </a:lnSpc>
@@ -6259,7 +6468,7 @@
           <a:srgbClr val="000000"/>
         </a:buClr>
         <a:buFont typeface="Arial"/>
-        <a:defRPr b="0" i="0" sz="1400" u="none" cap="none" strike="noStrike">
+        <a:defRPr sz="1400" b="0" i="0" u="none" strike="noStrike" cap="none">
           <a:solidFill>
             <a:srgbClr val="000000"/>
           </a:solidFill>
@@ -6269,7 +6478,7 @@
           <a:sym typeface="Arial"/>
         </a:defRPr>
       </a:lvl8pPr>
-      <a:lvl9pPr lvl="8" marR="0" rtl="0" algn="l">
+      <a:lvl9pPr marR="0" lvl="8" algn="l" rtl="0">
         <a:lnSpc>
           <a:spcPct val="100000"/>
         </a:lnSpc>
@@ -6283,7 +6492,7 @@
           <a:srgbClr val="000000"/>
         </a:buClr>
         <a:buFont typeface="Arial"/>
-        <a:defRPr b="0" i="0" sz="1400" u="none" cap="none" strike="noStrike">
+        <a:defRPr sz="1400" b="0" i="0" u="none" strike="noStrike" cap="none">
           <a:solidFill>
             <a:srgbClr val="000000"/>
           </a:solidFill>
@@ -6295,7 +6504,7 @@
       </a:lvl9pPr>
     </p:titleStyle>
     <p:bodyStyle>
-      <a:defPPr lvl="0" marR="0" rtl="0" algn="l">
+      <a:defPPr marR="0" lvl="0" algn="l" rtl="0">
         <a:lnSpc>
           <a:spcPct val="100000"/>
         </a:lnSpc>
@@ -6306,7 +6515,7 @@
           <a:spcPts val="0"/>
         </a:spcAft>
       </a:defPPr>
-      <a:lvl1pPr lvl="0" marR="0" rtl="0" algn="l">
+      <a:lvl1pPr marR="0" lvl="0" algn="l" rtl="0">
         <a:lnSpc>
           <a:spcPct val="100000"/>
         </a:lnSpc>
@@ -6320,7 +6529,7 @@
           <a:srgbClr val="000000"/>
         </a:buClr>
         <a:buFont typeface="Arial"/>
-        <a:defRPr b="0" i="0" sz="1400" u="none" cap="none" strike="noStrike">
+        <a:defRPr sz="1400" b="0" i="0" u="none" strike="noStrike" cap="none">
           <a:solidFill>
             <a:srgbClr val="000000"/>
           </a:solidFill>
@@ -6330,7 +6539,7 @@
           <a:sym typeface="Arial"/>
         </a:defRPr>
       </a:lvl1pPr>
-      <a:lvl2pPr lvl="1" marR="0" rtl="0" algn="l">
+      <a:lvl2pPr marR="0" lvl="1" algn="l" rtl="0">
         <a:lnSpc>
           <a:spcPct val="100000"/>
         </a:lnSpc>
@@ -6344,7 +6553,7 @@
           <a:srgbClr val="000000"/>
         </a:buClr>
         <a:buFont typeface="Arial"/>
-        <a:defRPr b="0" i="0" sz="1400" u="none" cap="none" strike="noStrike">
+        <a:defRPr sz="1400" b="0" i="0" u="none" strike="noStrike" cap="none">
           <a:solidFill>
             <a:srgbClr val="000000"/>
           </a:solidFill>
@@ -6354,7 +6563,7 @@
           <a:sym typeface="Arial"/>
         </a:defRPr>
       </a:lvl2pPr>
-      <a:lvl3pPr lvl="2" marR="0" rtl="0" algn="l">
+      <a:lvl3pPr marR="0" lvl="2" algn="l" rtl="0">
         <a:lnSpc>
           <a:spcPct val="100000"/>
         </a:lnSpc>
@@ -6368,7 +6577,7 @@
           <a:srgbClr val="000000"/>
         </a:buClr>
         <a:buFont typeface="Arial"/>
-        <a:defRPr b="0" i="0" sz="1400" u="none" cap="none" strike="noStrike">
+        <a:defRPr sz="1400" b="0" i="0" u="none" strike="noStrike" cap="none">
           <a:solidFill>
             <a:srgbClr val="000000"/>
           </a:solidFill>
@@ -6378,7 +6587,7 @@
           <a:sym typeface="Arial"/>
         </a:defRPr>
       </a:lvl3pPr>
-      <a:lvl4pPr lvl="3" marR="0" rtl="0" algn="l">
+      <a:lvl4pPr marR="0" lvl="3" algn="l" rtl="0">
         <a:lnSpc>
           <a:spcPct val="100000"/>
         </a:lnSpc>
@@ -6392,7 +6601,7 @@
           <a:srgbClr val="000000"/>
         </a:buClr>
         <a:buFont typeface="Arial"/>
-        <a:defRPr b="0" i="0" sz="1400" u="none" cap="none" strike="noStrike">
+        <a:defRPr sz="1400" b="0" i="0" u="none" strike="noStrike" cap="none">
           <a:solidFill>
             <a:srgbClr val="000000"/>
           </a:solidFill>
@@ -6402,7 +6611,7 @@
           <a:sym typeface="Arial"/>
         </a:defRPr>
       </a:lvl4pPr>
-      <a:lvl5pPr lvl="4" marR="0" rtl="0" algn="l">
+      <a:lvl5pPr marR="0" lvl="4" algn="l" rtl="0">
         <a:lnSpc>
           <a:spcPct val="100000"/>
         </a:lnSpc>
@@ -6416,7 +6625,7 @@
           <a:srgbClr val="000000"/>
         </a:buClr>
         <a:buFont typeface="Arial"/>
-        <a:defRPr b="0" i="0" sz="1400" u="none" cap="none" strike="noStrike">
+        <a:defRPr sz="1400" b="0" i="0" u="none" strike="noStrike" cap="none">
           <a:solidFill>
             <a:srgbClr val="000000"/>
           </a:solidFill>
@@ -6426,7 +6635,7 @@
           <a:sym typeface="Arial"/>
         </a:defRPr>
       </a:lvl5pPr>
-      <a:lvl6pPr lvl="5" marR="0" rtl="0" algn="l">
+      <a:lvl6pPr marR="0" lvl="5" algn="l" rtl="0">
         <a:lnSpc>
           <a:spcPct val="100000"/>
         </a:lnSpc>
@@ -6440,7 +6649,7 @@
           <a:srgbClr val="000000"/>
         </a:buClr>
         <a:buFont typeface="Arial"/>
-        <a:defRPr b="0" i="0" sz="1400" u="none" cap="none" strike="noStrike">
+        <a:defRPr sz="1400" b="0" i="0" u="none" strike="noStrike" cap="none">
           <a:solidFill>
             <a:srgbClr val="000000"/>
           </a:solidFill>
@@ -6450,7 +6659,7 @@
           <a:sym typeface="Arial"/>
         </a:defRPr>
       </a:lvl6pPr>
-      <a:lvl7pPr lvl="6" marR="0" rtl="0" algn="l">
+      <a:lvl7pPr marR="0" lvl="6" algn="l" rtl="0">
         <a:lnSpc>
           <a:spcPct val="100000"/>
         </a:lnSpc>
@@ -6464,7 +6673,7 @@
           <a:srgbClr val="000000"/>
         </a:buClr>
         <a:buFont typeface="Arial"/>
-        <a:defRPr b="0" i="0" sz="1400" u="none" cap="none" strike="noStrike">
+        <a:defRPr sz="1400" b="0" i="0" u="none" strike="noStrike" cap="none">
           <a:solidFill>
             <a:srgbClr val="000000"/>
           </a:solidFill>
@@ -6474,7 +6683,7 @@
           <a:sym typeface="Arial"/>
         </a:defRPr>
       </a:lvl7pPr>
-      <a:lvl8pPr lvl="7" marR="0" rtl="0" algn="l">
+      <a:lvl8pPr marR="0" lvl="7" algn="l" rtl="0">
         <a:lnSpc>
           <a:spcPct val="100000"/>
         </a:lnSpc>
@@ -6488,7 +6697,7 @@
           <a:srgbClr val="000000"/>
         </a:buClr>
         <a:buFont typeface="Arial"/>
-        <a:defRPr b="0" i="0" sz="1400" u="none" cap="none" strike="noStrike">
+        <a:defRPr sz="1400" b="0" i="0" u="none" strike="noStrike" cap="none">
           <a:solidFill>
             <a:srgbClr val="000000"/>
           </a:solidFill>
@@ -6498,7 +6707,7 @@
           <a:sym typeface="Arial"/>
         </a:defRPr>
       </a:lvl8pPr>
-      <a:lvl9pPr lvl="8" marR="0" rtl="0" algn="l">
+      <a:lvl9pPr marR="0" lvl="8" algn="l" rtl="0">
         <a:lnSpc>
           <a:spcPct val="100000"/>
         </a:lnSpc>
@@ -6512,7 +6721,7 @@
           <a:srgbClr val="000000"/>
         </a:buClr>
         <a:buFont typeface="Arial"/>
-        <a:defRPr b="0" i="0" sz="1400" u="none" cap="none" strike="noStrike">
+        <a:defRPr sz="1400" b="0" i="0" u="none" strike="noStrike" cap="none">
           <a:solidFill>
             <a:srgbClr val="000000"/>
           </a:solidFill>
@@ -6524,7 +6733,7 @@
       </a:lvl9pPr>
     </p:bodyStyle>
     <p:otherStyle>
-      <a:defPPr lvl="0" marR="0" rtl="0" algn="l">
+      <a:defPPr marR="0" lvl="0" algn="l" rtl="0">
         <a:lnSpc>
           <a:spcPct val="100000"/>
         </a:lnSpc>
@@ -6535,7 +6744,7 @@
           <a:spcPts val="0"/>
         </a:spcAft>
       </a:defPPr>
-      <a:lvl1pPr lvl="0" marR="0" rtl="0" algn="l">
+      <a:lvl1pPr marR="0" lvl="0" algn="l" rtl="0">
         <a:lnSpc>
           <a:spcPct val="100000"/>
         </a:lnSpc>
@@ -6549,7 +6758,7 @@
           <a:srgbClr val="000000"/>
         </a:buClr>
         <a:buFont typeface="Arial"/>
-        <a:defRPr b="0" i="0" sz="1400" u="none" cap="none" strike="noStrike">
+        <a:defRPr sz="1400" b="0" i="0" u="none" strike="noStrike" cap="none">
           <a:solidFill>
             <a:srgbClr val="000000"/>
           </a:solidFill>
@@ -6559,7 +6768,7 @@
           <a:sym typeface="Arial"/>
         </a:defRPr>
       </a:lvl1pPr>
-      <a:lvl2pPr lvl="1" marR="0" rtl="0" algn="l">
+      <a:lvl2pPr marR="0" lvl="1" algn="l" rtl="0">
         <a:lnSpc>
           <a:spcPct val="100000"/>
         </a:lnSpc>
@@ -6573,7 +6782,7 @@
           <a:srgbClr val="000000"/>
         </a:buClr>
         <a:buFont typeface="Arial"/>
-        <a:defRPr b="0" i="0" sz="1400" u="none" cap="none" strike="noStrike">
+        <a:defRPr sz="1400" b="0" i="0" u="none" strike="noStrike" cap="none">
           <a:solidFill>
             <a:srgbClr val="000000"/>
           </a:solidFill>
@@ -6583,7 +6792,7 @@
           <a:sym typeface="Arial"/>
         </a:defRPr>
       </a:lvl2pPr>
-      <a:lvl3pPr lvl="2" marR="0" rtl="0" algn="l">
+      <a:lvl3pPr marR="0" lvl="2" algn="l" rtl="0">
         <a:lnSpc>
           <a:spcPct val="100000"/>
         </a:lnSpc>
@@ -6597,7 +6806,7 @@
           <a:srgbClr val="000000"/>
         </a:buClr>
         <a:buFont typeface="Arial"/>
-        <a:defRPr b="0" i="0" sz="1400" u="none" cap="none" strike="noStrike">
+        <a:defRPr sz="1400" b="0" i="0" u="none" strike="noStrike" cap="none">
           <a:solidFill>
             <a:srgbClr val="000000"/>
           </a:solidFill>
@@ -6607,7 +6816,7 @@
           <a:sym typeface="Arial"/>
         </a:defRPr>
       </a:lvl3pPr>
-      <a:lvl4pPr lvl="3" marR="0" rtl="0" algn="l">
+      <a:lvl4pPr marR="0" lvl="3" algn="l" rtl="0">
         <a:lnSpc>
           <a:spcPct val="100000"/>
         </a:lnSpc>
@@ -6621,7 +6830,7 @@
           <a:srgbClr val="000000"/>
         </a:buClr>
         <a:buFont typeface="Arial"/>
-        <a:defRPr b="0" i="0" sz="1400" u="none" cap="none" strike="noStrike">
+        <a:defRPr sz="1400" b="0" i="0" u="none" strike="noStrike" cap="none">
           <a:solidFill>
             <a:srgbClr val="000000"/>
           </a:solidFill>
@@ -6631,7 +6840,7 @@
           <a:sym typeface="Arial"/>
         </a:defRPr>
       </a:lvl4pPr>
-      <a:lvl5pPr lvl="4" marR="0" rtl="0" algn="l">
+      <a:lvl5pPr marR="0" lvl="4" algn="l" rtl="0">
         <a:lnSpc>
           <a:spcPct val="100000"/>
         </a:lnSpc>
@@ -6645,7 +6854,7 @@
           <a:srgbClr val="000000"/>
         </a:buClr>
         <a:buFont typeface="Arial"/>
-        <a:defRPr b="0" i="0" sz="1400" u="none" cap="none" strike="noStrike">
+        <a:defRPr sz="1400" b="0" i="0" u="none" strike="noStrike" cap="none">
           <a:solidFill>
             <a:srgbClr val="000000"/>
           </a:solidFill>
@@ -6655,7 +6864,7 @@
           <a:sym typeface="Arial"/>
         </a:defRPr>
       </a:lvl5pPr>
-      <a:lvl6pPr lvl="5" marR="0" rtl="0" algn="l">
+      <a:lvl6pPr marR="0" lvl="5" algn="l" rtl="0">
         <a:lnSpc>
           <a:spcPct val="100000"/>
         </a:lnSpc>
@@ -6669,7 +6878,7 @@
           <a:srgbClr val="000000"/>
         </a:buClr>
         <a:buFont typeface="Arial"/>
-        <a:defRPr b="0" i="0" sz="1400" u="none" cap="none" strike="noStrike">
+        <a:defRPr sz="1400" b="0" i="0" u="none" strike="noStrike" cap="none">
           <a:solidFill>
             <a:srgbClr val="000000"/>
           </a:solidFill>
@@ -6679,7 +6888,7 @@
           <a:sym typeface="Arial"/>
         </a:defRPr>
       </a:lvl6pPr>
-      <a:lvl7pPr lvl="6" marR="0" rtl="0" algn="l">
+      <a:lvl7pPr marR="0" lvl="6" algn="l" rtl="0">
         <a:lnSpc>
           <a:spcPct val="100000"/>
         </a:lnSpc>
@@ -6693,7 +6902,7 @@
           <a:srgbClr val="000000"/>
         </a:buClr>
         <a:buFont typeface="Arial"/>
-        <a:defRPr b="0" i="0" sz="1400" u="none" cap="none" strike="noStrike">
+        <a:defRPr sz="1400" b="0" i="0" u="none" strike="noStrike" cap="none">
           <a:solidFill>
             <a:srgbClr val="000000"/>
           </a:solidFill>
@@ -6703,7 +6912,7 @@
           <a:sym typeface="Arial"/>
         </a:defRPr>
       </a:lvl7pPr>
-      <a:lvl8pPr lvl="7" marR="0" rtl="0" algn="l">
+      <a:lvl8pPr marR="0" lvl="7" algn="l" rtl="0">
         <a:lnSpc>
           <a:spcPct val="100000"/>
         </a:lnSpc>
@@ -6717,7 +6926,7 @@
           <a:srgbClr val="000000"/>
         </a:buClr>
         <a:buFont typeface="Arial"/>
-        <a:defRPr b="0" i="0" sz="1400" u="none" cap="none" strike="noStrike">
+        <a:defRPr sz="1400" b="0" i="0" u="none" strike="noStrike" cap="none">
           <a:solidFill>
             <a:srgbClr val="000000"/>
           </a:solidFill>
@@ -6727,7 +6936,7 @@
           <a:sym typeface="Arial"/>
         </a:defRPr>
       </a:lvl8pPr>
-      <a:lvl9pPr lvl="8" marR="0" rtl="0" algn="l">
+      <a:lvl9pPr marR="0" lvl="8" algn="l" rtl="0">
         <a:lnSpc>
           <a:spcPct val="100000"/>
         </a:lnSpc>
@@ -6741,7 +6950,7 @@
           <a:srgbClr val="000000"/>
         </a:buClr>
         <a:buFont typeface="Arial"/>
-        <a:defRPr b="0" i="0" sz="1400" u="none" cap="none" strike="noStrike">
+        <a:defRPr sz="1400" b="0" i="0" u="none" strike="noStrike" cap="none">
           <a:solidFill>
             <a:srgbClr val="000000"/>
           </a:solidFill>
@@ -6757,11 +6966,11 @@
 </file>
 
 <file path=ppt/slides/slide1.xml><?xml version="1.0" encoding="utf-8"?>
-<p:sld xmlns:a="http://schemas.openxmlformats.org/drawingml/2006/main" xmlns:r="http://schemas.openxmlformats.org/officeDocument/2006/relationships" xmlns:mc="http://schemas.openxmlformats.org/markup-compatibility/2006" xmlns:mv="urn:schemas-microsoft-com:mac:vml" xmlns:p="http://schemas.openxmlformats.org/presentationml/2006/main" xmlns:c="http://schemas.openxmlformats.org/drawingml/2006/chart" xmlns:dgm="http://schemas.openxmlformats.org/drawingml/2006/diagram" xmlns:o="urn:schemas-microsoft-com:office:office" xmlns:v="urn:schemas-microsoft-com:vml" xmlns:pvml="urn:schemas-microsoft-com:office:powerpoint" xmlns:com="http://schemas.openxmlformats.org/drawingml/2006/compatibility" xmlns:p14="http://schemas.microsoft.com/office/powerpoint/2010/main" xmlns:p15="http://schemas.microsoft.com/office/powerpoint/2012/main">
+<p:sld xmlns:a="http://schemas.openxmlformats.org/drawingml/2006/main" xmlns:r="http://schemas.openxmlformats.org/officeDocument/2006/relationships" xmlns:p="http://schemas.openxmlformats.org/presentationml/2006/main">
   <p:cSld>
     <p:spTree>
       <p:nvGrpSpPr>
-        <p:cNvPr id="53" name="Shape 53"/>
+        <p:cNvPr id="1" name="Shape 53"/>
         <p:cNvGrpSpPr/>
         <p:nvPr/>
       </p:nvGrpSpPr>
@@ -6776,7 +6985,9 @@
       <p:sp>
         <p:nvSpPr>
           <p:cNvPr id="54" name="Shape 54"/>
-          <p:cNvSpPr txBox="1"/>
+          <p:cNvSpPr txBox="1">
+            <a:spLocks noGrp="1"/>
+          </p:cNvSpPr>
           <p:nvPr>
             <p:ph type="title"/>
           </p:nvPr>
@@ -6791,12 +7002,12 @@
           </a:prstGeom>
         </p:spPr>
         <p:txBody>
-          <a:bodyPr anchorCtr="0" anchor="t" bIns="91425" lIns="91425" spcFirstLastPara="1" rIns="91425" wrap="square" tIns="91425">
+          <a:bodyPr spcFirstLastPara="1" wrap="square" lIns="91425" tIns="91425" rIns="91425" bIns="91425" anchor="t" anchorCtr="0">
             <a:noAutofit/>
           </a:bodyPr>
           <a:lstStyle/>
           <a:p>
-            <a:pPr indent="0" lvl="0" marL="0">
+            <a:pPr marL="0" lvl="0" indent="0">
               <a:spcBef>
                 <a:spcPts val="0"/>
               </a:spcBef>
@@ -6816,9 +7027,11 @@
       <p:sp>
         <p:nvSpPr>
           <p:cNvPr id="55" name="Shape 55"/>
-          <p:cNvSpPr txBox="1"/>
+          <p:cNvSpPr txBox="1">
+            <a:spLocks noGrp="1"/>
+          </p:cNvSpPr>
           <p:nvPr>
-            <p:ph idx="1" type="body"/>
+            <p:ph type="body" idx="1"/>
           </p:nvPr>
         </p:nvSpPr>
         <p:spPr>
@@ -6831,22 +7044,22 @@
           </a:prstGeom>
         </p:spPr>
         <p:txBody>
-          <a:bodyPr anchorCtr="0" anchor="t" bIns="91425" lIns="91425" spcFirstLastPara="1" rIns="91425" wrap="square" tIns="91425">
+          <a:bodyPr spcFirstLastPara="1" wrap="square" lIns="91425" tIns="91425" rIns="91425" bIns="91425" anchor="t" anchorCtr="0">
             <a:noAutofit/>
           </a:bodyPr>
           <a:lstStyle/>
           <a:p>
-            <a:pPr indent="0" lvl="0" marL="0">
-              <a:spcBef>
-                <a:spcPts val="0"/>
-              </a:spcBef>
-              <a:spcAft>
-                <a:spcPts val="0"/>
-              </a:spcAft>
-              <a:buNone/>
-            </a:pPr>
-            <a:r>
-              <a:rPr b="1" lang="en" sz="1400"/>
+            <a:pPr marL="0" lvl="0" indent="0">
+              <a:spcBef>
+                <a:spcPts val="0"/>
+              </a:spcBef>
+              <a:spcAft>
+                <a:spcPts val="0"/>
+              </a:spcAft>
+              <a:buNone/>
+            </a:pPr>
+            <a:r>
+              <a:rPr lang="en" sz="1400" b="1"/>
               <a:t>Observation</a:t>
             </a:r>
             <a:r>
@@ -6856,6 +7069,10 @@
             <a:br>
               <a:rPr lang="en" sz="1400"/>
             </a:br>
+            <a:r>
+              <a:rPr lang="en" sz="1400"/>
+              <a:t/>
+            </a:r>
             <a:br>
               <a:rPr lang="en" sz="1400"/>
             </a:br>
@@ -6866,6 +7083,10 @@
             <a:br>
               <a:rPr lang="en" sz="1400"/>
             </a:br>
+            <a:r>
+              <a:rPr lang="en" sz="1400"/>
+              <a:t/>
+            </a:r>
             <a:br>
               <a:rPr lang="en" sz="1400"/>
             </a:br>
@@ -6874,12 +7095,20 @@
               <a:t>Here we will deal with this uncertainty using </a:t>
             </a:r>
             <a:r>
-              <a:rPr i="1" lang="en" sz="1400"/>
+              <a:rPr lang="en" sz="1400" i="1"/>
               <a:t>confidence intervals.</a:t>
+            </a:r>
+            <a:r>
+              <a:rPr lang="en" sz="1400"/>
+              <a:t/>
             </a:r>
             <a:br>
               <a:rPr lang="en" sz="1400"/>
             </a:br>
+            <a:r>
+              <a:rPr lang="en" sz="1400"/>
+              <a:t/>
+            </a:r>
             <a:br>
               <a:rPr lang="en" sz="1400"/>
             </a:br>
@@ -6888,7 +7117,7 @@
               <a:t>Perhaps most surprising is that we will use our training data itself in order to estimate this uncertainty using the </a:t>
             </a:r>
             <a:r>
-              <a:rPr i="1" lang="en" sz="1400"/>
+              <a:rPr lang="en" sz="1400" i="1"/>
               <a:t>bootstrap</a:t>
             </a:r>
             <a:r>
@@ -6898,7 +7127,7 @@
             <a:endParaRPr sz="1400"/>
           </a:p>
           <a:p>
-            <a:pPr indent="0" lvl="0" marL="0">
+            <a:pPr marL="0" lvl="0" indent="0">
               <a:spcBef>
                 <a:spcPts val="1600"/>
               </a:spcBef>
@@ -6924,11 +7153,11 @@
 </file>
 
 <file path=ppt/slides/slide10.xml><?xml version="1.0" encoding="utf-8"?>
-<p:sld xmlns:a="http://schemas.openxmlformats.org/drawingml/2006/main" xmlns:r="http://schemas.openxmlformats.org/officeDocument/2006/relationships" xmlns:mc="http://schemas.openxmlformats.org/markup-compatibility/2006" xmlns:mv="urn:schemas-microsoft-com:mac:vml" xmlns:p="http://schemas.openxmlformats.org/presentationml/2006/main" xmlns:c="http://schemas.openxmlformats.org/drawingml/2006/chart" xmlns:dgm="http://schemas.openxmlformats.org/drawingml/2006/diagram" xmlns:o="urn:schemas-microsoft-com:office:office" xmlns:v="urn:schemas-microsoft-com:vml" xmlns:pvml="urn:schemas-microsoft-com:office:powerpoint" xmlns:com="http://schemas.openxmlformats.org/drawingml/2006/compatibility" xmlns:p14="http://schemas.microsoft.com/office/powerpoint/2010/main" xmlns:p15="http://schemas.microsoft.com/office/powerpoint/2012/main">
+<p:sld xmlns:a="http://schemas.openxmlformats.org/drawingml/2006/main" xmlns:r="http://schemas.openxmlformats.org/officeDocument/2006/relationships" xmlns:p="http://schemas.openxmlformats.org/presentationml/2006/main">
   <p:cSld>
     <p:spTree>
       <p:nvGrpSpPr>
-        <p:cNvPr id="111" name="Shape 111"/>
+        <p:cNvPr id="1" name="Shape 111"/>
         <p:cNvGrpSpPr/>
         <p:nvPr/>
       </p:nvGrpSpPr>
@@ -6943,7 +7172,9 @@
       <p:sp>
         <p:nvSpPr>
           <p:cNvPr id="112" name="Shape 112"/>
-          <p:cNvSpPr txBox="1"/>
+          <p:cNvSpPr txBox="1">
+            <a:spLocks noGrp="1"/>
+          </p:cNvSpPr>
           <p:nvPr>
             <p:ph type="title"/>
           </p:nvPr>
@@ -6958,12 +7189,12 @@
           </a:prstGeom>
         </p:spPr>
         <p:txBody>
-          <a:bodyPr anchorCtr="0" anchor="t" bIns="91425" lIns="91425" spcFirstLastPara="1" rIns="91425" wrap="square" tIns="91425">
+          <a:bodyPr spcFirstLastPara="1" wrap="square" lIns="91425" tIns="91425" rIns="91425" bIns="91425" anchor="t" anchorCtr="0">
             <a:noAutofit/>
           </a:bodyPr>
           <a:lstStyle/>
           <a:p>
-            <a:pPr indent="0" lvl="0" marL="0" rtl="0">
+            <a:pPr marL="0" lvl="0" indent="0" rtl="0">
               <a:spcBef>
                 <a:spcPts val="0"/>
               </a:spcBef>
@@ -6982,7 +7213,7 @@
       </p:sp>
       <p:pic>
         <p:nvPicPr>
-          <p:cNvPr descr="Ncurve_SDs.gif" id="113" name="Shape 113"/>
+          <p:cNvPr id="113" name="Shape 113" descr="Ncurve_SDs.gif"/>
           <p:cNvPicPr preferRelativeResize="0"/>
           <p:nvPr/>
         </p:nvPicPr>
@@ -7011,9 +7242,11 @@
       <p:sp>
         <p:nvSpPr>
           <p:cNvPr id="114" name="Shape 114"/>
-          <p:cNvSpPr txBox="1"/>
+          <p:cNvSpPr txBox="1">
+            <a:spLocks noGrp="1"/>
+          </p:cNvSpPr>
           <p:nvPr>
-            <p:ph idx="1" type="body"/>
+            <p:ph type="body" idx="1"/>
           </p:nvPr>
         </p:nvSpPr>
         <p:spPr>
@@ -7026,12 +7259,12 @@
           </a:prstGeom>
         </p:spPr>
         <p:txBody>
-          <a:bodyPr anchorCtr="0" anchor="t" bIns="91425" lIns="91425" spcFirstLastPara="1" rIns="91425" wrap="square" tIns="91425">
+          <a:bodyPr spcFirstLastPara="1" wrap="square" lIns="91425" tIns="91425" rIns="91425" bIns="91425" anchor="t" anchorCtr="0">
             <a:noAutofit/>
           </a:bodyPr>
           <a:lstStyle/>
           <a:p>
-            <a:pPr indent="0" lvl="0" marL="0" rtl="0">
+            <a:pPr marL="0" lvl="0" indent="0" rtl="0">
               <a:spcBef>
                 <a:spcPts val="0"/>
               </a:spcBef>
@@ -7061,7 +7294,7 @@
             <a:endParaRPr sz="1400"/>
           </a:p>
           <a:p>
-            <a:pPr indent="0" lvl="0" marL="0" rtl="0">
+            <a:pPr marL="0" lvl="0" indent="0" rtl="0">
               <a:spcBef>
                 <a:spcPts val="1600"/>
               </a:spcBef>
@@ -7070,16 +7303,13 @@
               </a:spcAft>
               <a:buNone/>
             </a:pPr>
-            <a:r>
-              <a:t/>
-            </a:r>
             <a:endParaRPr/>
           </a:p>
         </p:txBody>
       </p:sp>
       <p:pic>
         <p:nvPicPr>
-          <p:cNvPr descr="figure_1.png" id="115" name="Shape 115"/>
+          <p:cNvPr id="115" name="Shape 115" descr="figure_1.png"/>
           <p:cNvPicPr preferRelativeResize="0"/>
           <p:nvPr/>
         </p:nvPicPr>
@@ -7120,14 +7350,14 @@
             <a:avLst/>
           </a:prstGeom>
           <a:noFill/>
-          <a:ln cap="flat" cmpd="sng" w="9525">
+          <a:ln w="9525" cap="flat" cmpd="sng">
             <a:solidFill>
               <a:srgbClr val="FF0000"/>
             </a:solidFill>
             <a:prstDash val="solid"/>
             <a:round/>
-            <a:headEnd len="med" w="med" type="none"/>
-            <a:tailEnd len="med" w="med" type="none"/>
+            <a:headEnd type="none" w="med" len="med"/>
+            <a:tailEnd type="none" w="med" len="med"/>
           </a:ln>
         </p:spPr>
       </p:cxnSp>
@@ -7146,14 +7376,14 @@
             <a:avLst/>
           </a:prstGeom>
           <a:noFill/>
-          <a:ln cap="flat" cmpd="sng" w="9525">
+          <a:ln w="9525" cap="flat" cmpd="sng">
             <a:solidFill>
               <a:srgbClr val="FF0000"/>
             </a:solidFill>
             <a:prstDash val="solid"/>
             <a:round/>
-            <a:headEnd len="med" w="med" type="none"/>
-            <a:tailEnd len="med" w="med" type="none"/>
+            <a:headEnd type="none" w="med" len="med"/>
+            <a:tailEnd type="none" w="med" len="med"/>
           </a:ln>
         </p:spPr>
       </p:cxnSp>
@@ -7177,12 +7407,12 @@
           </a:ln>
         </p:spPr>
         <p:txBody>
-          <a:bodyPr anchorCtr="0" anchor="t" bIns="91425" lIns="91425" spcFirstLastPara="1" rIns="91425" wrap="square" tIns="91425">
+          <a:bodyPr spcFirstLastPara="1" wrap="square" lIns="91425" tIns="91425" rIns="91425" bIns="91425" anchor="t" anchorCtr="0">
             <a:noAutofit/>
           </a:bodyPr>
           <a:lstStyle/>
           <a:p>
-            <a:pPr indent="0" lvl="0" marL="0">
+            <a:pPr marL="0" lvl="0" indent="0">
               <a:spcBef>
                 <a:spcPts val="0"/>
               </a:spcBef>
@@ -7219,12 +7449,12 @@
           </a:ln>
         </p:spPr>
         <p:txBody>
-          <a:bodyPr anchorCtr="0" anchor="t" bIns="91425" lIns="91425" spcFirstLastPara="1" rIns="91425" wrap="square" tIns="91425">
+          <a:bodyPr spcFirstLastPara="1" wrap="square" lIns="91425" tIns="91425" rIns="91425" bIns="91425" anchor="t" anchorCtr="0">
             <a:noAutofit/>
           </a:bodyPr>
           <a:lstStyle/>
           <a:p>
-            <a:pPr indent="0" lvl="0" marL="0" rtl="0">
+            <a:pPr marL="0" lvl="0" indent="0" rtl="0">
               <a:spcBef>
                 <a:spcPts val="0"/>
               </a:spcBef>
@@ -7235,11 +7465,7 @@
             </a:pPr>
             <a:r>
               <a:rPr lang="en" sz="900"/>
-              <a:t>u</a:t>
-            </a:r>
-            <a:r>
-              <a:rPr lang="en" sz="900"/>
-              <a:t>b</a:t>
+              <a:t>ub</a:t>
             </a:r>
             <a:endParaRPr sz="900"/>
           </a:p>
@@ -7254,11 +7480,11 @@
 </file>
 
 <file path=ppt/slides/slide11.xml><?xml version="1.0" encoding="utf-8"?>
-<p:sld xmlns:a="http://schemas.openxmlformats.org/drawingml/2006/main" xmlns:r="http://schemas.openxmlformats.org/officeDocument/2006/relationships" xmlns:mc="http://schemas.openxmlformats.org/markup-compatibility/2006" xmlns:mv="urn:schemas-microsoft-com:mac:vml" xmlns:p="http://schemas.openxmlformats.org/presentationml/2006/main" xmlns:c="http://schemas.openxmlformats.org/drawingml/2006/chart" xmlns:dgm="http://schemas.openxmlformats.org/drawingml/2006/diagram" xmlns:o="urn:schemas-microsoft-com:office:office" xmlns:v="urn:schemas-microsoft-com:vml" xmlns:pvml="urn:schemas-microsoft-com:office:powerpoint" xmlns:com="http://schemas.openxmlformats.org/drawingml/2006/compatibility" xmlns:p14="http://schemas.microsoft.com/office/powerpoint/2010/main" xmlns:p15="http://schemas.microsoft.com/office/powerpoint/2012/main">
+<p:sld xmlns:a="http://schemas.openxmlformats.org/drawingml/2006/main" xmlns:r="http://schemas.openxmlformats.org/officeDocument/2006/relationships" xmlns:p="http://schemas.openxmlformats.org/presentationml/2006/main">
   <p:cSld>
     <p:spTree>
       <p:nvGrpSpPr>
-        <p:cNvPr id="123" name="Shape 123"/>
+        <p:cNvPr id="1" name="Shape 123"/>
         <p:cNvGrpSpPr/>
         <p:nvPr/>
       </p:nvGrpSpPr>
@@ -7273,7 +7499,9 @@
       <p:sp>
         <p:nvSpPr>
           <p:cNvPr id="124" name="Shape 124"/>
-          <p:cNvSpPr txBox="1"/>
+          <p:cNvSpPr txBox="1">
+            <a:spLocks noGrp="1"/>
+          </p:cNvSpPr>
           <p:nvPr>
             <p:ph type="title"/>
           </p:nvPr>
@@ -7288,12 +7516,12 @@
           </a:prstGeom>
         </p:spPr>
         <p:txBody>
-          <a:bodyPr anchorCtr="0" anchor="t" bIns="91425" lIns="91425" spcFirstLastPara="1" rIns="91425" wrap="square" tIns="91425">
+          <a:bodyPr spcFirstLastPara="1" wrap="square" lIns="91425" tIns="91425" rIns="91425" bIns="91425" anchor="t" anchorCtr="0">
             <a:noAutofit/>
           </a:bodyPr>
           <a:lstStyle/>
           <a:p>
-            <a:pPr indent="0" lvl="0" marL="0" rtl="0">
+            <a:pPr marL="0" lvl="0" indent="0" rtl="0">
               <a:spcBef>
                 <a:spcPts val="0"/>
               </a:spcBef>
@@ -7327,23 +7555,23 @@
           <a:solidFill>
             <a:schemeClr val="lt2"/>
           </a:solidFill>
-          <a:ln cap="flat" cmpd="sng" w="9525">
+          <a:ln w="9525" cap="flat" cmpd="sng">
             <a:solidFill>
               <a:srgbClr val="000000"/>
             </a:solidFill>
             <a:prstDash val="solid"/>
             <a:round/>
-            <a:headEnd len="sm" w="sm" type="none"/>
-            <a:tailEnd len="sm" w="sm" type="none"/>
+            <a:headEnd type="none" w="sm" len="sm"/>
+            <a:tailEnd type="none" w="sm" len="sm"/>
           </a:ln>
         </p:spPr>
         <p:txBody>
-          <a:bodyPr anchorCtr="0" anchor="t" bIns="91425" lIns="91425" spcFirstLastPara="1" rIns="91425" wrap="square" tIns="91425">
+          <a:bodyPr spcFirstLastPara="1" wrap="square" lIns="91425" tIns="91425" rIns="91425" bIns="91425" anchor="t" anchorCtr="0">
             <a:noAutofit/>
           </a:bodyPr>
           <a:lstStyle/>
           <a:p>
-            <a:pPr indent="0" lvl="0" marL="0" rtl="0">
+            <a:pPr marL="0" lvl="0" indent="0" rtl="0">
               <a:spcBef>
                 <a:spcPts val="0"/>
               </a:spcBef>
@@ -7359,7 +7587,7 @@
             <a:endParaRPr/>
           </a:p>
           <a:p>
-            <a:pPr indent="0" lvl="0" marL="0" rtl="0">
+            <a:pPr marL="0" lvl="0" indent="0" rtl="0">
               <a:spcBef>
                 <a:spcPts val="0"/>
               </a:spcBef>
@@ -7396,7 +7624,7 @@
             <a:endParaRPr/>
           </a:p>
           <a:p>
-            <a:pPr indent="0" lvl="0" marL="0" rtl="0">
+            <a:pPr marL="0" lvl="0" indent="0" rtl="0">
               <a:spcBef>
                 <a:spcPts val="0"/>
               </a:spcBef>
@@ -7426,7 +7654,7 @@
             <a:endParaRPr/>
           </a:p>
           <a:p>
-            <a:pPr indent="0" lvl="0" marL="0" rtl="0">
+            <a:pPr marL="0" lvl="0" indent="0" rtl="0">
               <a:spcBef>
                 <a:spcPts val="0"/>
               </a:spcBef>
@@ -7442,7 +7670,7 @@
             <a:endParaRPr/>
           </a:p>
           <a:p>
-            <a:pPr indent="0" lvl="0" marL="0" rtl="0">
+            <a:pPr marL="0" lvl="0" indent="0" rtl="0">
               <a:spcBef>
                 <a:spcPts val="0"/>
               </a:spcBef>
@@ -7468,11 +7696,11 @@
 </file>
 
 <file path=ppt/slides/slide12.xml><?xml version="1.0" encoding="utf-8"?>
-<p:sld xmlns:a="http://schemas.openxmlformats.org/drawingml/2006/main" xmlns:r="http://schemas.openxmlformats.org/officeDocument/2006/relationships" xmlns:mc="http://schemas.openxmlformats.org/markup-compatibility/2006" xmlns:mv="urn:schemas-microsoft-com:mac:vml" xmlns:p="http://schemas.openxmlformats.org/presentationml/2006/main" xmlns:c="http://schemas.openxmlformats.org/drawingml/2006/chart" xmlns:dgm="http://schemas.openxmlformats.org/drawingml/2006/diagram" xmlns:o="urn:schemas-microsoft-com:office:office" xmlns:v="urn:schemas-microsoft-com:vml" xmlns:pvml="urn:schemas-microsoft-com:office:powerpoint" xmlns:com="http://schemas.openxmlformats.org/drawingml/2006/compatibility" xmlns:p14="http://schemas.microsoft.com/office/powerpoint/2010/main" xmlns:p15="http://schemas.microsoft.com/office/powerpoint/2012/main">
+<p:sld xmlns:a="http://schemas.openxmlformats.org/drawingml/2006/main" xmlns:r="http://schemas.openxmlformats.org/officeDocument/2006/relationships" xmlns:p="http://schemas.openxmlformats.org/presentationml/2006/main">
   <p:cSld>
     <p:spTree>
       <p:nvGrpSpPr>
-        <p:cNvPr id="129" name="Shape 129"/>
+        <p:cNvPr id="1" name="Shape 129"/>
         <p:cNvGrpSpPr/>
         <p:nvPr/>
       </p:nvGrpSpPr>
@@ -7487,7 +7715,9 @@
       <p:sp>
         <p:nvSpPr>
           <p:cNvPr id="130" name="Shape 130"/>
-          <p:cNvSpPr txBox="1"/>
+          <p:cNvSpPr txBox="1">
+            <a:spLocks noGrp="1"/>
+          </p:cNvSpPr>
           <p:nvPr>
             <p:ph type="title"/>
           </p:nvPr>
@@ -7502,12 +7732,12 @@
           </a:prstGeom>
         </p:spPr>
         <p:txBody>
-          <a:bodyPr anchorCtr="0" anchor="t" bIns="91425" lIns="91425" spcFirstLastPara="1" rIns="91425" wrap="square" tIns="91425">
+          <a:bodyPr spcFirstLastPara="1" wrap="square" lIns="91425" tIns="91425" rIns="91425" bIns="91425" anchor="t" anchorCtr="0">
             <a:noAutofit/>
           </a:bodyPr>
           <a:lstStyle/>
           <a:p>
-            <a:pPr indent="0" lvl="0" marL="0">
+            <a:pPr marL="0" lvl="0" indent="0">
               <a:spcBef>
                 <a:spcPts val="0"/>
               </a:spcBef>
@@ -7541,23 +7771,23 @@
           <a:solidFill>
             <a:schemeClr val="lt2"/>
           </a:solidFill>
-          <a:ln cap="flat" cmpd="sng" w="9525">
+          <a:ln w="9525" cap="flat" cmpd="sng">
             <a:solidFill>
               <a:srgbClr val="000000"/>
             </a:solidFill>
             <a:prstDash val="solid"/>
             <a:round/>
-            <a:headEnd len="sm" w="sm" type="none"/>
-            <a:tailEnd len="sm" w="sm" type="none"/>
+            <a:headEnd type="none" w="sm" len="sm"/>
+            <a:tailEnd type="none" w="sm" len="sm"/>
           </a:ln>
         </p:spPr>
         <p:txBody>
-          <a:bodyPr anchorCtr="0" anchor="t" bIns="91425" lIns="91425" spcFirstLastPara="1" rIns="91425" wrap="square" tIns="91425">
+          <a:bodyPr spcFirstLastPara="1" wrap="square" lIns="91425" tIns="91425" rIns="91425" bIns="91425" anchor="t" anchorCtr="0">
             <a:noAutofit/>
           </a:bodyPr>
           <a:lstStyle/>
           <a:p>
-            <a:pPr indent="0" lvl="0" marL="0">
+            <a:pPr marL="0" lvl="0" indent="0">
               <a:spcBef>
                 <a:spcPts val="0"/>
               </a:spcBef>
@@ -7587,6 +7817,10 @@
             <a:br>
               <a:rPr lang="en" sz="1200"/>
             </a:br>
+            <a:r>
+              <a:rPr lang="en" sz="1200"/>
+              <a:t/>
+            </a:r>
             <a:br>
               <a:rPr lang="en" sz="1200"/>
             </a:br>
@@ -7597,7 +7831,7 @@
             <a:endParaRPr sz="1200"/>
           </a:p>
           <a:p>
-            <a:pPr indent="0" lvl="0" marL="0">
+            <a:pPr marL="0" lvl="0" indent="0">
               <a:spcBef>
                 <a:spcPts val="0"/>
               </a:spcBef>
@@ -7618,7 +7852,7 @@
             <a:endParaRPr sz="1200"/>
           </a:p>
           <a:p>
-            <a:pPr indent="0" lvl="0" marL="0">
+            <a:pPr marL="0" lvl="0" indent="0">
               <a:spcBef>
                 <a:spcPts val="0"/>
               </a:spcBef>
@@ -7639,7 +7873,7 @@
             <a:endParaRPr sz="1200"/>
           </a:p>
           <a:p>
-            <a:pPr indent="0" lvl="0" marL="0">
+            <a:pPr marL="0" lvl="0" indent="0">
               <a:spcBef>
                 <a:spcPts val="0"/>
               </a:spcBef>
@@ -7660,7 +7894,7 @@
             <a:endParaRPr sz="1200"/>
           </a:p>
           <a:p>
-            <a:pPr indent="0" lvl="0" marL="0">
+            <a:pPr marL="0" lvl="0" indent="0">
               <a:spcBef>
                 <a:spcPts val="0"/>
               </a:spcBef>
@@ -7681,7 +7915,7 @@
             <a:endParaRPr sz="1200"/>
           </a:p>
           <a:p>
-            <a:pPr indent="0" lvl="0" marL="0">
+            <a:pPr marL="0" lvl="0" indent="0">
               <a:spcBef>
                 <a:spcPts val="0"/>
               </a:spcBef>
@@ -7702,7 +7936,7 @@
             <a:endParaRPr sz="1200"/>
           </a:p>
           <a:p>
-            <a:pPr indent="0" lvl="0" marL="0">
+            <a:pPr marL="0" lvl="0" indent="0">
               <a:spcBef>
                 <a:spcPts val="0"/>
               </a:spcBef>
@@ -7723,7 +7957,7 @@
             <a:endParaRPr sz="1200"/>
           </a:p>
           <a:p>
-            <a:pPr indent="0" lvl="0" marL="0">
+            <a:pPr marL="0" lvl="0" indent="0">
               <a:spcBef>
                 <a:spcPts val="0"/>
               </a:spcBef>
@@ -7744,7 +7978,7 @@
             <a:endParaRPr sz="1200"/>
           </a:p>
           <a:p>
-            <a:pPr indent="0" lvl="0" marL="0">
+            <a:pPr marL="0" lvl="0" indent="0">
               <a:spcBef>
                 <a:spcPts val="0"/>
               </a:spcBef>
@@ -7765,7 +7999,7 @@
             <a:endParaRPr sz="1200"/>
           </a:p>
           <a:p>
-            <a:pPr indent="0" lvl="0" marL="0">
+            <a:pPr marL="0" lvl="0" indent="0">
               <a:spcBef>
                 <a:spcPts val="0"/>
               </a:spcBef>
@@ -7786,7 +8020,7 @@
             <a:endParaRPr sz="1200"/>
           </a:p>
           <a:p>
-            <a:pPr indent="0" lvl="0" marL="0">
+            <a:pPr marL="0" lvl="0" indent="0">
               <a:spcBef>
                 <a:spcPts val="0"/>
               </a:spcBef>
@@ -7807,7 +8041,7 @@
             <a:endParaRPr sz="1200"/>
           </a:p>
           <a:p>
-            <a:pPr indent="0" lvl="0" marL="0">
+            <a:pPr marL="0" lvl="0" indent="0">
               <a:spcBef>
                 <a:spcPts val="0"/>
               </a:spcBef>
@@ -7828,7 +8062,7 @@
             <a:endParaRPr sz="1200"/>
           </a:p>
           <a:p>
-            <a:pPr indent="0" lvl="0" marL="0">
+            <a:pPr marL="0" lvl="0" indent="0">
               <a:spcBef>
                 <a:spcPts val="0"/>
               </a:spcBef>
@@ -7849,7 +8083,7 @@
             <a:endParaRPr sz="1200"/>
           </a:p>
           <a:p>
-            <a:pPr indent="0" lvl="0" marL="0">
+            <a:pPr marL="0" lvl="0" indent="0">
               <a:spcBef>
                 <a:spcPts val="0"/>
               </a:spcBef>
@@ -7870,7 +8104,7 @@
             <a:endParaRPr sz="1200"/>
           </a:p>
           <a:p>
-            <a:pPr indent="0" lvl="0" marL="0">
+            <a:pPr marL="0" lvl="0" indent="0">
               <a:spcBef>
                 <a:spcPts val="0"/>
               </a:spcBef>
@@ -7891,18 +8125,15 @@
             <a:endParaRPr sz="1200"/>
           </a:p>
           <a:p>
-            <a:pPr indent="0" lvl="0" marL="0">
-              <a:spcBef>
-                <a:spcPts val="0"/>
-              </a:spcBef>
-              <a:spcAft>
-                <a:spcPts val="0"/>
-              </a:spcAft>
-              <a:buNone/>
-            </a:pPr>
-            <a:r>
-              <a:t/>
-            </a:r>
+            <a:pPr marL="0" lvl="0" indent="0">
+              <a:spcBef>
+                <a:spcPts val="0"/>
+              </a:spcBef>
+              <a:spcAft>
+                <a:spcPts val="0"/>
+              </a:spcAft>
+              <a:buNone/>
+            </a:pPr>
             <a:endParaRPr sz="1200"/>
           </a:p>
         </p:txBody>
@@ -7916,11 +8147,11 @@
 </file>
 
 <file path=ppt/slides/slide13.xml><?xml version="1.0" encoding="utf-8"?>
-<p:sld xmlns:a="http://schemas.openxmlformats.org/drawingml/2006/main" xmlns:r="http://schemas.openxmlformats.org/officeDocument/2006/relationships" xmlns:mc="http://schemas.openxmlformats.org/markup-compatibility/2006" xmlns:mv="urn:schemas-microsoft-com:mac:vml" xmlns:p="http://schemas.openxmlformats.org/presentationml/2006/main" xmlns:c="http://schemas.openxmlformats.org/drawingml/2006/chart" xmlns:dgm="http://schemas.openxmlformats.org/drawingml/2006/diagram" xmlns:o="urn:schemas-microsoft-com:office:office" xmlns:v="urn:schemas-microsoft-com:vml" xmlns:pvml="urn:schemas-microsoft-com:office:powerpoint" xmlns:com="http://schemas.openxmlformats.org/drawingml/2006/compatibility" xmlns:p14="http://schemas.microsoft.com/office/powerpoint/2010/main" xmlns:p15="http://schemas.microsoft.com/office/powerpoint/2012/main">
+<p:sld xmlns:a="http://schemas.openxmlformats.org/drawingml/2006/main" xmlns:r="http://schemas.openxmlformats.org/officeDocument/2006/relationships" xmlns:p="http://schemas.openxmlformats.org/presentationml/2006/main">
   <p:cSld>
     <p:spTree>
       <p:nvGrpSpPr>
-        <p:cNvPr id="135" name="Shape 135"/>
+        <p:cNvPr id="1" name="Shape 135"/>
         <p:cNvGrpSpPr/>
         <p:nvPr/>
       </p:nvGrpSpPr>
@@ -7935,7 +8166,9 @@
       <p:sp>
         <p:nvSpPr>
           <p:cNvPr id="136" name="Shape 136"/>
-          <p:cNvSpPr txBox="1"/>
+          <p:cNvSpPr txBox="1">
+            <a:spLocks noGrp="1"/>
+          </p:cNvSpPr>
           <p:nvPr>
             <p:ph type="title"/>
           </p:nvPr>
@@ -7950,12 +8183,12 @@
           </a:prstGeom>
         </p:spPr>
         <p:txBody>
-          <a:bodyPr anchorCtr="0" anchor="t" bIns="91425" lIns="91425" spcFirstLastPara="1" rIns="91425" wrap="square" tIns="91425">
+          <a:bodyPr spcFirstLastPara="1" wrap="square" lIns="91425" tIns="91425" rIns="91425" bIns="91425" anchor="t" anchorCtr="0">
             <a:noAutofit/>
           </a:bodyPr>
           <a:lstStyle/>
           <a:p>
-            <a:pPr indent="0" lvl="0" marL="0">
+            <a:pPr marL="0" lvl="0" indent="0">
               <a:spcBef>
                 <a:spcPts val="0"/>
               </a:spcBef>
@@ -7975,9 +8208,11 @@
       <p:sp>
         <p:nvSpPr>
           <p:cNvPr id="137" name="Shape 137"/>
-          <p:cNvSpPr txBox="1"/>
+          <p:cNvSpPr txBox="1">
+            <a:spLocks noGrp="1"/>
+          </p:cNvSpPr>
           <p:nvPr>
-            <p:ph idx="1" type="body"/>
+            <p:ph type="body" idx="1"/>
           </p:nvPr>
         </p:nvSpPr>
         <p:spPr>
@@ -7990,12 +8225,12 @@
           </a:prstGeom>
         </p:spPr>
         <p:txBody>
-          <a:bodyPr anchorCtr="0" anchor="t" bIns="91425" lIns="91425" spcFirstLastPara="1" rIns="91425" wrap="square" tIns="91425">
+          <a:bodyPr spcFirstLastPara="1" wrap="square" lIns="91425" tIns="91425" rIns="91425" bIns="91425" anchor="t" anchorCtr="0">
             <a:noAutofit/>
           </a:bodyPr>
           <a:lstStyle/>
           <a:p>
-            <a:pPr indent="0" lvl="0" marL="0">
+            <a:pPr marL="0" lvl="0" indent="0">
               <a:spcBef>
                 <a:spcPts val="0"/>
               </a:spcBef>
@@ -8011,6 +8246,10 @@
             <a:br>
               <a:rPr lang="en" sz="1400"/>
             </a:br>
+            <a:r>
+              <a:rPr lang="en" sz="1400"/>
+              <a:t/>
+            </a:r>
             <a:br>
               <a:rPr lang="en" sz="1400"/>
             </a:br>
@@ -8049,6 +8288,10 @@
             <a:br>
               <a:rPr lang="en" sz="1400"/>
             </a:br>
+            <a:r>
+              <a:rPr lang="en" sz="1400"/>
+              <a:t/>
+            </a:r>
             <a:br>
               <a:rPr lang="en" sz="1400"/>
             </a:br>
@@ -8059,6 +8302,10 @@
             <a:br>
               <a:rPr lang="en" sz="1400"/>
             </a:br>
+            <a:r>
+              <a:rPr lang="en" sz="1400"/>
+              <a:t/>
+            </a:r>
             <a:br>
               <a:rPr lang="en" sz="1400"/>
             </a:br>
@@ -8067,7 +8314,7 @@
               <a:t>However, the </a:t>
             </a:r>
             <a:r>
-              <a:rPr i="1" lang="en" sz="1400"/>
+              <a:rPr lang="en" sz="1400" i="1"/>
               <a:t>confidence intervals overlap</a:t>
             </a:r>
             <a:r>
@@ -8075,7 +8322,7 @@
               <a:t>, meaning that the performance difference between the two models is </a:t>
             </a:r>
             <a:r>
-              <a:rPr i="1" lang="en" sz="1400"/>
+              <a:rPr lang="en" sz="1400" i="1"/>
               <a:t>statistically not significant</a:t>
             </a:r>
             <a:r>
@@ -8095,11 +8342,11 @@
 </file>
 
 <file path=ppt/slides/slide14.xml><?xml version="1.0" encoding="utf-8"?>
-<p:sld xmlns:a="http://schemas.openxmlformats.org/drawingml/2006/main" xmlns:r="http://schemas.openxmlformats.org/officeDocument/2006/relationships" xmlns:mc="http://schemas.openxmlformats.org/markup-compatibility/2006" xmlns:mv="urn:schemas-microsoft-com:mac:vml" xmlns:p="http://schemas.openxmlformats.org/presentationml/2006/main" xmlns:c="http://schemas.openxmlformats.org/drawingml/2006/chart" xmlns:dgm="http://schemas.openxmlformats.org/drawingml/2006/diagram" xmlns:o="urn:schemas-microsoft-com:office:office" xmlns:v="urn:schemas-microsoft-com:vml" xmlns:pvml="urn:schemas-microsoft-com:office:powerpoint" xmlns:com="http://schemas.openxmlformats.org/drawingml/2006/compatibility" xmlns:p14="http://schemas.microsoft.com/office/powerpoint/2010/main" xmlns:p15="http://schemas.microsoft.com/office/powerpoint/2012/main">
+<p:sld xmlns:a="http://schemas.openxmlformats.org/drawingml/2006/main" xmlns:r="http://schemas.openxmlformats.org/officeDocument/2006/relationships" xmlns:p="http://schemas.openxmlformats.org/presentationml/2006/main">
   <p:cSld>
     <p:spTree>
       <p:nvGrpSpPr>
-        <p:cNvPr id="141" name="Shape 141"/>
+        <p:cNvPr id="1" name="Shape 141"/>
         <p:cNvGrpSpPr/>
         <p:nvPr/>
       </p:nvGrpSpPr>
@@ -8114,7 +8361,9 @@
       <p:sp>
         <p:nvSpPr>
           <p:cNvPr id="142" name="Shape 142"/>
-          <p:cNvSpPr txBox="1"/>
+          <p:cNvSpPr txBox="1">
+            <a:spLocks noGrp="1"/>
+          </p:cNvSpPr>
           <p:nvPr>
             <p:ph type="title"/>
           </p:nvPr>
@@ -8129,12 +8378,12 @@
           </a:prstGeom>
         </p:spPr>
         <p:txBody>
-          <a:bodyPr anchorCtr="0" anchor="t" bIns="91425" lIns="91425" spcFirstLastPara="1" rIns="91425" wrap="square" tIns="91425">
+          <a:bodyPr spcFirstLastPara="1" wrap="square" lIns="91425" tIns="91425" rIns="91425" bIns="91425" anchor="t" anchorCtr="0">
             <a:noAutofit/>
           </a:bodyPr>
           <a:lstStyle/>
           <a:p>
-            <a:pPr indent="0" lvl="0" marL="0">
+            <a:pPr marL="0" lvl="0" indent="0">
               <a:spcBef>
                 <a:spcPts val="0"/>
               </a:spcBef>
@@ -8168,23 +8417,23 @@
           <a:solidFill>
             <a:schemeClr val="lt2"/>
           </a:solidFill>
-          <a:ln cap="flat" cmpd="sng" w="9525">
+          <a:ln w="9525" cap="flat" cmpd="sng">
             <a:solidFill>
               <a:srgbClr val="000000"/>
             </a:solidFill>
             <a:prstDash val="solid"/>
             <a:round/>
-            <a:headEnd len="sm" w="sm" type="none"/>
-            <a:tailEnd len="sm" w="sm" type="none"/>
+            <a:headEnd type="none" w="sm" len="sm"/>
+            <a:tailEnd type="none" w="sm" len="sm"/>
           </a:ln>
         </p:spPr>
         <p:txBody>
-          <a:bodyPr anchorCtr="0" anchor="t" bIns="91425" lIns="91425" spcFirstLastPara="1" rIns="91425" wrap="square" tIns="91425">
+          <a:bodyPr spcFirstLastPara="1" wrap="square" lIns="91425" tIns="91425" rIns="91425" bIns="91425" anchor="t" anchorCtr="0">
             <a:noAutofit/>
           </a:bodyPr>
           <a:lstStyle/>
           <a:p>
-            <a:pPr indent="0" lvl="0" marL="0">
+            <a:pPr marL="0" lvl="0" indent="0">
               <a:spcBef>
                 <a:spcPts val="0"/>
               </a:spcBef>
@@ -8200,7 +8449,7 @@
             <a:endParaRPr/>
           </a:p>
           <a:p>
-            <a:pPr indent="0" lvl="0" marL="0">
+            <a:pPr marL="0" lvl="0" indent="0">
               <a:spcBef>
                 <a:spcPts val="0"/>
               </a:spcBef>
@@ -8216,15 +8465,19 @@
             <a:endParaRPr/>
           </a:p>
           <a:p>
-            <a:pPr indent="0" lvl="0" marL="0">
-              <a:spcBef>
-                <a:spcPts val="0"/>
-              </a:spcBef>
-              <a:spcAft>
-                <a:spcPts val="0"/>
-              </a:spcAft>
-              <a:buNone/>
-            </a:pPr>
+            <a:pPr marL="0" lvl="0" indent="0">
+              <a:spcBef>
+                <a:spcPts val="0"/>
+              </a:spcBef>
+              <a:spcAft>
+                <a:spcPts val="0"/>
+              </a:spcAft>
+              <a:buNone/>
+            </a:pPr>
+            <a:r>
+              <a:rPr lang="en"/>
+              <a:t/>
+            </a:r>
             <a:br>
               <a:rPr lang="en"/>
             </a:br>
@@ -8242,6 +8495,10 @@
             <a:br>
               <a:rPr lang="en"/>
             </a:br>
+            <a:r>
+              <a:rPr lang="en"/>
+              <a:t/>
+            </a:r>
             <a:br>
               <a:rPr lang="en"/>
             </a:br>
@@ -8297,6 +8554,10 @@
             <a:br>
               <a:rPr lang="en"/>
             </a:br>
+            <a:r>
+              <a:rPr lang="en"/>
+              <a:t/>
+            </a:r>
             <a:br>
               <a:rPr lang="en"/>
             </a:br>
@@ -8365,11 +8626,11 @@
 </file>
 
 <file path=ppt/slides/slide15.xml><?xml version="1.0" encoding="utf-8"?>
-<p:sld xmlns:a="http://schemas.openxmlformats.org/drawingml/2006/main" xmlns:r="http://schemas.openxmlformats.org/officeDocument/2006/relationships" xmlns:mc="http://schemas.openxmlformats.org/markup-compatibility/2006" xmlns:mv="urn:schemas-microsoft-com:mac:vml" xmlns:p="http://schemas.openxmlformats.org/presentationml/2006/main" xmlns:c="http://schemas.openxmlformats.org/drawingml/2006/chart" xmlns:dgm="http://schemas.openxmlformats.org/drawingml/2006/diagram" xmlns:o="urn:schemas-microsoft-com:office:office" xmlns:v="urn:schemas-microsoft-com:vml" xmlns:pvml="urn:schemas-microsoft-com:office:powerpoint" xmlns:com="http://schemas.openxmlformats.org/drawingml/2006/compatibility" xmlns:p14="http://schemas.microsoft.com/office/powerpoint/2010/main" xmlns:p15="http://schemas.microsoft.com/office/powerpoint/2012/main">
+<p:sld xmlns:a="http://schemas.openxmlformats.org/drawingml/2006/main" xmlns:r="http://schemas.openxmlformats.org/officeDocument/2006/relationships" xmlns:p="http://schemas.openxmlformats.org/presentationml/2006/main">
   <p:cSld>
     <p:spTree>
       <p:nvGrpSpPr>
-        <p:cNvPr id="147" name="Shape 147"/>
+        <p:cNvPr id="1" name="Shape 147"/>
         <p:cNvGrpSpPr/>
         <p:nvPr/>
       </p:nvGrpSpPr>
@@ -8384,7 +8645,9 @@
       <p:sp>
         <p:nvSpPr>
           <p:cNvPr id="148" name="Shape 148"/>
-          <p:cNvSpPr txBox="1"/>
+          <p:cNvSpPr txBox="1">
+            <a:spLocks noGrp="1"/>
+          </p:cNvSpPr>
           <p:nvPr>
             <p:ph type="title"/>
           </p:nvPr>
@@ -8399,12 +8662,12 @@
           </a:prstGeom>
         </p:spPr>
         <p:txBody>
-          <a:bodyPr anchorCtr="0" anchor="t" bIns="91425" lIns="91425" spcFirstLastPara="1" rIns="91425" wrap="square" tIns="91425">
+          <a:bodyPr spcFirstLastPara="1" wrap="square" lIns="91425" tIns="91425" rIns="91425" bIns="91425" anchor="t" anchorCtr="0">
             <a:noAutofit/>
           </a:bodyPr>
           <a:lstStyle/>
           <a:p>
-            <a:pPr indent="0" lvl="0" marL="0" rtl="0">
+            <a:pPr marL="0" lvl="0" indent="0" rtl="0">
               <a:spcBef>
                 <a:spcPts val="0"/>
               </a:spcBef>
@@ -8441,12 +8704,12 @@
           </a:ln>
         </p:spPr>
         <p:txBody>
-          <a:bodyPr anchorCtr="0" anchor="t" bIns="91425" lIns="91425" spcFirstLastPara="1" rIns="91425" wrap="square" tIns="91425">
+          <a:bodyPr spcFirstLastPara="1" wrap="square" lIns="91425" tIns="91425" rIns="91425" bIns="91425" anchor="t" anchorCtr="0">
             <a:noAutofit/>
           </a:bodyPr>
           <a:lstStyle/>
           <a:p>
-            <a:pPr indent="0" lvl="0" marL="0">
+            <a:pPr marL="0" lvl="0" indent="0">
               <a:spcBef>
                 <a:spcPts val="0"/>
               </a:spcBef>
@@ -8462,22 +8725,19 @@
             <a:endParaRPr/>
           </a:p>
           <a:p>
-            <a:pPr indent="0" lvl="0" marL="0">
-              <a:spcBef>
-                <a:spcPts val="0"/>
-              </a:spcBef>
-              <a:spcAft>
-                <a:spcPts val="0"/>
-              </a:spcAft>
-              <a:buNone/>
-            </a:pPr>
-            <a:r>
-              <a:t/>
-            </a:r>
+            <a:pPr marL="0" lvl="0" indent="0">
+              <a:spcBef>
+                <a:spcPts val="0"/>
+              </a:spcBef>
+              <a:spcAft>
+                <a:spcPts val="0"/>
+              </a:spcAft>
+              <a:buNone/>
+            </a:pPr>
             <a:endParaRPr/>
           </a:p>
           <a:p>
-            <a:pPr indent="0" lvl="0" marL="0">
+            <a:pPr marL="0" lvl="0" indent="0">
               <a:spcBef>
                 <a:spcPts val="0"/>
               </a:spcBef>
@@ -8504,6 +8764,10 @@
                 </a:solidFill>
               </a:rPr>
               <a:t>(0.93, 1.0)</a:t>
+            </a:r>
+            <a:r>
+              <a:rPr lang="en"/>
+              <a:t/>
             </a:r>
             <a:br>
               <a:rPr lang="en"/>
@@ -8534,7 +8798,7 @@
             </a:endParaRPr>
           </a:p>
           <a:p>
-            <a:pPr indent="0" lvl="0" marL="0">
+            <a:pPr marL="0" lvl="0" indent="0">
               <a:spcBef>
                 <a:spcPts val="0"/>
               </a:spcBef>
@@ -8550,22 +8814,19 @@
             <a:endParaRPr/>
           </a:p>
           <a:p>
-            <a:pPr indent="0" lvl="0" marL="0">
-              <a:spcBef>
-                <a:spcPts val="0"/>
-              </a:spcBef>
-              <a:spcAft>
-                <a:spcPts val="0"/>
-              </a:spcAft>
-              <a:buNone/>
-            </a:pPr>
-            <a:r>
-              <a:t/>
-            </a:r>
+            <a:pPr marL="0" lvl="0" indent="0">
+              <a:spcBef>
+                <a:spcPts val="0"/>
+              </a:spcBef>
+              <a:spcAft>
+                <a:spcPts val="0"/>
+              </a:spcAft>
+              <a:buNone/>
+            </a:pPr>
             <a:endParaRPr/>
           </a:p>
           <a:p>
-            <a:pPr indent="0" lvl="0" marL="0">
+            <a:pPr marL="0" lvl="0" indent="0">
               <a:spcBef>
                 <a:spcPts val="0"/>
               </a:spcBef>
@@ -8592,6 +8853,10 @@
                 </a:solidFill>
               </a:rPr>
               <a:t>(0.51, 0.59)</a:t>
+            </a:r>
+            <a:r>
+              <a:rPr lang="en"/>
+              <a:t/>
             </a:r>
             <a:br>
               <a:rPr lang="en"/>
@@ -8622,7 +8887,7 @@
             </a:endParaRPr>
           </a:p>
           <a:p>
-            <a:pPr indent="0" lvl="0" marL="0">
+            <a:pPr marL="0" lvl="0" indent="0">
               <a:spcBef>
                 <a:spcPts val="0"/>
               </a:spcBef>
@@ -8647,12 +8912,350 @@
 </p:sld>
 </file>
 
-<file path=ppt/slides/slide2.xml><?xml version="1.0" encoding="utf-8"?>
-<p:sld xmlns:a="http://schemas.openxmlformats.org/drawingml/2006/main" xmlns:r="http://schemas.openxmlformats.org/officeDocument/2006/relationships" xmlns:mc="http://schemas.openxmlformats.org/markup-compatibility/2006" xmlns:mv="urn:schemas-microsoft-com:mac:vml" xmlns:p="http://schemas.openxmlformats.org/presentationml/2006/main" xmlns:c="http://schemas.openxmlformats.org/drawingml/2006/chart" xmlns:dgm="http://schemas.openxmlformats.org/drawingml/2006/diagram" xmlns:o="urn:schemas-microsoft-com:office:office" xmlns:v="urn:schemas-microsoft-com:vml" xmlns:pvml="urn:schemas-microsoft-com:office:powerpoint" xmlns:com="http://schemas.openxmlformats.org/drawingml/2006/compatibility" xmlns:p14="http://schemas.microsoft.com/office/powerpoint/2010/main" xmlns:p15="http://schemas.microsoft.com/office/powerpoint/2012/main">
+<file path=ppt/slides/slide16.xml><?xml version="1.0" encoding="utf-8"?>
+<p:sld xmlns:a="http://schemas.openxmlformats.org/drawingml/2006/main" xmlns:r="http://schemas.openxmlformats.org/officeDocument/2006/relationships" xmlns:p="http://schemas.openxmlformats.org/presentationml/2006/main">
   <p:cSld>
     <p:spTree>
       <p:nvGrpSpPr>
-        <p:cNvPr id="59" name="Shape 59"/>
+        <p:cNvPr id="1" name=""/>
+        <p:cNvGrpSpPr/>
+        <p:nvPr/>
+      </p:nvGrpSpPr>
+      <p:grpSpPr>
+        <a:xfrm>
+          <a:off x="0" y="0"/>
+          <a:ext cx="0" cy="0"/>
+          <a:chOff x="0" y="0"/>
+          <a:chExt cx="0" cy="0"/>
+        </a:xfrm>
+      </p:grpSpPr>
+      <p:sp>
+        <p:nvSpPr>
+          <p:cNvPr id="3" name="Title 2"/>
+          <p:cNvSpPr>
+            <a:spLocks noGrp="1"/>
+          </p:cNvSpPr>
+          <p:nvPr>
+            <p:ph type="title"/>
+          </p:nvPr>
+        </p:nvSpPr>
+        <p:spPr/>
+        <p:txBody>
+          <a:bodyPr/>
+          <a:lstStyle/>
+          <a:p>
+            <a:r>
+              <a:rPr lang="en-US" dirty="0" smtClean="0"/>
+              <a:t>Team Exercise</a:t>
+            </a:r>
+            <a:endParaRPr lang="en-US" dirty="0"/>
+          </a:p>
+        </p:txBody>
+      </p:sp>
+      <p:sp>
+        <p:nvSpPr>
+          <p:cNvPr id="4" name="Text Placeholder 3"/>
+          <p:cNvSpPr>
+            <a:spLocks noGrp="1"/>
+          </p:cNvSpPr>
+          <p:nvPr>
+            <p:ph type="body" idx="1"/>
+          </p:nvPr>
+        </p:nvSpPr>
+        <p:spPr/>
+        <p:txBody>
+          <a:bodyPr>
+            <a:normAutofit lnSpcReduction="10000"/>
+          </a:bodyPr>
+          <a:lstStyle/>
+          <a:p>
+            <a:r>
+              <a:rPr lang="en-US" dirty="0" smtClean="0"/>
+              <a:t>Find a classification dataset (see course website for sources)</a:t>
+            </a:r>
+          </a:p>
+          <a:p>
+            <a:r>
+              <a:rPr lang="en-US" dirty="0" smtClean="0"/>
+              <a:t>Find the best decision tree for the dataset using </a:t>
+            </a:r>
+            <a:r>
+              <a:rPr lang="en-US" b="1" dirty="0" smtClean="0"/>
+              <a:t>5-fold cross-validation</a:t>
+            </a:r>
+          </a:p>
+          <a:p>
+            <a:pPr lvl="1"/>
+            <a:r>
+              <a:rPr lang="en-US" dirty="0" smtClean="0"/>
+              <a:t>Recall that the decision tree has two free parameters: criterion and tree depth</a:t>
+            </a:r>
+          </a:p>
+          <a:p>
+            <a:pPr lvl="1"/>
+            <a:r>
+              <a:rPr lang="en-US" dirty="0" smtClean="0"/>
+              <a:t>You can use the </a:t>
+            </a:r>
+            <a:r>
+              <a:rPr lang="en-US" b="1" dirty="0" smtClean="0"/>
+              <a:t>grid search module </a:t>
+            </a:r>
+            <a:r>
+              <a:rPr lang="en-US" dirty="0" smtClean="0"/>
+              <a:t>to accomplish this</a:t>
+            </a:r>
+          </a:p>
+          <a:p>
+            <a:pPr lvl="1"/>
+            <a:r>
+              <a:rPr lang="en-US" dirty="0" smtClean="0"/>
+              <a:t>If your dataset has less than 50 rows then use 3-fold cross-validation</a:t>
+            </a:r>
+          </a:p>
+          <a:p>
+            <a:r>
+              <a:rPr lang="en-US" dirty="0" smtClean="0"/>
+              <a:t>Compute the </a:t>
+            </a:r>
+            <a:r>
+              <a:rPr lang="en-US" b="1" dirty="0" smtClean="0"/>
+              <a:t>confidence interval </a:t>
+            </a:r>
+            <a:r>
+              <a:rPr lang="en-US" dirty="0" smtClean="0"/>
+              <a:t>for the optimal parameters.</a:t>
+            </a:r>
+            <a:endParaRPr lang="en-US" dirty="0"/>
+          </a:p>
+        </p:txBody>
+      </p:sp>
+      <p:sp>
+        <p:nvSpPr>
+          <p:cNvPr id="5" name="Text Placeholder 4"/>
+          <p:cNvSpPr>
+            <a:spLocks noGrp="1"/>
+          </p:cNvSpPr>
+          <p:nvPr>
+            <p:ph type="body" idx="2"/>
+          </p:nvPr>
+        </p:nvSpPr>
+        <p:spPr>
+          <a:ln>
+            <a:solidFill>
+              <a:schemeClr val="accent1"/>
+            </a:solidFill>
+          </a:ln>
+        </p:spPr>
+        <p:txBody>
+          <a:bodyPr/>
+          <a:lstStyle/>
+          <a:p>
+            <a:pPr marL="139700" indent="0">
+              <a:buNone/>
+            </a:pPr>
+            <a:r>
+              <a:rPr lang="en-US" b="1" dirty="0" smtClean="0"/>
+              <a:t>Teams</a:t>
+            </a:r>
+          </a:p>
+          <a:p>
+            <a:pPr marL="139700" indent="0">
+              <a:buNone/>
+            </a:pPr>
+            <a:endParaRPr lang="en-US" dirty="0"/>
+          </a:p>
+          <a:p>
+            <a:pPr marL="139700" indent="0">
+              <a:buNone/>
+            </a:pPr>
+            <a:r>
+              <a:rPr lang="en-US" dirty="0" smtClean="0"/>
+              <a:t>Team </a:t>
+            </a:r>
+            <a:r>
+              <a:rPr lang="en-US" dirty="0"/>
+              <a:t>0: </a:t>
+            </a:r>
+            <a:r>
+              <a:rPr lang="en-US" dirty="0" err="1"/>
+              <a:t>Geron</a:t>
+            </a:r>
+            <a:r>
+              <a:rPr lang="en-US" dirty="0"/>
+              <a:t> </a:t>
+            </a:r>
+            <a:r>
+              <a:rPr lang="en-US" dirty="0" err="1"/>
+              <a:t>Aakash</a:t>
+            </a:r>
+            <a:r>
+              <a:rPr lang="en-US" dirty="0"/>
+              <a:t> Ben </a:t>
+            </a:r>
+          </a:p>
+          <a:p>
+            <a:pPr marL="139700" indent="0">
+              <a:buNone/>
+            </a:pPr>
+            <a:r>
+              <a:rPr lang="en-US" dirty="0"/>
+              <a:t>Team 1: Matt </a:t>
+            </a:r>
+            <a:r>
+              <a:rPr lang="en-US" dirty="0" err="1"/>
+              <a:t>Shamal</a:t>
+            </a:r>
+            <a:r>
+              <a:rPr lang="en-US" dirty="0"/>
+              <a:t> Gabe </a:t>
+            </a:r>
+          </a:p>
+          <a:p>
+            <a:pPr marL="139700" indent="0">
+              <a:buNone/>
+            </a:pPr>
+            <a:r>
+              <a:rPr lang="en-US" dirty="0"/>
+              <a:t>Team 2: </a:t>
+            </a:r>
+            <a:r>
+              <a:rPr lang="en-US" dirty="0" err="1"/>
+              <a:t>David_M</a:t>
+            </a:r>
+            <a:r>
+              <a:rPr lang="en-US" dirty="0"/>
+              <a:t> Evelyn </a:t>
+            </a:r>
+            <a:r>
+              <a:rPr lang="en-US" dirty="0" err="1"/>
+              <a:t>David_P</a:t>
+            </a:r>
+            <a:r>
+              <a:rPr lang="en-US" dirty="0"/>
+              <a:t> </a:t>
+            </a:r>
+          </a:p>
+          <a:p>
+            <a:pPr marL="139700" indent="0">
+              <a:buNone/>
+            </a:pPr>
+            <a:r>
+              <a:rPr lang="en-US" dirty="0"/>
+              <a:t>Team 3: Maurice </a:t>
+            </a:r>
+            <a:r>
+              <a:rPr lang="en-US" dirty="0" err="1"/>
+              <a:t>Kermalyn</a:t>
+            </a:r>
+            <a:r>
+              <a:rPr lang="en-US" dirty="0"/>
+              <a:t> </a:t>
+            </a:r>
+            <a:r>
+              <a:rPr lang="en-US" dirty="0" err="1"/>
+              <a:t>Shehjar</a:t>
+            </a:r>
+            <a:r>
+              <a:rPr lang="en-US" dirty="0"/>
+              <a:t> </a:t>
+            </a:r>
+          </a:p>
+          <a:p>
+            <a:pPr marL="139700" indent="0">
+              <a:buNone/>
+            </a:pPr>
+            <a:r>
+              <a:rPr lang="en-US" dirty="0"/>
+              <a:t>Team 4: </a:t>
+            </a:r>
+            <a:r>
+              <a:rPr lang="en-US" dirty="0" err="1"/>
+              <a:t>Susallin</a:t>
+            </a:r>
+            <a:r>
+              <a:rPr lang="en-US" dirty="0"/>
+              <a:t> </a:t>
+            </a:r>
+            <a:r>
+              <a:rPr lang="en-US" dirty="0" err="1"/>
+              <a:t>Harout</a:t>
+            </a:r>
+            <a:r>
+              <a:rPr lang="en-US" dirty="0"/>
+              <a:t> Baez </a:t>
+            </a:r>
+          </a:p>
+          <a:p>
+            <a:pPr marL="139700" indent="0">
+              <a:buNone/>
+            </a:pPr>
+            <a:r>
+              <a:rPr lang="en-US" dirty="0"/>
+              <a:t>Team 5: Joe Alexander Kevin </a:t>
+            </a:r>
+          </a:p>
+          <a:p>
+            <a:pPr marL="139700" indent="0">
+              <a:buNone/>
+            </a:pPr>
+            <a:r>
+              <a:rPr lang="en-US" dirty="0"/>
+              <a:t>Team 6: Aguilar Cory Peter </a:t>
+            </a:r>
+          </a:p>
+          <a:p>
+            <a:pPr marL="139700" indent="0">
+              <a:buNone/>
+            </a:pPr>
+            <a:r>
+              <a:rPr lang="en-US" dirty="0"/>
+              <a:t>Team 7: </a:t>
+            </a:r>
+            <a:r>
+              <a:rPr lang="en-US" dirty="0" err="1"/>
+              <a:t>Najib</a:t>
+            </a:r>
+            <a:r>
+              <a:rPr lang="en-US" dirty="0"/>
+              <a:t> </a:t>
+            </a:r>
+            <a:r>
+              <a:rPr lang="en-US" dirty="0" err="1"/>
+              <a:t>Alber</a:t>
+            </a:r>
+            <a:r>
+              <a:rPr lang="en-US" dirty="0"/>
+              <a:t> Christopher </a:t>
+            </a:r>
+          </a:p>
+          <a:p>
+            <a:pPr marL="139700" indent="0">
+              <a:buNone/>
+            </a:pPr>
+            <a:endParaRPr lang="en-US" dirty="0"/>
+          </a:p>
+        </p:txBody>
+      </p:sp>
+    </p:spTree>
+    <p:extLst>
+      <p:ext uri="{BB962C8B-B14F-4D97-AF65-F5344CB8AC3E}">
+        <p14:creationId xmlns:p14="http://schemas.microsoft.com/office/powerpoint/2010/main" val="1366987796"/>
+      </p:ext>
+    </p:extLst>
+  </p:cSld>
+  <p:clrMapOvr>
+    <a:masterClrMapping/>
+  </p:clrMapOvr>
+</p:sld>
+</file>
+
+<file path=ppt/slides/slide2.xml><?xml version="1.0" encoding="utf-8"?>
+<p:sld xmlns:a="http://schemas.openxmlformats.org/drawingml/2006/main" xmlns:r="http://schemas.openxmlformats.org/officeDocument/2006/relationships" xmlns:p="http://schemas.openxmlformats.org/presentationml/2006/main">
+  <p:cSld>
+    <p:spTree>
+      <p:nvGrpSpPr>
+        <p:cNvPr id="1" name="Shape 59"/>
         <p:cNvGrpSpPr/>
         <p:nvPr/>
       </p:nvGrpSpPr>
@@ -8667,7 +9270,9 @@
       <p:sp>
         <p:nvSpPr>
           <p:cNvPr id="60" name="Shape 60"/>
-          <p:cNvSpPr txBox="1"/>
+          <p:cNvSpPr txBox="1">
+            <a:spLocks noGrp="1"/>
+          </p:cNvSpPr>
           <p:nvPr>
             <p:ph type="title"/>
           </p:nvPr>
@@ -8682,12 +9287,12 @@
           </a:prstGeom>
         </p:spPr>
         <p:txBody>
-          <a:bodyPr anchorCtr="0" anchor="t" bIns="91425" lIns="91425" spcFirstLastPara="1" rIns="91425" wrap="square" tIns="91425">
+          <a:bodyPr spcFirstLastPara="1" wrap="square" lIns="91425" tIns="91425" rIns="91425" bIns="91425" anchor="t" anchorCtr="0">
             <a:noAutofit/>
           </a:bodyPr>
           <a:lstStyle/>
           <a:p>
-            <a:pPr indent="0" lvl="0" marL="0">
+            <a:pPr marL="0" lvl="0" indent="0">
               <a:spcBef>
                 <a:spcPts val="0"/>
               </a:spcBef>
@@ -8707,9 +9312,11 @@
       <p:sp>
         <p:nvSpPr>
           <p:cNvPr id="61" name="Shape 61"/>
-          <p:cNvSpPr txBox="1"/>
+          <p:cNvSpPr txBox="1">
+            <a:spLocks noGrp="1"/>
+          </p:cNvSpPr>
           <p:nvPr>
-            <p:ph idx="1" type="body"/>
+            <p:ph type="body" idx="1"/>
           </p:nvPr>
         </p:nvSpPr>
         <p:spPr>
@@ -8722,12 +9329,12 @@
           </a:prstGeom>
         </p:spPr>
         <p:txBody>
-          <a:bodyPr anchorCtr="0" anchor="t" bIns="91425" lIns="91425" spcFirstLastPara="1" rIns="91425" wrap="square" tIns="91425">
+          <a:bodyPr spcFirstLastPara="1" wrap="square" lIns="91425" tIns="91425" rIns="91425" bIns="91425" anchor="t" anchorCtr="0">
             <a:noAutofit/>
           </a:bodyPr>
           <a:lstStyle/>
           <a:p>
-            <a:pPr indent="0" lvl="0" marL="0" rtl="0">
+            <a:pPr marL="0" lvl="0" indent="0" rtl="0">
               <a:spcBef>
                 <a:spcPts val="0"/>
               </a:spcBef>
@@ -8741,7 +9348,7 @@
               <a:t>First, let us define </a:t>
             </a:r>
             <a:r>
-              <a:rPr i="1" lang="en" sz="1400"/>
+              <a:rPr lang="en" sz="1400" i="1"/>
               <a:t>error confidence</a:t>
             </a:r>
             <a:r>
@@ -8751,6 +9358,10 @@
             <a:br>
               <a:rPr lang="en" sz="1400"/>
             </a:br>
+            <a:r>
+              <a:rPr lang="en" sz="1400"/>
+              <a:t/>
+            </a:r>
             <a:br>
               <a:rPr lang="en" sz="1400"/>
             </a:br>
@@ -8759,7 +9370,7 @@
               <a:t>Given a model accuracy, acc</a:t>
             </a:r>
             <a:r>
-              <a:rPr baseline="-25000" lang="en" sz="1400"/>
+              <a:rPr lang="en" sz="1400" baseline="-25000"/>
               <a:t>D</a:t>
             </a:r>
             <a:r>
@@ -8767,7 +9378,7 @@
               <a:t>, over some data set D, then the error confidence interval is defined as the probability p that our model accuracy acc</a:t>
             </a:r>
             <a:r>
-              <a:rPr baseline="-25000" lang="en" sz="1400"/>
+              <a:rPr lang="en" sz="1400" baseline="-25000"/>
               <a:t>D</a:t>
             </a:r>
             <a:r>
@@ -8777,6 +9388,10 @@
             <a:br>
               <a:rPr lang="en" sz="1400"/>
             </a:br>
+            <a:r>
+              <a:rPr lang="en" sz="1400"/>
+              <a:t/>
+            </a:r>
             <a:br>
               <a:rPr lang="en" sz="1400"/>
             </a:br>
@@ -8785,7 +9400,7 @@
               <a:t>							Pr(lb ≤ acc</a:t>
             </a:r>
             <a:r>
-              <a:rPr baseline="-25000" lang="en" sz="1400"/>
+              <a:rPr lang="en" sz="1400" baseline="-25000"/>
               <a:t>D</a:t>
             </a:r>
             <a:r>
@@ -8795,6 +9410,10 @@
             <a:br>
               <a:rPr lang="en" sz="1400"/>
             </a:br>
+            <a:r>
+              <a:rPr lang="en" sz="1400"/>
+              <a:t/>
+            </a:r>
             <a:br>
               <a:rPr lang="en" sz="1400"/>
             </a:br>
@@ -8805,7 +9424,7 @@
             <a:endParaRPr sz="1400"/>
           </a:p>
           <a:p>
-            <a:pPr indent="0" lvl="0" marL="0">
+            <a:pPr marL="0" lvl="0" indent="0">
               <a:spcBef>
                 <a:spcPts val="1600"/>
               </a:spcBef>
@@ -8814,6 +9433,10 @@
               </a:spcAft>
               <a:buNone/>
             </a:pPr>
+            <a:r>
+              <a:rPr lang="en" sz="1400"/>
+              <a:t/>
+            </a:r>
             <a:br>
               <a:rPr lang="en" sz="1400"/>
             </a:br>
@@ -8836,23 +9459,23 @@
             <a:avLst/>
           </a:prstGeom>
           <a:noFill/>
-          <a:ln cap="flat" cmpd="sng" w="9525">
+          <a:ln w="9525" cap="flat" cmpd="sng">
             <a:solidFill>
               <a:srgbClr val="000000"/>
             </a:solidFill>
             <a:prstDash val="solid"/>
             <a:round/>
-            <a:headEnd len="sm" w="sm" type="none"/>
-            <a:tailEnd len="sm" w="sm" type="none"/>
+            <a:headEnd type="none" w="sm" len="sm"/>
+            <a:tailEnd type="none" w="sm" len="sm"/>
           </a:ln>
         </p:spPr>
         <p:txBody>
-          <a:bodyPr anchorCtr="0" anchor="t" bIns="91425" lIns="91425" spcFirstLastPara="1" rIns="91425" wrap="square" tIns="91425">
+          <a:bodyPr spcFirstLastPara="1" wrap="square" lIns="91425" tIns="91425" rIns="91425" bIns="91425" anchor="t" anchorCtr="0">
             <a:noAutofit/>
           </a:bodyPr>
           <a:lstStyle/>
           <a:p>
-            <a:pPr indent="0" lvl="0" marL="0" rtl="0">
+            <a:pPr marL="0" lvl="0" indent="0" rtl="0">
               <a:lnSpc>
                 <a:spcPct val="115000"/>
               </a:lnSpc>
@@ -8878,7 +9501,7 @@
               <a:t>We are 95% percent sure that our accuracy acc</a:t>
             </a:r>
             <a:r>
-              <a:rPr baseline="-25000" lang="en">
+              <a:rPr lang="en" baseline="-25000">
                 <a:solidFill>
                   <a:schemeClr val="dk2"/>
                 </a:solidFill>
@@ -8900,7 +9523,7 @@
             </a:endParaRPr>
           </a:p>
           <a:p>
-            <a:pPr indent="0" lvl="0" marL="0">
+            <a:pPr marL="0" lvl="0" indent="0">
               <a:spcBef>
                 <a:spcPts val="1600"/>
               </a:spcBef>
@@ -8909,9 +9532,6 @@
               </a:spcAft>
               <a:buNone/>
             </a:pPr>
-            <a:r>
-              <a:t/>
-            </a:r>
             <a:endParaRPr/>
           </a:p>
         </p:txBody>
@@ -8925,11 +9545,11 @@
 </file>
 
 <file path=ppt/slides/slide3.xml><?xml version="1.0" encoding="utf-8"?>
-<p:sld xmlns:a="http://schemas.openxmlformats.org/drawingml/2006/main" xmlns:r="http://schemas.openxmlformats.org/officeDocument/2006/relationships" xmlns:mc="http://schemas.openxmlformats.org/markup-compatibility/2006" xmlns:mv="urn:schemas-microsoft-com:mac:vml" xmlns:p="http://schemas.openxmlformats.org/presentationml/2006/main" xmlns:c="http://schemas.openxmlformats.org/drawingml/2006/chart" xmlns:dgm="http://schemas.openxmlformats.org/drawingml/2006/diagram" xmlns:o="urn:schemas-microsoft-com:office:office" xmlns:v="urn:schemas-microsoft-com:vml" xmlns:pvml="urn:schemas-microsoft-com:office:powerpoint" xmlns:com="http://schemas.openxmlformats.org/drawingml/2006/compatibility" xmlns:p14="http://schemas.microsoft.com/office/powerpoint/2010/main" xmlns:p15="http://schemas.microsoft.com/office/powerpoint/2012/main">
+<p:sld xmlns:a="http://schemas.openxmlformats.org/drawingml/2006/main" xmlns:r="http://schemas.openxmlformats.org/officeDocument/2006/relationships" xmlns:p="http://schemas.openxmlformats.org/presentationml/2006/main">
   <p:cSld>
     <p:spTree>
       <p:nvGrpSpPr>
-        <p:cNvPr id="66" name="Shape 66"/>
+        <p:cNvPr id="1" name="Shape 66"/>
         <p:cNvGrpSpPr/>
         <p:nvPr/>
       </p:nvGrpSpPr>
@@ -8944,7 +9564,9 @@
       <p:sp>
         <p:nvSpPr>
           <p:cNvPr id="67" name="Shape 67"/>
-          <p:cNvSpPr txBox="1"/>
+          <p:cNvSpPr txBox="1">
+            <a:spLocks noGrp="1"/>
+          </p:cNvSpPr>
           <p:nvPr>
             <p:ph type="title"/>
           </p:nvPr>
@@ -8959,12 +9581,12 @@
           </a:prstGeom>
         </p:spPr>
         <p:txBody>
-          <a:bodyPr anchorCtr="0" anchor="t" bIns="91425" lIns="91425" spcFirstLastPara="1" rIns="91425" wrap="square" tIns="91425">
+          <a:bodyPr spcFirstLastPara="1" wrap="square" lIns="91425" tIns="91425" rIns="91425" bIns="91425" anchor="t" anchorCtr="0">
             <a:noAutofit/>
           </a:bodyPr>
           <a:lstStyle/>
           <a:p>
-            <a:pPr indent="0" lvl="0" marL="0" rtl="0">
+            <a:pPr marL="0" lvl="0" indent="0" rtl="0">
               <a:spcBef>
                 <a:spcPts val="0"/>
               </a:spcBef>
@@ -8989,9 +9611,11 @@
       <p:sp>
         <p:nvSpPr>
           <p:cNvPr id="68" name="Shape 68"/>
-          <p:cNvSpPr txBox="1"/>
+          <p:cNvSpPr txBox="1">
+            <a:spLocks noGrp="1"/>
+          </p:cNvSpPr>
           <p:nvPr>
-            <p:ph idx="1" type="body"/>
+            <p:ph type="body" idx="1"/>
           </p:nvPr>
         </p:nvSpPr>
         <p:spPr>
@@ -9004,12 +9628,12 @@
           </a:prstGeom>
         </p:spPr>
         <p:txBody>
-          <a:bodyPr anchorCtr="0" anchor="t" bIns="91425" lIns="91425" spcFirstLastPara="1" rIns="91425" wrap="square" tIns="91425">
+          <a:bodyPr spcFirstLastPara="1" wrap="square" lIns="91425" tIns="91425" rIns="91425" bIns="91425" anchor="t" anchorCtr="0">
             <a:noAutofit/>
           </a:bodyPr>
           <a:lstStyle/>
           <a:p>
-            <a:pPr indent="0" lvl="0" marL="0">
+            <a:pPr marL="0" lvl="0" indent="0">
               <a:spcBef>
                 <a:spcPts val="0"/>
               </a:spcBef>
@@ -9023,7 +9647,7 @@
               <a:t>Numerical data can be sorted in increasing or decreasing order. Thus the values of a numerical data set have a </a:t>
             </a:r>
             <a:r>
-              <a:rPr i="1" lang="en"/>
+              <a:rPr lang="en" i="1"/>
               <a:t>rank order</a:t>
             </a:r>
             <a:r>
@@ -9033,7 +9657,7 @@
             <a:endParaRPr/>
           </a:p>
           <a:p>
-            <a:pPr indent="0" lvl="0" marL="0">
+            <a:pPr marL="0" lvl="0" indent="0">
               <a:spcBef>
                 <a:spcPts val="1600"/>
               </a:spcBef>
@@ -9047,7 +9671,7 @@
               <a:t>A </a:t>
             </a:r>
             <a:r>
-              <a:rPr i="1" lang="en"/>
+              <a:rPr lang="en" i="1"/>
               <a:t>percentile</a:t>
             </a:r>
             <a:r>
@@ -9057,7 +9681,7 @@
             <a:endParaRPr/>
           </a:p>
           <a:p>
-            <a:pPr indent="0" lvl="0" marL="0">
+            <a:pPr marL="0" lvl="0" indent="0">
               <a:spcBef>
                 <a:spcPts val="1600"/>
               </a:spcBef>
@@ -9083,11 +9707,11 @@
 </file>
 
 <file path=ppt/slides/slide4.xml><?xml version="1.0" encoding="utf-8"?>
-<p:sld xmlns:a="http://schemas.openxmlformats.org/drawingml/2006/main" xmlns:r="http://schemas.openxmlformats.org/officeDocument/2006/relationships" xmlns:mc="http://schemas.openxmlformats.org/markup-compatibility/2006" xmlns:mv="urn:schemas-microsoft-com:mac:vml" xmlns:p="http://schemas.openxmlformats.org/presentationml/2006/main" xmlns:c="http://schemas.openxmlformats.org/drawingml/2006/chart" xmlns:dgm="http://schemas.openxmlformats.org/drawingml/2006/diagram" xmlns:o="urn:schemas-microsoft-com:office:office" xmlns:v="urn:schemas-microsoft-com:vml" xmlns:pvml="urn:schemas-microsoft-com:office:powerpoint" xmlns:com="http://schemas.openxmlformats.org/drawingml/2006/compatibility" xmlns:p14="http://schemas.microsoft.com/office/powerpoint/2010/main" xmlns:p15="http://schemas.microsoft.com/office/powerpoint/2012/main">
+<p:sld xmlns:a="http://schemas.openxmlformats.org/drawingml/2006/main" xmlns:r="http://schemas.openxmlformats.org/officeDocument/2006/relationships" xmlns:p="http://schemas.openxmlformats.org/presentationml/2006/main">
   <p:cSld>
     <p:spTree>
       <p:nvGrpSpPr>
-        <p:cNvPr id="72" name="Shape 72"/>
+        <p:cNvPr id="1" name="Shape 72"/>
         <p:cNvGrpSpPr/>
         <p:nvPr/>
       </p:nvGrpSpPr>
@@ -9102,7 +9726,9 @@
       <p:sp>
         <p:nvSpPr>
           <p:cNvPr id="73" name="Shape 73"/>
-          <p:cNvSpPr txBox="1"/>
+          <p:cNvSpPr txBox="1">
+            <a:spLocks noGrp="1"/>
+          </p:cNvSpPr>
           <p:nvPr>
             <p:ph type="title"/>
           </p:nvPr>
@@ -9117,12 +9743,12 @@
           </a:prstGeom>
         </p:spPr>
         <p:txBody>
-          <a:bodyPr anchorCtr="0" anchor="t" bIns="91425" lIns="91425" spcFirstLastPara="1" rIns="91425" wrap="square" tIns="91425">
+          <a:bodyPr spcFirstLastPara="1" wrap="square" lIns="91425" tIns="91425" rIns="91425" bIns="91425" anchor="t" anchorCtr="0">
             <a:noAutofit/>
           </a:bodyPr>
           <a:lstStyle/>
           <a:p>
-            <a:pPr indent="0" lvl="0" marL="0" rtl="0">
+            <a:pPr marL="0" lvl="0" indent="0" rtl="0">
               <a:spcBef>
                 <a:spcPts val="0"/>
               </a:spcBef>
@@ -9142,9 +9768,11 @@
       <p:sp>
         <p:nvSpPr>
           <p:cNvPr id="74" name="Shape 74"/>
-          <p:cNvSpPr txBox="1"/>
+          <p:cNvSpPr txBox="1">
+            <a:spLocks noGrp="1"/>
+          </p:cNvSpPr>
           <p:nvPr>
-            <p:ph idx="1" type="body"/>
+            <p:ph type="body" idx="1"/>
           </p:nvPr>
         </p:nvSpPr>
         <p:spPr>
@@ -9157,12 +9785,12 @@
           </a:prstGeom>
         </p:spPr>
         <p:txBody>
-          <a:bodyPr anchorCtr="0" anchor="t" bIns="91425" lIns="91425" spcFirstLastPara="1" rIns="91425" wrap="square" tIns="91425">
+          <a:bodyPr spcFirstLastPara="1" wrap="square" lIns="91425" tIns="91425" rIns="91425" bIns="91425" anchor="t" anchorCtr="0">
             <a:noAutofit/>
           </a:bodyPr>
           <a:lstStyle/>
           <a:p>
-            <a:pPr indent="0" lvl="0" marL="0">
+            <a:pPr marL="0" lvl="0" indent="0">
               <a:spcBef>
                 <a:spcPts val="0"/>
               </a:spcBef>
@@ -9178,7 +9806,7 @@
             <a:endParaRPr/>
           </a:p>
           <a:p>
-            <a:pPr indent="0" lvl="0" marL="0">
+            <a:pPr marL="0" lvl="0" indent="0">
               <a:spcBef>
                 <a:spcPts val="1600"/>
               </a:spcBef>
@@ -9189,16 +9817,12 @@
             </a:pPr>
             <a:r>
               <a:rPr lang="en"/>
-              <a:t>            sizes = </a:t>
-            </a:r>
-            <a:r>
-              <a:rPr lang="en"/>
-              <a:t>[ 6,  7,  9, 12, 17]</a:t>
+              <a:t>            sizes = [ 6,  7,  9, 12, 17]</a:t>
             </a:r>
             <a:endParaRPr/>
           </a:p>
           <a:p>
-            <a:pPr indent="0" lvl="0" marL="0">
+            <a:pPr marL="0" lvl="0" indent="0">
               <a:spcBef>
                 <a:spcPts val="1600"/>
               </a:spcBef>
@@ -9214,7 +9838,7 @@
             <a:endParaRPr/>
           </a:p>
           <a:p>
-            <a:pPr indent="0" lvl="0" marL="0" rtl="0">
+            <a:pPr marL="0" lvl="0" indent="0" rtl="0">
               <a:spcBef>
                 <a:spcPts val="1600"/>
               </a:spcBef>
@@ -9254,11 +9878,11 @@
 </file>
 
 <file path=ppt/slides/slide5.xml><?xml version="1.0" encoding="utf-8"?>
-<p:sld xmlns:a="http://schemas.openxmlformats.org/drawingml/2006/main" xmlns:r="http://schemas.openxmlformats.org/officeDocument/2006/relationships" xmlns:mc="http://schemas.openxmlformats.org/markup-compatibility/2006" xmlns:mv="urn:schemas-microsoft-com:mac:vml" xmlns:p="http://schemas.openxmlformats.org/presentationml/2006/main" xmlns:c="http://schemas.openxmlformats.org/drawingml/2006/chart" xmlns:dgm="http://schemas.openxmlformats.org/drawingml/2006/diagram" xmlns:o="urn:schemas-microsoft-com:office:office" xmlns:v="urn:schemas-microsoft-com:vml" xmlns:pvml="urn:schemas-microsoft-com:office:powerpoint" xmlns:com="http://schemas.openxmlformats.org/drawingml/2006/compatibility" xmlns:p14="http://schemas.microsoft.com/office/powerpoint/2010/main" xmlns:p15="http://schemas.microsoft.com/office/powerpoint/2012/main">
+<p:sld xmlns:a="http://schemas.openxmlformats.org/drawingml/2006/main" xmlns:r="http://schemas.openxmlformats.org/officeDocument/2006/relationships" xmlns:p="http://schemas.openxmlformats.org/presentationml/2006/main">
   <p:cSld>
     <p:spTree>
       <p:nvGrpSpPr>
-        <p:cNvPr id="78" name="Shape 78"/>
+        <p:cNvPr id="1" name="Shape 78"/>
         <p:cNvGrpSpPr/>
         <p:nvPr/>
       </p:nvGrpSpPr>
@@ -9273,7 +9897,9 @@
       <p:sp>
         <p:nvSpPr>
           <p:cNvPr id="79" name="Shape 79"/>
-          <p:cNvSpPr txBox="1"/>
+          <p:cNvSpPr txBox="1">
+            <a:spLocks noGrp="1"/>
+          </p:cNvSpPr>
           <p:nvPr>
             <p:ph type="title"/>
           </p:nvPr>
@@ -9288,12 +9914,12 @@
           </a:prstGeom>
         </p:spPr>
         <p:txBody>
-          <a:bodyPr anchorCtr="0" anchor="t" bIns="91425" lIns="91425" spcFirstLastPara="1" rIns="91425" wrap="square" tIns="91425">
+          <a:bodyPr spcFirstLastPara="1" wrap="square" lIns="91425" tIns="91425" rIns="91425" bIns="91425" anchor="t" anchorCtr="0">
             <a:noAutofit/>
           </a:bodyPr>
           <a:lstStyle/>
           <a:p>
-            <a:pPr indent="0" lvl="0" marL="0" rtl="0">
+            <a:pPr marL="0" lvl="0" indent="0" rtl="0">
               <a:spcBef>
                 <a:spcPts val="0"/>
               </a:spcBef>
@@ -9313,9 +9939,11 @@
       <p:sp>
         <p:nvSpPr>
           <p:cNvPr id="80" name="Shape 80"/>
-          <p:cNvSpPr txBox="1"/>
+          <p:cNvSpPr txBox="1">
+            <a:spLocks noGrp="1"/>
+          </p:cNvSpPr>
           <p:nvPr>
-            <p:ph idx="1" type="body"/>
+            <p:ph type="body" idx="1"/>
           </p:nvPr>
         </p:nvSpPr>
         <p:spPr>
@@ -9328,12 +9956,12 @@
           </a:prstGeom>
         </p:spPr>
         <p:txBody>
-          <a:bodyPr anchorCtr="0" anchor="t" bIns="91425" lIns="91425" spcFirstLastPara="1" rIns="91425" wrap="square" tIns="91425">
+          <a:bodyPr spcFirstLastPara="1" wrap="square" lIns="91425" tIns="91425" rIns="91425" bIns="91425" anchor="t" anchorCtr="0">
             <a:noAutofit/>
           </a:bodyPr>
           <a:lstStyle/>
           <a:p>
-            <a:pPr indent="0" lvl="0" marL="0">
+            <a:pPr marL="0" lvl="0" indent="0">
               <a:spcBef>
                 <a:spcPts val="0"/>
               </a:spcBef>
@@ -9349,7 +9977,7 @@
             <a:endParaRPr/>
           </a:p>
           <a:p>
-            <a:pPr indent="-342900" lvl="0" marL="457200">
+            <a:pPr marL="457200" lvl="0" indent="-342900">
               <a:spcBef>
                 <a:spcPts val="1600"/>
               </a:spcBef>
@@ -9366,7 +9994,7 @@
             <a:endParaRPr/>
           </a:p>
           <a:p>
-            <a:pPr indent="-342900" lvl="0" marL="457200">
+            <a:pPr marL="457200" lvl="0" indent="-342900">
               <a:spcBef>
                 <a:spcPts val="0"/>
               </a:spcBef>
@@ -9383,7 +10011,7 @@
             <a:endParaRPr/>
           </a:p>
           <a:p>
-            <a:pPr indent="-342900" lvl="0" marL="457200">
+            <a:pPr marL="457200" lvl="0" indent="-342900">
               <a:spcBef>
                 <a:spcPts val="0"/>
               </a:spcBef>
@@ -9400,7 +10028,7 @@
             <a:endParaRPr/>
           </a:p>
           <a:p>
-            <a:pPr indent="-342900" lvl="0" marL="457200" rtl="0">
+            <a:pPr marL="457200" lvl="0" indent="-342900" rtl="0">
               <a:spcBef>
                 <a:spcPts val="0"/>
               </a:spcBef>
@@ -9430,11 +10058,11 @@
 </file>
 
 <file path=ppt/slides/slide6.xml><?xml version="1.0" encoding="utf-8"?>
-<p:sld xmlns:a="http://schemas.openxmlformats.org/drawingml/2006/main" xmlns:r="http://schemas.openxmlformats.org/officeDocument/2006/relationships" xmlns:mc="http://schemas.openxmlformats.org/markup-compatibility/2006" xmlns:mv="urn:schemas-microsoft-com:mac:vml" xmlns:p="http://schemas.openxmlformats.org/presentationml/2006/main" xmlns:c="http://schemas.openxmlformats.org/drawingml/2006/chart" xmlns:dgm="http://schemas.openxmlformats.org/drawingml/2006/diagram" xmlns:o="urn:schemas-microsoft-com:office:office" xmlns:v="urn:schemas-microsoft-com:vml" xmlns:pvml="urn:schemas-microsoft-com:office:powerpoint" xmlns:com="http://schemas.openxmlformats.org/drawingml/2006/compatibility" xmlns:p14="http://schemas.microsoft.com/office/powerpoint/2010/main" xmlns:p15="http://schemas.microsoft.com/office/powerpoint/2012/main">
+<p:sld xmlns:a="http://schemas.openxmlformats.org/drawingml/2006/main" xmlns:r="http://schemas.openxmlformats.org/officeDocument/2006/relationships" xmlns:p="http://schemas.openxmlformats.org/presentationml/2006/main">
   <p:cSld>
     <p:spTree>
       <p:nvGrpSpPr>
-        <p:cNvPr id="84" name="Shape 84"/>
+        <p:cNvPr id="1" name="Shape 84"/>
         <p:cNvGrpSpPr/>
         <p:nvPr/>
       </p:nvGrpSpPr>
@@ -9449,7 +10077,9 @@
       <p:sp>
         <p:nvSpPr>
           <p:cNvPr id="85" name="Shape 85"/>
-          <p:cNvSpPr txBox="1"/>
+          <p:cNvSpPr txBox="1">
+            <a:spLocks noGrp="1"/>
+          </p:cNvSpPr>
           <p:nvPr>
             <p:ph type="title"/>
           </p:nvPr>
@@ -9464,12 +10094,12 @@
           </a:prstGeom>
         </p:spPr>
         <p:txBody>
-          <a:bodyPr anchorCtr="0" anchor="t" bIns="91425" lIns="91425" spcFirstLastPara="1" rIns="91425" wrap="square" tIns="91425">
+          <a:bodyPr spcFirstLastPara="1" wrap="square" lIns="91425" tIns="91425" rIns="91425" bIns="91425" anchor="t" anchorCtr="0">
             <a:noAutofit/>
           </a:bodyPr>
           <a:lstStyle/>
           <a:p>
-            <a:pPr indent="0" lvl="0" marL="0">
+            <a:pPr marL="0" lvl="0" indent="0">
               <a:spcBef>
                 <a:spcPts val="0"/>
               </a:spcBef>
@@ -9489,9 +10119,11 @@
       <p:sp>
         <p:nvSpPr>
           <p:cNvPr id="86" name="Shape 86"/>
-          <p:cNvSpPr txBox="1"/>
+          <p:cNvSpPr txBox="1">
+            <a:spLocks noGrp="1"/>
+          </p:cNvSpPr>
           <p:nvPr>
-            <p:ph idx="1" type="body"/>
+            <p:ph type="body" idx="1"/>
           </p:nvPr>
         </p:nvSpPr>
         <p:spPr>
@@ -9504,12 +10136,12 @@
           </a:prstGeom>
         </p:spPr>
         <p:txBody>
-          <a:bodyPr anchorCtr="0" anchor="t" bIns="91425" lIns="91425" spcFirstLastPara="1" rIns="91425" wrap="square" tIns="91425">
+          <a:bodyPr spcFirstLastPara="1" wrap="square" lIns="91425" tIns="91425" rIns="91425" bIns="91425" anchor="t" anchorCtr="0">
             <a:noAutofit/>
           </a:bodyPr>
           <a:lstStyle/>
           <a:p>
-            <a:pPr indent="0" lvl="0" marL="0">
+            <a:pPr marL="0" lvl="0" indent="0">
               <a:spcBef>
                 <a:spcPts val="0"/>
               </a:spcBef>
@@ -9523,7 +10155,7 @@
               <a:t>A particular effective and computationally straightforward way to estimate the lower and upper bounds of confidence intervals is the </a:t>
             </a:r>
             <a:r>
-              <a:rPr i="1" lang="en"/>
+              <a:rPr lang="en" i="1"/>
               <a:t>bootstrap</a:t>
             </a:r>
             <a:r>
@@ -9533,6 +10165,10 @@
             <a:br>
               <a:rPr lang="en"/>
             </a:br>
+            <a:r>
+              <a:rPr lang="en"/>
+              <a:t/>
+            </a:r>
             <a:br>
               <a:rPr lang="en"/>
             </a:br>
@@ -9543,6 +10179,10 @@
             <a:br>
               <a:rPr lang="en"/>
             </a:br>
+            <a:r>
+              <a:rPr lang="en"/>
+              <a:t/>
+            </a:r>
             <a:br>
               <a:rPr lang="en"/>
             </a:br>
@@ -9551,7 +10191,7 @@
               <a:t>In the bootstrap we create B </a:t>
             </a:r>
             <a:r>
-              <a:rPr i="1" lang="en"/>
+              <a:rPr lang="en" i="1"/>
               <a:t>bootstrap samples</a:t>
             </a:r>
             <a:r>
@@ -9561,6 +10201,10 @@
             <a:br>
               <a:rPr lang="en"/>
             </a:br>
+            <a:r>
+              <a:rPr lang="en"/>
+              <a:t/>
+            </a:r>
             <a:br>
               <a:rPr lang="en"/>
             </a:br>
@@ -9581,11 +10225,11 @@
 </file>
 
 <file path=ppt/slides/slide7.xml><?xml version="1.0" encoding="utf-8"?>
-<p:sld xmlns:a="http://schemas.openxmlformats.org/drawingml/2006/main" xmlns:r="http://schemas.openxmlformats.org/officeDocument/2006/relationships" xmlns:mc="http://schemas.openxmlformats.org/markup-compatibility/2006" xmlns:mv="urn:schemas-microsoft-com:mac:vml" xmlns:p="http://schemas.openxmlformats.org/presentationml/2006/main" xmlns:c="http://schemas.openxmlformats.org/drawingml/2006/chart" xmlns:dgm="http://schemas.openxmlformats.org/drawingml/2006/diagram" xmlns:o="urn:schemas-microsoft-com:office:office" xmlns:v="urn:schemas-microsoft-com:vml" xmlns:pvml="urn:schemas-microsoft-com:office:powerpoint" xmlns:com="http://schemas.openxmlformats.org/drawingml/2006/compatibility" xmlns:p14="http://schemas.microsoft.com/office/powerpoint/2010/main" xmlns:p15="http://schemas.microsoft.com/office/powerpoint/2012/main">
+<p:sld xmlns:a="http://schemas.openxmlformats.org/drawingml/2006/main" xmlns:r="http://schemas.openxmlformats.org/officeDocument/2006/relationships" xmlns:p="http://schemas.openxmlformats.org/presentationml/2006/main">
   <p:cSld>
     <p:spTree>
       <p:nvGrpSpPr>
-        <p:cNvPr id="90" name="Shape 90"/>
+        <p:cNvPr id="1" name="Shape 90"/>
         <p:cNvGrpSpPr/>
         <p:nvPr/>
       </p:nvGrpSpPr>
@@ -9600,7 +10244,9 @@
       <p:sp>
         <p:nvSpPr>
           <p:cNvPr id="91" name="Shape 91"/>
-          <p:cNvSpPr txBox="1"/>
+          <p:cNvSpPr txBox="1">
+            <a:spLocks noGrp="1"/>
+          </p:cNvSpPr>
           <p:nvPr>
             <p:ph type="title"/>
           </p:nvPr>
@@ -9615,12 +10261,12 @@
           </a:prstGeom>
         </p:spPr>
         <p:txBody>
-          <a:bodyPr anchorCtr="0" anchor="t" bIns="91425" lIns="91425" spcFirstLastPara="1" rIns="91425" wrap="square" tIns="91425">
+          <a:bodyPr spcFirstLastPara="1" wrap="square" lIns="91425" tIns="91425" rIns="91425" bIns="91425" anchor="t" anchorCtr="0">
             <a:noAutofit/>
           </a:bodyPr>
           <a:lstStyle/>
           <a:p>
-            <a:pPr indent="0" lvl="0" marL="0">
+            <a:pPr marL="0" lvl="0" indent="0">
               <a:spcBef>
                 <a:spcPts val="0"/>
               </a:spcBef>
@@ -9639,7 +10285,7 @@
       </p:sp>
       <p:pic>
         <p:nvPicPr>
-          <p:cNvPr descr="Bootstrap_25_0.png" id="92" name="Shape 92"/>
+          <p:cNvPr id="92" name="Shape 92" descr="Bootstrap_25_0.png"/>
           <p:cNvPicPr preferRelativeResize="0"/>
           <p:nvPr/>
         </p:nvPicPr>
@@ -9674,11 +10320,11 @@
 </file>
 
 <file path=ppt/slides/slide8.xml><?xml version="1.0" encoding="utf-8"?>
-<p:sld xmlns:a="http://schemas.openxmlformats.org/drawingml/2006/main" xmlns:r="http://schemas.openxmlformats.org/officeDocument/2006/relationships" xmlns:mc="http://schemas.openxmlformats.org/markup-compatibility/2006" xmlns:mv="urn:schemas-microsoft-com:mac:vml" xmlns:p="http://schemas.openxmlformats.org/presentationml/2006/main" xmlns:c="http://schemas.openxmlformats.org/drawingml/2006/chart" xmlns:dgm="http://schemas.openxmlformats.org/drawingml/2006/diagram" xmlns:o="urn:schemas-microsoft-com:office:office" xmlns:v="urn:schemas-microsoft-com:vml" xmlns:pvml="urn:schemas-microsoft-com:office:powerpoint" xmlns:com="http://schemas.openxmlformats.org/drawingml/2006/compatibility" xmlns:p14="http://schemas.microsoft.com/office/powerpoint/2010/main" xmlns:p15="http://schemas.microsoft.com/office/powerpoint/2012/main">
+<p:sld xmlns:a="http://schemas.openxmlformats.org/drawingml/2006/main" xmlns:r="http://schemas.openxmlformats.org/officeDocument/2006/relationships" xmlns:p="http://schemas.openxmlformats.org/presentationml/2006/main">
   <p:cSld>
     <p:spTree>
       <p:nvGrpSpPr>
-        <p:cNvPr id="96" name="Shape 96"/>
+        <p:cNvPr id="1" name="Shape 96"/>
         <p:cNvGrpSpPr/>
         <p:nvPr/>
       </p:nvGrpSpPr>
@@ -9693,7 +10339,9 @@
       <p:sp>
         <p:nvSpPr>
           <p:cNvPr id="97" name="Shape 97"/>
-          <p:cNvSpPr txBox="1"/>
+          <p:cNvSpPr txBox="1">
+            <a:spLocks noGrp="1"/>
+          </p:cNvSpPr>
           <p:nvPr>
             <p:ph type="title"/>
           </p:nvPr>
@@ -9708,12 +10356,12 @@
           </a:prstGeom>
         </p:spPr>
         <p:txBody>
-          <a:bodyPr anchorCtr="0" anchor="t" bIns="91425" lIns="91425" spcFirstLastPara="1" rIns="91425" wrap="square" tIns="91425">
+          <a:bodyPr spcFirstLastPara="1" wrap="square" lIns="91425" tIns="91425" rIns="91425" bIns="91425" anchor="t" anchorCtr="0">
             <a:noAutofit/>
           </a:bodyPr>
           <a:lstStyle/>
           <a:p>
-            <a:pPr indent="0" lvl="0" marL="0">
+            <a:pPr marL="0" lvl="0" indent="0">
               <a:spcBef>
                 <a:spcPts val="0"/>
               </a:spcBef>
@@ -9733,9 +10381,11 @@
       <p:sp>
         <p:nvSpPr>
           <p:cNvPr id="98" name="Shape 98"/>
-          <p:cNvSpPr txBox="1"/>
+          <p:cNvSpPr txBox="1">
+            <a:spLocks noGrp="1"/>
+          </p:cNvSpPr>
           <p:nvPr>
-            <p:ph idx="1" type="body"/>
+            <p:ph type="body" idx="1"/>
           </p:nvPr>
         </p:nvSpPr>
         <p:spPr>
@@ -9748,12 +10398,12 @@
           </a:prstGeom>
         </p:spPr>
         <p:txBody>
-          <a:bodyPr anchorCtr="0" anchor="t" bIns="91425" lIns="91425" spcFirstLastPara="1" rIns="91425" wrap="square" tIns="91425">
+          <a:bodyPr spcFirstLastPara="1" wrap="square" lIns="91425" tIns="91425" rIns="91425" bIns="91425" anchor="t" anchorCtr="0">
             <a:noAutofit/>
           </a:bodyPr>
           <a:lstStyle/>
           <a:p>
-            <a:pPr indent="0" lvl="0" marL="0">
+            <a:pPr marL="0" lvl="0" indent="0">
               <a:spcBef>
                 <a:spcPts val="0"/>
               </a:spcBef>
@@ -9769,7 +10419,7 @@
             <a:endParaRPr/>
           </a:p>
           <a:p>
-            <a:pPr indent="0" lvl="0" marL="0">
+            <a:pPr marL="0" lvl="0" indent="0">
               <a:spcBef>
                 <a:spcPts val="1600"/>
               </a:spcBef>
@@ -9785,7 +10435,7 @@
             <a:endParaRPr/>
           </a:p>
           <a:p>
-            <a:pPr indent="0" lvl="0" marL="0">
+            <a:pPr marL="0" lvl="0" indent="0">
               <a:spcBef>
                 <a:spcPts val="1600"/>
               </a:spcBef>
@@ -9799,7 +10449,7 @@
               <a:t>We obtain a </a:t>
             </a:r>
             <a:r>
-              <a:rPr i="1" lang="en"/>
+              <a:rPr lang="en" i="1"/>
               <a:t>sampling distribution</a:t>
             </a:r>
             <a:r>
@@ -9812,7 +10462,7 @@
       </p:sp>
       <p:pic>
         <p:nvPicPr>
-          <p:cNvPr descr="01fig04.jpg" id="99" name="Shape 99"/>
+          <p:cNvPr id="99" name="Shape 99" descr="01fig04.jpg"/>
           <p:cNvPicPr preferRelativeResize="0"/>
           <p:nvPr/>
         </p:nvPicPr>
@@ -9847,11 +10497,11 @@
 </file>
 
 <file path=ppt/slides/slide9.xml><?xml version="1.0" encoding="utf-8"?>
-<p:sld xmlns:a="http://schemas.openxmlformats.org/drawingml/2006/main" xmlns:r="http://schemas.openxmlformats.org/officeDocument/2006/relationships" xmlns:mc="http://schemas.openxmlformats.org/markup-compatibility/2006" xmlns:mv="urn:schemas-microsoft-com:mac:vml" xmlns:p="http://schemas.openxmlformats.org/presentationml/2006/main" xmlns:c="http://schemas.openxmlformats.org/drawingml/2006/chart" xmlns:dgm="http://schemas.openxmlformats.org/drawingml/2006/diagram" xmlns:o="urn:schemas-microsoft-com:office:office" xmlns:v="urn:schemas-microsoft-com:vml" xmlns:pvml="urn:schemas-microsoft-com:office:powerpoint" xmlns:com="http://schemas.openxmlformats.org/drawingml/2006/compatibility" xmlns:p14="http://schemas.microsoft.com/office/powerpoint/2010/main" xmlns:p15="http://schemas.microsoft.com/office/powerpoint/2012/main">
+<p:sld xmlns:a="http://schemas.openxmlformats.org/drawingml/2006/main" xmlns:r="http://schemas.openxmlformats.org/officeDocument/2006/relationships" xmlns:p="http://schemas.openxmlformats.org/presentationml/2006/main">
   <p:cSld>
     <p:spTree>
       <p:nvGrpSpPr>
-        <p:cNvPr id="103" name="Shape 103"/>
+        <p:cNvPr id="1" name="Shape 103"/>
         <p:cNvGrpSpPr/>
         <p:nvPr/>
       </p:nvGrpSpPr>
@@ -9866,7 +10516,9 @@
       <p:sp>
         <p:nvSpPr>
           <p:cNvPr id="104" name="Shape 104"/>
-          <p:cNvSpPr txBox="1"/>
+          <p:cNvSpPr txBox="1">
+            <a:spLocks noGrp="1"/>
+          </p:cNvSpPr>
           <p:nvPr>
             <p:ph type="title"/>
           </p:nvPr>
@@ -9881,12 +10533,12 @@
           </a:prstGeom>
         </p:spPr>
         <p:txBody>
-          <a:bodyPr anchorCtr="0" anchor="t" bIns="91425" lIns="91425" spcFirstLastPara="1" rIns="91425" wrap="square" tIns="91425">
+          <a:bodyPr spcFirstLastPara="1" wrap="square" lIns="91425" tIns="91425" rIns="91425" bIns="91425" anchor="t" anchorCtr="0">
             <a:noAutofit/>
           </a:bodyPr>
           <a:lstStyle/>
           <a:p>
-            <a:pPr indent="0" lvl="0" marL="0">
+            <a:pPr marL="0" lvl="0" indent="0">
               <a:spcBef>
                 <a:spcPts val="0"/>
               </a:spcBef>
@@ -9906,9 +10558,11 @@
       <p:sp>
         <p:nvSpPr>
           <p:cNvPr id="105" name="Shape 105"/>
-          <p:cNvSpPr txBox="1"/>
+          <p:cNvSpPr txBox="1">
+            <a:spLocks noGrp="1"/>
+          </p:cNvSpPr>
           <p:nvPr>
-            <p:ph idx="1" type="body"/>
+            <p:ph type="body" idx="1"/>
           </p:nvPr>
         </p:nvSpPr>
         <p:spPr>
@@ -9921,12 +10575,12 @@
           </a:prstGeom>
         </p:spPr>
         <p:txBody>
-          <a:bodyPr anchorCtr="0" anchor="t" bIns="91425" lIns="91425" spcFirstLastPara="1" rIns="91425" wrap="square" tIns="91425">
+          <a:bodyPr spcFirstLastPara="1" wrap="square" lIns="91425" tIns="91425" rIns="91425" bIns="91425" anchor="t" anchorCtr="0">
             <a:noAutofit/>
           </a:bodyPr>
           <a:lstStyle/>
           <a:p>
-            <a:pPr indent="0" lvl="0" marL="0">
+            <a:pPr marL="0" lvl="0" indent="0">
               <a:spcBef>
                 <a:spcPts val="0"/>
               </a:spcBef>
@@ -9945,7 +10599,7 @@
       </p:sp>
       <p:pic>
         <p:nvPicPr>
-          <p:cNvPr descr="Ncurve_SDs.gif" id="106" name="Shape 106"/>
+          <p:cNvPr id="106" name="Shape 106" descr="Ncurve_SDs.gif"/>
           <p:cNvPicPr preferRelativeResize="0"/>
           <p:nvPr/>
         </p:nvPicPr>
@@ -9974,9 +10628,11 @@
       <p:sp>
         <p:nvSpPr>
           <p:cNvPr id="107" name="Shape 107"/>
-          <p:cNvSpPr txBox="1"/>
+          <p:cNvSpPr txBox="1">
+            <a:spLocks noGrp="1"/>
+          </p:cNvSpPr>
           <p:nvPr>
-            <p:ph idx="1" type="body"/>
+            <p:ph type="body" idx="1"/>
           </p:nvPr>
         </p:nvSpPr>
         <p:spPr>
@@ -9989,12 +10645,12 @@
           </a:prstGeom>
         </p:spPr>
         <p:txBody>
-          <a:bodyPr anchorCtr="0" anchor="t" bIns="91425" lIns="91425" spcFirstLastPara="1" rIns="91425" wrap="square" tIns="91425">
+          <a:bodyPr spcFirstLastPara="1" wrap="square" lIns="91425" tIns="91425" rIns="91425" bIns="91425" anchor="t" anchorCtr="0">
             <a:noAutofit/>
           </a:bodyPr>
           <a:lstStyle/>
           <a:p>
-            <a:pPr indent="0" lvl="0" marL="0">
+            <a:pPr marL="0" lvl="0" indent="0">
               <a:spcBef>
                 <a:spcPts val="0"/>
               </a:spcBef>
@@ -10008,13 +10664,13 @@
               <a:t>How often does the empirical distribution of the resampled accuracies sit firmly capture the actual accuracy? Let's take that to mean "the middle 95% of the resampled accuracies capture the actual accuracy" - </a:t>
             </a:r>
             <a:r>
-              <a:rPr i="1" lang="en" sz="1400"/>
+              <a:rPr lang="en" sz="1400" i="1"/>
               <a:t>The 95% confidence interval!</a:t>
             </a:r>
-            <a:endParaRPr i="1" sz="1400"/>
-          </a:p>
-          <a:p>
-            <a:pPr indent="0" lvl="0" marL="0" rtl="0">
+            <a:endParaRPr sz="1400" i="1"/>
+          </a:p>
+          <a:p>
+            <a:pPr marL="0" lvl="0" indent="0" rtl="0">
               <a:spcBef>
                 <a:spcPts val="1600"/>
               </a:spcBef>
@@ -10023,9 +10679,6 @@
               </a:spcAft>
               <a:buNone/>
             </a:pPr>
-            <a:r>
-              <a:t/>
-            </a:r>
             <a:endParaRPr/>
           </a:p>
         </p:txBody>
@@ -10039,7 +10692,7 @@
 </file>
 
 <file path=ppt/theme/theme1.xml><?xml version="1.0" encoding="utf-8"?>
-<a:theme xmlns:a="http://schemas.openxmlformats.org/drawingml/2006/main" xmlns:r="http://schemas.openxmlformats.org/officeDocument/2006/relationships" name="Simple Light">
+<a:theme xmlns:a="http://schemas.openxmlformats.org/drawingml/2006/main" name="Simple Light">
   <a:themeElements>
     <a:clrScheme name="Simple Light">
       <a:dk1>
@@ -10314,11 +10967,13 @@
       </a:bgFillStyleLst>
     </a:fmtScheme>
   </a:themeElements>
+  <a:objectDefaults/>
+  <a:extraClrSchemeLst/>
 </a:theme>
 </file>
 
 <file path=ppt/theme/theme2.xml><?xml version="1.0" encoding="utf-8"?>
-<a:theme xmlns:a="http://schemas.openxmlformats.org/drawingml/2006/main" xmlns:r="http://schemas.openxmlformats.org/officeDocument/2006/relationships">
+<a:theme xmlns:a="http://schemas.openxmlformats.org/drawingml/2006/main">
   <a:themeElements>
     <a:clrScheme name="Default">
       <a:dk1>
@@ -10593,5 +11248,7 @@
       </a:bgFillStyleLst>
     </a:fmtScheme>
   </a:themeElements>
+  <a:objectDefaults/>
+  <a:extraClrSchemeLst/>
 </a:theme>
 </file>
--- a/12-models-3.pptx
+++ b/12-models-3.pptx
@@ -256,6 +256,11 @@
       </a:defRPr>
     </a:lvl9pPr>
   </p:defaultTextStyle>
+  <p:extLst>
+    <p:ext uri="{EFAFB233-063F-42B5-8137-9DF3F51BA10A}">
+      <p15:sldGuideLst xmlns:p15="http://schemas.microsoft.com/office/powerpoint/2012/main"/>
+    </p:ext>
+  </p:extLst>
 </p:presentation>
 </file>
 
@@ -831,7 +836,7 @@
         </p:nvSpPr>
         <p:spPr>
           <a:xfrm>
-            <a:off x="381300" y="685800"/>
+            <a:off x="381000" y="685800"/>
             <a:ext cx="6096000" cy="3429000"/>
           </a:xfrm>
           <a:custGeom>
@@ -1455,7 +1460,7 @@
         </p:nvSpPr>
         <p:spPr>
           <a:xfrm>
-            <a:off x="381300" y="685800"/>
+            <a:off x="381000" y="685800"/>
             <a:ext cx="6096000" cy="3429000"/>
           </a:xfrm>
           <a:custGeom>
@@ -1871,7 +1876,7 @@
         </p:nvSpPr>
         <p:spPr>
           <a:xfrm>
-            <a:off x="381300" y="685800"/>
+            <a:off x="381000" y="685800"/>
             <a:ext cx="6096000" cy="3429000"/>
           </a:xfrm>
           <a:custGeom>
@@ -2183,7 +2188,7 @@
         </p:nvSpPr>
         <p:spPr>
           <a:xfrm>
-            <a:off x="381300" y="685800"/>
+            <a:off x="381000" y="685800"/>
             <a:ext cx="6096000" cy="3429000"/>
           </a:xfrm>
           <a:custGeom>
@@ -7204,10 +7209,26 @@
               <a:buNone/>
             </a:pPr>
             <a:r>
-              <a:rPr lang="en"/>
-              <a:t>The Bootstrap</a:t>
-            </a:r>
-            <a:endParaRPr/>
+              <a:rPr lang="en" dirty="0"/>
+              <a:t>The </a:t>
+            </a:r>
+            <a:r>
+              <a:rPr lang="en" dirty="0" smtClean="0"/>
+              <a:t>Bootstrap</a:t>
+            </a:r>
+            <a:r>
+              <a:rPr lang="en-US" dirty="0" smtClean="0"/>
+              <a:t> </a:t>
+            </a:r>
+            <a:r>
+              <a:rPr lang="mr-IN" dirty="0" smtClean="0"/>
+              <a:t>–</a:t>
+            </a:r>
+            <a:r>
+              <a:rPr lang="en-US" dirty="0" smtClean="0"/>
+              <a:t> 95% Confidence Interval</a:t>
+            </a:r>
+            <a:endParaRPr dirty="0"/>
           </a:p>
         </p:txBody>
       </p:sp>
@@ -7227,7 +7248,7 @@
         </p:blipFill>
         <p:spPr>
           <a:xfrm>
-            <a:off x="215350" y="979250"/>
+            <a:off x="215350" y="1396692"/>
             <a:ext cx="4439826" cy="1953856"/>
           </a:xfrm>
           <a:prstGeom prst="rect">
@@ -7251,8 +7272,8 @@
         </p:nvSpPr>
         <p:spPr>
           <a:xfrm>
-            <a:off x="391400" y="3085500"/>
-            <a:ext cx="8237100" cy="1753500"/>
+            <a:off x="391400" y="3502942"/>
+            <a:ext cx="8237100" cy="1042561"/>
           </a:xfrm>
           <a:prstGeom prst="rect">
             <a:avLst/>
@@ -7274,24 +7295,80 @@
               <a:buNone/>
             </a:pPr>
             <a:r>
-              <a:rPr lang="en" sz="1400"/>
-              <a:t>Assume we have the list, sorted_accuracies, then the values of the bounds can be estimated:</a:t>
+              <a:rPr lang="en" sz="1400" dirty="0"/>
+              <a:t>Assume we have the list, </a:t>
+            </a:r>
+            <a:r>
+              <a:rPr lang="en" sz="1400" dirty="0" err="1"/>
+              <a:t>sorted_accuracies</a:t>
+            </a:r>
+            <a:r>
+              <a:rPr lang="en" sz="1400" dirty="0"/>
+              <a:t>, then the values of the bounds can be estimated:</a:t>
             </a:r>
             <a:br>
-              <a:rPr lang="en" sz="1400"/>
+              <a:rPr lang="en" sz="1400" dirty="0"/>
             </a:br>
             <a:r>
-              <a:rPr lang="en" sz="1400"/>
-              <a:t>lb = percentile(sorted_accuracies, 2.5)</a:t>
+              <a:rPr lang="en" sz="1400" dirty="0" err="1"/>
+              <a:t>lb</a:t>
+            </a:r>
+            <a:r>
+              <a:rPr lang="en" sz="1400" dirty="0"/>
+              <a:t> = percentile(</a:t>
+            </a:r>
+            <a:r>
+              <a:rPr lang="en" sz="1400" dirty="0" err="1"/>
+              <a:t>sorted_accuracies</a:t>
+            </a:r>
+            <a:r>
+              <a:rPr lang="en" sz="1400" dirty="0"/>
+              <a:t>, </a:t>
+            </a:r>
+            <a:r>
+              <a:rPr lang="en" sz="1400" dirty="0">
+                <a:solidFill>
+                  <a:srgbClr val="FF0000"/>
+                </a:solidFill>
+              </a:rPr>
+              <a:t>2.5</a:t>
+            </a:r>
+            <a:r>
+              <a:rPr lang="en" sz="1400" dirty="0"/>
+              <a:t>)</a:t>
             </a:r>
             <a:br>
-              <a:rPr lang="en" sz="1400"/>
+              <a:rPr lang="en" sz="1400" dirty="0"/>
             </a:br>
             <a:r>
-              <a:rPr lang="en" sz="1400"/>
-              <a:t>ub = percentile(sorted_accuracies, 97.5)</a:t>
-            </a:r>
-            <a:endParaRPr sz="1400"/>
+              <a:rPr lang="en" sz="1400" dirty="0" err="1"/>
+              <a:t>ub</a:t>
+            </a:r>
+            <a:r>
+              <a:rPr lang="en" sz="1400" dirty="0"/>
+              <a:t> = percentile(</a:t>
+            </a:r>
+            <a:r>
+              <a:rPr lang="en" sz="1400" dirty="0" err="1"/>
+              <a:t>sorted_accuracies</a:t>
+            </a:r>
+            <a:r>
+              <a:rPr lang="en" sz="1400" dirty="0"/>
+              <a:t>, </a:t>
+            </a:r>
+            <a:r>
+              <a:rPr lang="en" sz="1400" dirty="0">
+                <a:solidFill>
+                  <a:srgbClr val="FF0000"/>
+                </a:solidFill>
+              </a:rPr>
+              <a:t>97.5</a:t>
+            </a:r>
+            <a:r>
+              <a:rPr lang="en" sz="1400" dirty="0"/>
+              <a:t>)</a:t>
+            </a:r>
+            <a:endParaRPr sz="1400" dirty="0"/>
           </a:p>
           <a:p>
             <a:pPr marL="0" lvl="0" indent="0" rtl="0">
@@ -7303,7 +7380,7 @@
               </a:spcAft>
               <a:buNone/>
             </a:pPr>
-            <a:endParaRPr/>
+            <a:endParaRPr dirty="0"/>
           </a:p>
         </p:txBody>
       </p:sp>
@@ -7323,7 +7400,7 @@
         </p:blipFill>
         <p:spPr>
           <a:xfrm>
-            <a:off x="5183450" y="692205"/>
+            <a:off x="5183450" y="1109647"/>
             <a:ext cx="2987850" cy="2240894"/>
           </a:xfrm>
           <a:prstGeom prst="rect">
@@ -9344,84 +9421,140 @@
               <a:buNone/>
             </a:pPr>
             <a:r>
-              <a:rPr lang="en" sz="1400"/>
+              <a:rPr lang="en" sz="1400" dirty="0"/>
               <a:t>First, let us define </a:t>
             </a:r>
             <a:r>
-              <a:rPr lang="en" sz="1400" i="1"/>
+              <a:rPr lang="en" sz="1400" i="1" dirty="0"/>
               <a:t>error confidence</a:t>
             </a:r>
             <a:r>
-              <a:rPr lang="en" sz="1400"/>
+              <a:rPr lang="en" sz="1400" dirty="0"/>
               <a:t> intervals formally.</a:t>
             </a:r>
             <a:br>
-              <a:rPr lang="en" sz="1400"/>
+              <a:rPr lang="en" sz="1400" dirty="0"/>
             </a:br>
             <a:r>
-              <a:rPr lang="en" sz="1400"/>
+              <a:rPr lang="en" sz="1400" dirty="0"/>
               <a:t/>
             </a:r>
             <a:br>
-              <a:rPr lang="en" sz="1400"/>
+              <a:rPr lang="en" sz="1400" dirty="0"/>
             </a:br>
             <a:r>
-              <a:rPr lang="en" sz="1400"/>
-              <a:t>Given a model accuracy, acc</a:t>
-            </a:r>
-            <a:r>
-              <a:rPr lang="en" sz="1400" baseline="-25000"/>
+              <a:rPr lang="en" sz="1400" dirty="0"/>
+              <a:t>Given a model accuracy, </a:t>
+            </a:r>
+            <a:r>
+              <a:rPr lang="en" sz="1400" dirty="0" err="1"/>
+              <a:t>acc</a:t>
+            </a:r>
+            <a:r>
+              <a:rPr lang="en" sz="1400" baseline="-25000" dirty="0" err="1"/>
               <a:t>D</a:t>
             </a:r>
             <a:r>
-              <a:rPr lang="en" sz="1400"/>
-              <a:t>, over some data set D, then the error confidence interval is defined as the probability p that our model accuracy acc</a:t>
-            </a:r>
-            <a:r>
-              <a:rPr lang="en" sz="1400" baseline="-25000"/>
+              <a:rPr lang="en" sz="1400" dirty="0"/>
+              <a:t>, over some data set D, then the error confidence interval is defined as the probability p that our model accuracy </a:t>
+            </a:r>
+            <a:r>
+              <a:rPr lang="en" sz="1400" dirty="0" err="1"/>
+              <a:t>acc</a:t>
+            </a:r>
+            <a:r>
+              <a:rPr lang="en" sz="1400" baseline="-25000" dirty="0" err="1"/>
               <a:t>D</a:t>
             </a:r>
             <a:r>
-              <a:rPr lang="en" sz="1400"/>
-              <a:t> lies between some lower bound lb and some upper bound ub,</a:t>
+              <a:rPr lang="en" sz="1400" dirty="0"/>
+              <a:t> lies between some lower bound </a:t>
+            </a:r>
+            <a:r>
+              <a:rPr lang="en" sz="1400" dirty="0" err="1"/>
+              <a:t>lb</a:t>
+            </a:r>
+            <a:r>
+              <a:rPr lang="en" sz="1400" dirty="0"/>
+              <a:t> and some upper bound </a:t>
+            </a:r>
+            <a:r>
+              <a:rPr lang="en" sz="1400" dirty="0" err="1"/>
+              <a:t>ub</a:t>
+            </a:r>
+            <a:r>
+              <a:rPr lang="en" sz="1400" dirty="0"/>
+              <a:t>,</a:t>
             </a:r>
             <a:br>
-              <a:rPr lang="en" sz="1400"/>
+              <a:rPr lang="en" sz="1400" dirty="0"/>
             </a:br>
             <a:r>
-              <a:rPr lang="en" sz="1400"/>
+              <a:rPr lang="en" sz="1400" dirty="0"/>
               <a:t/>
             </a:r>
             <a:br>
-              <a:rPr lang="en" sz="1400"/>
+              <a:rPr lang="en" sz="1400" dirty="0"/>
             </a:br>
             <a:r>
-              <a:rPr lang="en" sz="1400"/>
-              <a:t>							Pr(lb ≤ acc</a:t>
-            </a:r>
-            <a:r>
-              <a:rPr lang="en" sz="1400" baseline="-25000"/>
+              <a:rPr lang="en" sz="1400" dirty="0"/>
+              <a:t>			</a:t>
+            </a:r>
+            <a:r>
+              <a:rPr lang="en" sz="1400" dirty="0" err="1" smtClean="0"/>
+              <a:t>Pr</a:t>
+            </a:r>
+            <a:r>
+              <a:rPr lang="en" sz="1400" dirty="0" smtClean="0"/>
+              <a:t>(</a:t>
+            </a:r>
+            <a:r>
+              <a:rPr lang="en" sz="1400" dirty="0" err="1" smtClean="0"/>
+              <a:t>lb</a:t>
+            </a:r>
+            <a:r>
+              <a:rPr lang="en" sz="1400" dirty="0" smtClean="0"/>
+              <a:t> </a:t>
+            </a:r>
+            <a:r>
+              <a:rPr lang="en" sz="1400" dirty="0"/>
+              <a:t>≤ </a:t>
+            </a:r>
+            <a:r>
+              <a:rPr lang="en" sz="1400" dirty="0" err="1"/>
+              <a:t>acc</a:t>
+            </a:r>
+            <a:r>
+              <a:rPr lang="en" sz="1400" baseline="-25000" dirty="0" err="1"/>
               <a:t>D</a:t>
             </a:r>
             <a:r>
-              <a:rPr lang="en" sz="1400"/>
-              <a:t> ≤ ub) = p. </a:t>
+              <a:rPr lang="en" sz="1400" dirty="0"/>
+              <a:t> ≤ </a:t>
+            </a:r>
+            <a:r>
+              <a:rPr lang="en" sz="1400" dirty="0" err="1"/>
+              <a:t>ub</a:t>
+            </a:r>
+            <a:r>
+              <a:rPr lang="en" sz="1400" dirty="0"/>
+              <a:t>) = p. </a:t>
             </a:r>
             <a:br>
-              <a:rPr lang="en" sz="1400"/>
+              <a:rPr lang="en" sz="1400" dirty="0"/>
             </a:br>
             <a:r>
-              <a:rPr lang="en" sz="1400"/>
+              <a:rPr lang="en" sz="1400" dirty="0"/>
               <a:t/>
             </a:r>
             <a:br>
-              <a:rPr lang="en" sz="1400"/>
+              <a:rPr lang="en" sz="1400" dirty="0"/>
             </a:br>
             <a:r>
-              <a:rPr lang="en" sz="1400"/>
+              <a:rPr lang="en" sz="1400" dirty="0"/>
               <a:t>Paraphrasing this equation with p = 95%:</a:t>
             </a:r>
-            <a:endParaRPr sz="1400"/>
+            <a:endParaRPr sz="1400" dirty="0"/>
           </a:p>
           <a:p>
             <a:pPr marL="0" lvl="0" indent="0">
@@ -9434,13 +9567,13 @@
               <a:buNone/>
             </a:pPr>
             <a:r>
-              <a:rPr lang="en" sz="1400"/>
+              <a:rPr lang="en" sz="1400" dirty="0"/>
               <a:t/>
             </a:r>
             <a:br>
-              <a:rPr lang="en" sz="1400"/>
+              <a:rPr lang="en" sz="1400" dirty="0"/>
             </a:br>
-            <a:endParaRPr sz="1400"/>
+            <a:endParaRPr sz="1400" dirty="0"/>
           </a:p>
         </p:txBody>
       </p:sp>
@@ -10137,7 +10270,7 @@
         </p:spPr>
         <p:txBody>
           <a:bodyPr spcFirstLastPara="1" wrap="square" lIns="91425" tIns="91425" rIns="91425" bIns="91425" anchor="t" anchorCtr="0">
-            <a:noAutofit/>
+            <a:normAutofit fontScale="85000" lnSpcReduction="10000"/>
           </a:bodyPr>
           <a:lstStyle/>
           <a:p>
@@ -10151,68 +10284,92 @@
               <a:buNone/>
             </a:pPr>
             <a:r>
-              <a:rPr lang="en"/>
+              <a:rPr lang="en" dirty="0"/>
               <a:t>A particular effective and computationally straightforward way to estimate the lower and upper bounds of confidence intervals is the </a:t>
             </a:r>
             <a:r>
-              <a:rPr lang="en" i="1"/>
+              <a:rPr lang="en" i="1" dirty="0"/>
               <a:t>bootstrap</a:t>
             </a:r>
             <a:r>
-              <a:rPr lang="en"/>
+              <a:rPr lang="en" dirty="0"/>
               <a:t>.</a:t>
             </a:r>
             <a:br>
-              <a:rPr lang="en"/>
+              <a:rPr lang="en" dirty="0"/>
             </a:br>
             <a:r>
-              <a:rPr lang="en"/>
+              <a:rPr lang="en" dirty="0"/>
               <a:t/>
             </a:r>
             <a:br>
-              <a:rPr lang="en"/>
+              <a:rPr lang="en" dirty="0"/>
             </a:br>
             <a:r>
-              <a:rPr lang="en"/>
+              <a:rPr lang="en" dirty="0"/>
               <a:t>What is remarkable about the bootstrap is that we use the data set D itself to capture the uncertainty with which it represents the data universe at large.</a:t>
             </a:r>
             <a:br>
-              <a:rPr lang="en"/>
+              <a:rPr lang="en" dirty="0"/>
             </a:br>
             <a:r>
-              <a:rPr lang="en"/>
+              <a:rPr lang="en" dirty="0"/>
               <a:t/>
             </a:r>
             <a:br>
-              <a:rPr lang="en"/>
+              <a:rPr lang="en" dirty="0"/>
             </a:br>
             <a:r>
-              <a:rPr lang="en"/>
+              <a:rPr lang="en" dirty="0"/>
               <a:t>In the bootstrap we create B </a:t>
             </a:r>
             <a:r>
-              <a:rPr lang="en" i="1"/>
+              <a:rPr lang="en" i="1" dirty="0"/>
               <a:t>bootstrap samples</a:t>
             </a:r>
             <a:r>
-              <a:rPr lang="en"/>
+              <a:rPr lang="en" dirty="0"/>
               <a:t> of our data set D using sampling with replacement.</a:t>
             </a:r>
             <a:br>
-              <a:rPr lang="en"/>
+              <a:rPr lang="en" dirty="0"/>
             </a:br>
             <a:r>
-              <a:rPr lang="en"/>
+              <a:rPr lang="en" dirty="0"/>
               <a:t/>
             </a:r>
             <a:br>
-              <a:rPr lang="en"/>
+              <a:rPr lang="en" dirty="0"/>
             </a:br>
             <a:r>
-              <a:rPr lang="en"/>
-              <a:t>We use the variation among the bootstrap samples to compute the variation in the respective model accuracies.</a:t>
-            </a:r>
-            <a:endParaRPr/>
+              <a:rPr lang="en" dirty="0"/>
+              <a:t>We use the variation among the bootstrap samples to compute the variation in the respective model accuracies</a:t>
+            </a:r>
+            <a:r>
+              <a:rPr lang="en" dirty="0" smtClean="0"/>
+              <a:t>.</a:t>
+            </a:r>
+            <a:endParaRPr lang="en-US" dirty="0" smtClean="0"/>
+          </a:p>
+          <a:p>
+            <a:pPr marL="0" lvl="0" indent="0">
+              <a:spcBef>
+                <a:spcPts val="0"/>
+              </a:spcBef>
+              <a:spcAft>
+                <a:spcPts val="1600"/>
+              </a:spcAft>
+              <a:buNone/>
+            </a:pPr>
+            <a:r>
+              <a:rPr lang="en-US" b="1" dirty="0" smtClean="0"/>
+              <a:t>NOTE: </a:t>
+            </a:r>
+            <a:r>
+              <a:rPr lang="en-US" dirty="0" smtClean="0"/>
+              <a:t>the variation among the bootstrap sampled captures the quality of the original data set: if the variation is large then most likely your original data set does NOT represent the data universe very well, if the variation is small then most likely it does!</a:t>
+            </a:r>
+            <a:endParaRPr b="1" dirty="0"/>
           </a:p>
         </p:txBody>
       </p:sp>
@@ -10660,14 +10817,22 @@
               <a:buNone/>
             </a:pPr>
             <a:r>
-              <a:rPr lang="en" sz="1400"/>
-              <a:t>How often does the empirical distribution of the resampled accuracies sit firmly capture the actual accuracy? Let's take that to mean "the middle 95% of the resampled accuracies capture the actual accuracy" - </a:t>
-            </a:r>
-            <a:r>
-              <a:rPr lang="en" sz="1400" i="1"/>
+              <a:rPr lang="en" sz="1400" dirty="0"/>
+              <a:t>How often does the empirical distribution of the resampled accuracies </a:t>
+            </a:r>
+            <a:r>
+              <a:rPr lang="en" sz="1400" dirty="0" smtClean="0"/>
+              <a:t>capture </a:t>
+            </a:r>
+            <a:r>
+              <a:rPr lang="en" sz="1400" dirty="0"/>
+              <a:t>the actual accuracy? Let's take that to mean "the middle 95% of the resampled accuracies capture the actual accuracy" - </a:t>
+            </a:r>
+            <a:r>
+              <a:rPr lang="en" sz="1400" i="1" dirty="0"/>
               <a:t>The 95% confidence interval!</a:t>
             </a:r>
-            <a:endParaRPr sz="1400" i="1"/>
+            <a:endParaRPr sz="1400" i="1" dirty="0"/>
           </a:p>
           <a:p>
             <a:pPr marL="0" lvl="0" indent="0" rtl="0">
@@ -10679,7 +10844,7 @@
               </a:spcAft>
               <a:buNone/>
             </a:pPr>
-            <a:endParaRPr/>
+            <a:endParaRPr dirty="0"/>
           </a:p>
         </p:txBody>
       </p:sp>

--- a/12-models-3.pptx
+++ b/12-models-3.pptx
@@ -7154,6 +7154,13 @@
   <p:clrMapOvr>
     <a:masterClrMapping/>
   </p:clrMapOvr>
+  <p:timing>
+    <p:tnLst>
+      <p:par>
+        <p:cTn id="1" dur="indefinite" restart="never" nodeType="tmRoot"/>
+      </p:par>
+    </p:tnLst>
+  </p:timing>
 </p:sld>
 </file>
 
@@ -7553,6 +7560,13 @@
   <p:clrMapOvr>
     <a:masterClrMapping/>
   </p:clrMapOvr>
+  <p:timing>
+    <p:tnLst>
+      <p:par>
+        <p:cTn id="1" dur="indefinite" restart="never" nodeType="tmRoot"/>
+      </p:par>
+    </p:tnLst>
+  </p:timing>
 </p:sld>
 </file>
 
@@ -7769,6 +7783,13 @@
   <p:clrMapOvr>
     <a:masterClrMapping/>
   </p:clrMapOvr>
+  <p:timing>
+    <p:tnLst>
+      <p:par>
+        <p:cTn id="1" dur="indefinite" restart="never" nodeType="tmRoot"/>
+      </p:par>
+    </p:tnLst>
+  </p:timing>
 </p:sld>
 </file>
 
@@ -8220,6 +8241,13 @@
   <p:clrMapOvr>
     <a:masterClrMapping/>
   </p:clrMapOvr>
+  <p:timing>
+    <p:tnLst>
+      <p:par>
+        <p:cTn id="1" dur="indefinite" restart="never" nodeType="tmRoot"/>
+      </p:par>
+    </p:tnLst>
+  </p:timing>
 </p:sld>
 </file>
 
@@ -8415,6 +8443,13 @@
   <p:clrMapOvr>
     <a:masterClrMapping/>
   </p:clrMapOvr>
+  <p:timing>
+    <p:tnLst>
+      <p:par>
+        <p:cTn id="1" dur="indefinite" restart="never" nodeType="tmRoot"/>
+      </p:par>
+    </p:tnLst>
+  </p:timing>
 </p:sld>
 </file>
 
@@ -9042,7 +9077,7 @@
         <p:spPr/>
         <p:txBody>
           <a:bodyPr>
-            <a:normAutofit lnSpcReduction="10000"/>
+            <a:normAutofit fontScale="92500" lnSpcReduction="10000"/>
           </a:bodyPr>
           <a:lstStyle/>
           <a:p>
@@ -9101,7 +9136,11 @@
             </a:r>
             <a:r>
               <a:rPr lang="en-US" dirty="0" smtClean="0"/>
-              <a:t>for the optimal parameters.</a:t>
+              <a:t>for the optimal </a:t>
+            </a:r>
+            <a:r>
+              <a:rPr lang="en-US" dirty="0" smtClean="0"/>
+              <a:t>parameters using the bootstrap procedure.</a:t>
             </a:r>
             <a:endParaRPr lang="en-US" dirty="0"/>
           </a:p>
@@ -9118,6 +9157,10 @@
           </p:nvPr>
         </p:nvSpPr>
         <p:spPr>
+          <a:xfrm>
+            <a:off x="4494470" y="445025"/>
+            <a:ext cx="3999900" cy="4123850"/>
+          </a:xfrm>
           <a:ln>
             <a:solidFill>
               <a:schemeClr val="accent1"/>
@@ -9132,43 +9175,31 @@
               <a:buNone/>
             </a:pPr>
             <a:r>
-              <a:rPr lang="en-US" b="1" dirty="0" smtClean="0"/>
+              <a:rPr lang="en-US" sz="1100" b="1" dirty="0" smtClean="0"/>
               <a:t>Teams</a:t>
             </a:r>
+            <a:r>
+              <a:rPr lang="en-US" sz="1100" dirty="0" smtClean="0"/>
+              <a:t>:</a:t>
+            </a:r>
           </a:p>
           <a:p>
             <a:pPr marL="139700" indent="0">
               <a:buNone/>
             </a:pPr>
-            <a:endParaRPr lang="en-US" dirty="0"/>
+            <a:endParaRPr lang="en-US" sz="1100" dirty="0"/>
           </a:p>
           <a:p>
             <a:pPr marL="139700" indent="0">
               <a:buNone/>
             </a:pPr>
             <a:r>
-              <a:rPr lang="en-US" dirty="0" smtClean="0"/>
+              <a:rPr lang="en-US" sz="1100" dirty="0" smtClean="0"/>
               <a:t>Team </a:t>
             </a:r>
             <a:r>
-              <a:rPr lang="en-US" dirty="0"/>
-              <a:t>0: </a:t>
-            </a:r>
-            <a:r>
-              <a:rPr lang="en-US" dirty="0" err="1"/>
-              <a:t>Geron</a:t>
-            </a:r>
-            <a:r>
-              <a:rPr lang="en-US" dirty="0"/>
-              <a:t> </a:t>
-            </a:r>
-            <a:r>
-              <a:rPr lang="en-US" dirty="0" err="1"/>
-              <a:t>Aakash</a:t>
-            </a:r>
-            <a:r>
-              <a:rPr lang="en-US" dirty="0"/>
-              <a:t> Ben </a:t>
+              <a:rPr lang="en-US" sz="1100" dirty="0"/>
+              <a:t>0:  Reece D, Shane R, Brandon L, </a:t>
             </a:r>
           </a:p>
           <a:p>
@@ -9176,16 +9207,16 @@
               <a:buNone/>
             </a:pPr>
             <a:r>
-              <a:rPr lang="en-US" dirty="0"/>
-              <a:t>Team 1: Matt </a:t>
-            </a:r>
-            <a:r>
-              <a:rPr lang="en-US" dirty="0" err="1"/>
-              <a:t>Shamal</a:t>
-            </a:r>
-            <a:r>
-              <a:rPr lang="en-US" dirty="0"/>
-              <a:t> Gabe </a:t>
+              <a:rPr lang="en-US" sz="1100" dirty="0"/>
+              <a:t>Team 1:  Mikayla J, </a:t>
+            </a:r>
+            <a:r>
+              <a:rPr lang="en-US" sz="1100" dirty="0" err="1"/>
+              <a:t>Sedes</a:t>
+            </a:r>
+            <a:r>
+              <a:rPr lang="en-US" sz="1100" dirty="0"/>
+              <a:t>, Polly, </a:t>
             </a:r>
           </a:p>
           <a:p>
@@ -9193,24 +9224,8 @@
               <a:buNone/>
             </a:pPr>
             <a:r>
-              <a:rPr lang="en-US" dirty="0"/>
-              <a:t>Team 2: </a:t>
-            </a:r>
-            <a:r>
-              <a:rPr lang="en-US" dirty="0" err="1"/>
-              <a:t>David_M</a:t>
-            </a:r>
-            <a:r>
-              <a:rPr lang="en-US" dirty="0"/>
-              <a:t> Evelyn </a:t>
-            </a:r>
-            <a:r>
-              <a:rPr lang="en-US" dirty="0" err="1"/>
-              <a:t>David_P</a:t>
-            </a:r>
-            <a:r>
-              <a:rPr lang="en-US" dirty="0"/>
-              <a:t> </a:t>
+              <a:rPr lang="en-US" sz="1100" dirty="0"/>
+              <a:t>Team 2:  Mark Anthony, Nate Arthur, Michael, </a:t>
             </a:r>
           </a:p>
           <a:p>
@@ -9218,24 +9233,16 @@
               <a:buNone/>
             </a:pPr>
             <a:r>
-              <a:rPr lang="en-US" dirty="0"/>
-              <a:t>Team 3: Maurice </a:t>
-            </a:r>
-            <a:r>
-              <a:rPr lang="en-US" dirty="0" err="1"/>
-              <a:t>Kermalyn</a:t>
-            </a:r>
-            <a:r>
-              <a:rPr lang="en-US" dirty="0"/>
-              <a:t> </a:t>
-            </a:r>
-            <a:r>
-              <a:rPr lang="en-US" dirty="0" err="1"/>
-              <a:t>Shehjar</a:t>
-            </a:r>
-            <a:r>
-              <a:rPr lang="en-US" dirty="0"/>
-              <a:t> </a:t>
+              <a:rPr lang="en-US" sz="1100" dirty="0"/>
+              <a:t>Team 3:  Logan, John D., </a:t>
+            </a:r>
+            <a:r>
+              <a:rPr lang="en-US" sz="1100" dirty="0" err="1"/>
+              <a:t>Rotman</a:t>
+            </a:r>
+            <a:r>
+              <a:rPr lang="en-US" sz="1100" dirty="0"/>
+              <a:t> D, </a:t>
             </a:r>
           </a:p>
           <a:p>
@@ -9243,24 +9250,16 @@
               <a:buNone/>
             </a:pPr>
             <a:r>
-              <a:rPr lang="en-US" dirty="0"/>
-              <a:t>Team 4: </a:t>
-            </a:r>
-            <a:r>
-              <a:rPr lang="en-US" dirty="0" err="1"/>
-              <a:t>Susallin</a:t>
-            </a:r>
-            <a:r>
-              <a:rPr lang="en-US" dirty="0"/>
-              <a:t> </a:t>
-            </a:r>
-            <a:r>
-              <a:rPr lang="en-US" dirty="0" err="1"/>
-              <a:t>Harout</a:t>
-            </a:r>
-            <a:r>
-              <a:rPr lang="en-US" dirty="0"/>
-              <a:t> Baez </a:t>
+              <a:rPr lang="en-US" sz="1100" dirty="0"/>
+              <a:t>Team 4:  Eunice M, </a:t>
+            </a:r>
+            <a:r>
+              <a:rPr lang="en-US" sz="1100" dirty="0" err="1"/>
+              <a:t>Milucy</a:t>
+            </a:r>
+            <a:r>
+              <a:rPr lang="en-US" sz="1100" dirty="0"/>
+              <a:t> Freire, Thomas J, </a:t>
             </a:r>
           </a:p>
           <a:p>
@@ -9268,8 +9267,8 @@
               <a:buNone/>
             </a:pPr>
             <a:r>
-              <a:rPr lang="en-US" dirty="0"/>
-              <a:t>Team 5: Joe Alexander Kevin </a:t>
+              <a:rPr lang="en-US" sz="1100" dirty="0"/>
+              <a:t>Team 5:  Chris, Nicholas, Christopher P, </a:t>
             </a:r>
           </a:p>
           <a:p>
@@ -9277,8 +9276,8 @@
               <a:buNone/>
             </a:pPr>
             <a:r>
-              <a:rPr lang="en-US" dirty="0"/>
-              <a:t>Team 6: Aguilar Cory Peter </a:t>
+              <a:rPr lang="en-US" sz="1100" dirty="0"/>
+              <a:t>Team 6:  Eric T, Johnny V, Ian G, </a:t>
             </a:r>
           </a:p>
           <a:p>
@@ -9286,31 +9285,156 @@
               <a:buNone/>
             </a:pPr>
             <a:r>
-              <a:rPr lang="en-US" dirty="0"/>
-              <a:t>Team 7: </a:t>
-            </a:r>
-            <a:r>
-              <a:rPr lang="en-US" dirty="0" err="1"/>
-              <a:t>Najib</a:t>
-            </a:r>
-            <a:r>
-              <a:rPr lang="en-US" dirty="0"/>
-              <a:t> </a:t>
-            </a:r>
-            <a:r>
-              <a:rPr lang="en-US" dirty="0" err="1"/>
-              <a:t>Alber</a:t>
-            </a:r>
-            <a:r>
-              <a:rPr lang="en-US" dirty="0"/>
-              <a:t> Christopher </a:t>
+              <a:rPr lang="en-US" sz="1100" dirty="0"/>
+              <a:t>Team 7:  Jacob, John L, Josh David, </a:t>
             </a:r>
           </a:p>
           <a:p>
             <a:pPr marL="139700" indent="0">
               <a:buNone/>
             </a:pPr>
-            <a:endParaRPr lang="en-US" dirty="0"/>
+            <a:r>
+              <a:rPr lang="en-US" sz="1100" dirty="0"/>
+              <a:t>Team 8:  Kyle, John M., Andrew J, </a:t>
+            </a:r>
+          </a:p>
+          <a:p>
+            <a:pPr marL="139700" indent="0">
+              <a:buNone/>
+            </a:pPr>
+            <a:r>
+              <a:rPr lang="en-US" sz="1100" dirty="0"/>
+              <a:t>Team 9:  Chris Joseph, Sean M, Alec Kai, </a:t>
+            </a:r>
+          </a:p>
+          <a:p>
+            <a:pPr marL="139700" indent="0">
+              <a:buNone/>
+            </a:pPr>
+            <a:r>
+              <a:rPr lang="en-US" sz="1100" dirty="0"/>
+              <a:t>Team 10:  Liam Patrick, Max M, Sabrina N., </a:t>
+            </a:r>
+          </a:p>
+          <a:p>
+            <a:pPr marL="139700" indent="0">
+              <a:buNone/>
+            </a:pPr>
+            <a:r>
+              <a:rPr lang="en-US" sz="1100" dirty="0"/>
+              <a:t>Team 11:  Chen, Brevin </a:t>
+            </a:r>
+            <a:r>
+              <a:rPr lang="en-US" sz="1100" dirty="0" err="1"/>
+              <a:t>Kordel</a:t>
+            </a:r>
+            <a:r>
+              <a:rPr lang="en-US" sz="1100" dirty="0"/>
+              <a:t>, Jeffrey C, </a:t>
+            </a:r>
+          </a:p>
+          <a:p>
+            <a:pPr marL="139700" indent="0">
+              <a:buNone/>
+            </a:pPr>
+            <a:r>
+              <a:rPr lang="en-US" sz="1100" dirty="0"/>
+              <a:t>Team 12:  Aaron, Matthew R, Jack Francis, </a:t>
+            </a:r>
+          </a:p>
+          <a:p>
+            <a:pPr marL="139700" indent="0">
+              <a:buNone/>
+            </a:pPr>
+            <a:r>
+              <a:rPr lang="en-US" sz="1100" dirty="0"/>
+              <a:t>Team 13:  Lydia E, </a:t>
+            </a:r>
+            <a:r>
+              <a:rPr lang="en-US" sz="1100" dirty="0" err="1"/>
+              <a:t>HopeRose</a:t>
+            </a:r>
+            <a:r>
+              <a:rPr lang="en-US" sz="1100" dirty="0"/>
+              <a:t> Falco, Christopher K, </a:t>
+            </a:r>
+          </a:p>
+          <a:p>
+            <a:pPr marL="139700" indent="0">
+              <a:buNone/>
+            </a:pPr>
+            <a:r>
+              <a:rPr lang="en-US" sz="1100" dirty="0"/>
+              <a:t>Team 14:  Isaac Michael, Jacob Daniel, </a:t>
+            </a:r>
+            <a:r>
+              <a:rPr lang="en-US" sz="1100" dirty="0" err="1"/>
+              <a:t>Aman</a:t>
+            </a:r>
+            <a:r>
+              <a:rPr lang="en-US" sz="1100" dirty="0"/>
+              <a:t>, </a:t>
+            </a:r>
+          </a:p>
+          <a:p>
+            <a:pPr marL="139700" indent="0">
+              <a:buNone/>
+            </a:pPr>
+            <a:r>
+              <a:rPr lang="en-US" sz="1100" dirty="0"/>
+              <a:t>Team 15:  Kurtis, </a:t>
+            </a:r>
+            <a:r>
+              <a:rPr lang="en-US" sz="1100" dirty="0" err="1"/>
+              <a:t>Geoffroy</a:t>
+            </a:r>
+            <a:r>
+              <a:rPr lang="en-US" sz="1100" dirty="0"/>
+              <a:t> L, Anthony, </a:t>
+            </a:r>
+          </a:p>
+          <a:p>
+            <a:pPr marL="139700" indent="0">
+              <a:buNone/>
+            </a:pPr>
+            <a:r>
+              <a:rPr lang="en-US" sz="1100" dirty="0"/>
+              <a:t>Team 16:  Victoria, Cameron J, Cassie, </a:t>
+            </a:r>
+          </a:p>
+          <a:p>
+            <a:pPr marL="139700" indent="0">
+              <a:buNone/>
+            </a:pPr>
+            <a:r>
+              <a:rPr lang="en-US" sz="1100" dirty="0"/>
+              <a:t>Team 17:  Joe Peter, Alex M, </a:t>
+            </a:r>
+            <a:r>
+              <a:rPr lang="en-US" sz="1100" dirty="0" err="1"/>
+              <a:t>Eben</a:t>
+            </a:r>
+            <a:r>
+              <a:rPr lang="en-US" sz="1100" dirty="0"/>
+              <a:t>, </a:t>
+            </a:r>
+          </a:p>
+          <a:p>
+            <a:pPr marL="139700" indent="0">
+              <a:buNone/>
+            </a:pPr>
+            <a:r>
+              <a:rPr lang="en-US" sz="1100" dirty="0"/>
+              <a:t>Team 18:  </a:t>
+            </a:r>
+            <a:r>
+              <a:rPr lang="en-US" sz="1100" dirty="0" err="1"/>
+              <a:t>Fehmina</a:t>
+            </a:r>
+            <a:r>
+              <a:rPr lang="en-US" sz="1100" dirty="0"/>
+              <a:t>, Jessica,</a:t>
+            </a:r>
           </a:p>
         </p:txBody>
       </p:sp>
@@ -9674,6 +9798,13 @@
   <p:clrMapOvr>
     <a:masterClrMapping/>
   </p:clrMapOvr>
+  <p:timing>
+    <p:tnLst>
+      <p:par>
+        <p:cTn id="1" dur="indefinite" restart="never" nodeType="tmRoot"/>
+      </p:par>
+    </p:tnLst>
+  </p:timing>
 </p:sld>
 </file>
 
@@ -9836,6 +9967,13 @@
   <p:clrMapOvr>
     <a:masterClrMapping/>
   </p:clrMapOvr>
+  <p:timing>
+    <p:tnLst>
+      <p:par>
+        <p:cTn id="1" dur="indefinite" restart="never" nodeType="tmRoot"/>
+      </p:par>
+    </p:tnLst>
+  </p:timing>
 </p:sld>
 </file>
 
@@ -10007,6 +10145,13 @@
   <p:clrMapOvr>
     <a:masterClrMapping/>
   </p:clrMapOvr>
+  <p:timing>
+    <p:tnLst>
+      <p:par>
+        <p:cTn id="1" dur="indefinite" restart="never" nodeType="tmRoot"/>
+      </p:par>
+    </p:tnLst>
+  </p:timing>
 </p:sld>
 </file>
 
@@ -10187,6 +10332,13 @@
   <p:clrMapOvr>
     <a:masterClrMapping/>
   </p:clrMapOvr>
+  <p:timing>
+    <p:tnLst>
+      <p:par>
+        <p:cTn id="1" dur="indefinite" restart="never" nodeType="tmRoot"/>
+      </p:par>
+    </p:tnLst>
+  </p:timing>
 </p:sld>
 </file>
 
@@ -10378,6 +10530,13 @@
   <p:clrMapOvr>
     <a:masterClrMapping/>
   </p:clrMapOvr>
+  <p:timing>
+    <p:tnLst>
+      <p:par>
+        <p:cTn id="1" dur="indefinite" restart="never" nodeType="tmRoot"/>
+      </p:par>
+    </p:tnLst>
+  </p:timing>
 </p:sld>
 </file>
 
@@ -10473,6 +10632,13 @@
   <p:clrMapOvr>
     <a:masterClrMapping/>
   </p:clrMapOvr>
+  <p:timing>
+    <p:tnLst>
+      <p:par>
+        <p:cTn id="1" dur="indefinite" restart="never" nodeType="tmRoot"/>
+      </p:par>
+    </p:tnLst>
+  </p:timing>
 </p:sld>
 </file>
 
@@ -10650,6 +10816,13 @@
   <p:clrMapOvr>
     <a:masterClrMapping/>
   </p:clrMapOvr>
+  <p:timing>
+    <p:tnLst>
+      <p:par>
+        <p:cTn id="1" dur="indefinite" restart="never" nodeType="tmRoot"/>
+      </p:par>
+    </p:tnLst>
+  </p:timing>
 </p:sld>
 </file>
 
@@ -10853,6 +11026,13 @@
   <p:clrMapOvr>
     <a:masterClrMapping/>
   </p:clrMapOvr>
+  <p:timing>
+    <p:tnLst>
+      <p:par>
+        <p:cTn id="1" dur="indefinite" restart="never" nodeType="tmRoot"/>
+      </p:par>
+    </p:tnLst>
+  </p:timing>
 </p:sld>
 </file>
 

--- a/12-models-3.pptx
+++ b/12-models-3.pptx
@@ -8734,6 +8734,13 @@
   <p:clrMapOvr>
     <a:masterClrMapping/>
   </p:clrMapOvr>
+  <p:timing>
+    <p:tnLst>
+      <p:par>
+        <p:cTn id="1" dur="indefinite" restart="never" nodeType="tmRoot"/>
+      </p:par>
+    </p:tnLst>
+  </p:timing>
 </p:sld>
 </file>
 
@@ -9021,6 +9028,13 @@
   <p:clrMapOvr>
     <a:masterClrMapping/>
   </p:clrMapOvr>
+  <p:timing>
+    <p:tnLst>
+      <p:par>
+        <p:cTn id="1" dur="indefinite" restart="never" nodeType="tmRoot"/>
+      </p:par>
+    </p:tnLst>
+  </p:timing>
 </p:sld>
 </file>
 
@@ -9448,6 +9462,13 @@
   <p:clrMapOvr>
     <a:masterClrMapping/>
   </p:clrMapOvr>
+  <p:timing>
+    <p:tnLst>
+      <p:par>
+        <p:cTn id="1" dur="indefinite" restart="never" nodeType="tmRoot"/>
+      </p:par>
+    </p:tnLst>
+  </p:timing>
 </p:sld>
 </file>
 

--- a/12-models-3.pptx
+++ b/12-models-3.pptx
@@ -7672,10 +7672,10 @@
               <a:buNone/>
             </a:pPr>
             <a:r>
-              <a:rPr lang="en"/>
+              <a:rPr lang="en" dirty="0"/>
               <a:t>given data set D</a:t>
             </a:r>
-            <a:endParaRPr/>
+            <a:endParaRPr dirty="0"/>
           </a:p>
           <a:p>
             <a:pPr marL="0" lvl="0" indent="0" rtl="0">
@@ -7688,31 +7688,79 @@
               <a:buNone/>
             </a:pPr>
             <a:r>
-              <a:rPr lang="en"/>
+              <a:rPr lang="en" dirty="0"/>
               <a:t>given model M</a:t>
             </a:r>
             <a:br>
-              <a:rPr lang="en"/>
+              <a:rPr lang="en" dirty="0"/>
             </a:br>
             <a:r>
-              <a:rPr lang="en"/>
-              <a:t>for i = 1 to 200 do</a:t>
+              <a:rPr lang="en" dirty="0"/>
+              <a:t>for </a:t>
+            </a:r>
+            <a:r>
+              <a:rPr lang="en" dirty="0" err="1"/>
+              <a:t>i</a:t>
+            </a:r>
+            <a:r>
+              <a:rPr lang="en" dirty="0"/>
+              <a:t> = 1 to 200 do</a:t>
             </a:r>
             <a:br>
-              <a:rPr lang="en"/>
+              <a:rPr lang="en" dirty="0"/>
             </a:br>
             <a:r>
-              <a:rPr lang="en"/>
-              <a:t>     B[i] ← sample D with replacement, note |B[i]| = |D|.</a:t>
+              <a:rPr lang="en" dirty="0"/>
+              <a:t>     B[</a:t>
+            </a:r>
+            <a:r>
+              <a:rPr lang="en" dirty="0" err="1"/>
+              <a:t>i</a:t>
+            </a:r>
+            <a:r>
+              <a:rPr lang="en" dirty="0"/>
+              <a:t>] ← sample D with replacement, note |B[</a:t>
+            </a:r>
+            <a:r>
+              <a:rPr lang="en" dirty="0" err="1"/>
+              <a:t>i</a:t>
+            </a:r>
+            <a:r>
+              <a:rPr lang="en" dirty="0"/>
+              <a:t>]| = |D|.</a:t>
             </a:r>
             <a:br>
-              <a:rPr lang="en"/>
+              <a:rPr lang="en" dirty="0"/>
             </a:br>
             <a:r>
-              <a:rPr lang="en"/>
-              <a:t>     acc[i] ← compute model M accuracy for B[i]. </a:t>
-            </a:r>
-            <a:endParaRPr/>
+              <a:rPr lang="en" dirty="0"/>
+              <a:t>     </a:t>
+            </a:r>
+            <a:r>
+              <a:rPr lang="en" dirty="0" err="1"/>
+              <a:t>acc</a:t>
+            </a:r>
+            <a:r>
+              <a:rPr lang="en" dirty="0"/>
+              <a:t>[</a:t>
+            </a:r>
+            <a:r>
+              <a:rPr lang="en" dirty="0" err="1"/>
+              <a:t>i</a:t>
+            </a:r>
+            <a:r>
+              <a:rPr lang="en" dirty="0"/>
+              <a:t>] ← compute model M accuracy for B[</a:t>
+            </a:r>
+            <a:r>
+              <a:rPr lang="en" dirty="0" err="1"/>
+              <a:t>i</a:t>
+            </a:r>
+            <a:r>
+              <a:rPr lang="en" dirty="0"/>
+              <a:t>]. </a:t>
+            </a:r>
+            <a:endParaRPr dirty="0"/>
           </a:p>
           <a:p>
             <a:pPr marL="0" lvl="0" indent="0" rtl="0">
@@ -7725,24 +7773,44 @@
               <a:buNone/>
             </a:pPr>
             <a:r>
-              <a:rPr lang="en"/>
+              <a:rPr lang="en" dirty="0"/>
               <a:t>end for</a:t>
             </a:r>
             <a:br>
-              <a:rPr lang="en"/>
+              <a:rPr lang="en" dirty="0"/>
             </a:br>
             <a:r>
-              <a:rPr lang="en"/>
-              <a:t>sort acc in ascending fashion</a:t>
+              <a:rPr lang="en" dirty="0"/>
+              <a:t>sort </a:t>
+            </a:r>
+            <a:r>
+              <a:rPr lang="en" dirty="0" err="1"/>
+              <a:t>acc</a:t>
+            </a:r>
+            <a:r>
+              <a:rPr lang="en" dirty="0"/>
+              <a:t> in ascending fashion</a:t>
             </a:r>
             <a:br>
-              <a:rPr lang="en"/>
+              <a:rPr lang="en" dirty="0"/>
             </a:br>
             <a:r>
-              <a:rPr lang="en"/>
-              <a:t>ub ← percentile(acc, 97.5)</a:t>
-            </a:r>
-            <a:endParaRPr/>
+              <a:rPr lang="en" dirty="0" err="1"/>
+              <a:t>ub</a:t>
+            </a:r>
+            <a:r>
+              <a:rPr lang="en" dirty="0"/>
+              <a:t> ← percentile(</a:t>
+            </a:r>
+            <a:r>
+              <a:rPr lang="en" dirty="0" err="1"/>
+              <a:t>acc</a:t>
+            </a:r>
+            <a:r>
+              <a:rPr lang="en" dirty="0"/>
+              <a:t>, 97.5)</a:t>
+            </a:r>
+            <a:endParaRPr dirty="0"/>
           </a:p>
           <a:p>
             <a:pPr marL="0" lvl="0" indent="0" rtl="0">
@@ -7755,10 +7823,22 @@
               <a:buNone/>
             </a:pPr>
             <a:r>
-              <a:rPr lang="en"/>
-              <a:t>lb ← percentile(acc, 2.5)</a:t>
-            </a:r>
-            <a:endParaRPr/>
+              <a:rPr lang="en" dirty="0" err="1"/>
+              <a:t>lb</a:t>
+            </a:r>
+            <a:r>
+              <a:rPr lang="en" dirty="0"/>
+              <a:t> ← percentile(</a:t>
+            </a:r>
+            <a:r>
+              <a:rPr lang="en" dirty="0" err="1"/>
+              <a:t>acc</a:t>
+            </a:r>
+            <a:r>
+              <a:rPr lang="en" dirty="0"/>
+              <a:t>, 2.5)</a:t>
+            </a:r>
+            <a:endParaRPr dirty="0"/>
           </a:p>
           <a:p>
             <a:pPr marL="0" lvl="0" indent="0" rtl="0">
@@ -7771,10 +7851,26 @@
               <a:buNone/>
             </a:pPr>
             <a:r>
-              <a:rPr lang="en"/>
-              <a:t>return (lb, ub)</a:t>
-            </a:r>
-            <a:endParaRPr/>
+              <a:rPr lang="en" dirty="0"/>
+              <a:t>return (</a:t>
+            </a:r>
+            <a:r>
+              <a:rPr lang="en" dirty="0" err="1"/>
+              <a:t>lb</a:t>
+            </a:r>
+            <a:r>
+              <a:rPr lang="en" dirty="0"/>
+              <a:t>, </a:t>
+            </a:r>
+            <a:r>
+              <a:rPr lang="en" dirty="0" err="1"/>
+              <a:t>ub</a:t>
+            </a:r>
+            <a:r>
+              <a:rPr lang="en" dirty="0"/>
+              <a:t>)</a:t>
+            </a:r>
+            <a:endParaRPr dirty="0"/>
           </a:p>
         </p:txBody>
       </p:sp>
@@ -8505,10 +8601,10 @@
               <a:buNone/>
             </a:pPr>
             <a:r>
-              <a:rPr lang="en"/>
+              <a:rPr lang="en" dirty="0"/>
               <a:t>Confidence Intervals</a:t>
             </a:r>
-            <a:endParaRPr/>
+            <a:endParaRPr dirty="0"/>
           </a:p>
         </p:txBody>
       </p:sp>
@@ -8555,10 +8651,18 @@
               <a:buNone/>
             </a:pPr>
             <a:r>
-              <a:rPr lang="en"/>
-              <a:t>   from sklearn import tree</a:t>
-            </a:r>
-            <a:endParaRPr/>
+              <a:rPr lang="en" dirty="0"/>
+              <a:t>   from </a:t>
+            </a:r>
+            <a:r>
+              <a:rPr lang="en" dirty="0" err="1"/>
+              <a:t>sklearn</a:t>
+            </a:r>
+            <a:r>
+              <a:rPr lang="en" dirty="0"/>
+              <a:t> import tree</a:t>
+            </a:r>
+            <a:endParaRPr dirty="0"/>
           </a:p>
           <a:p>
             <a:pPr marL="0" lvl="0" indent="0">
@@ -8571,10 +8675,10 @@
               <a:buNone/>
             </a:pPr>
             <a:r>
-              <a:rPr lang="en"/>
+              <a:rPr lang="en" dirty="0"/>
               <a:t>   from bootstrap import bootstrap</a:t>
             </a:r>
-            <a:endParaRPr/>
+            <a:endParaRPr dirty="0"/>
           </a:p>
           <a:p>
             <a:pPr marL="0" lvl="0" indent="0">
@@ -8587,53 +8691,117 @@
               <a:buNone/>
             </a:pPr>
             <a:r>
-              <a:rPr lang="en"/>
+              <a:rPr lang="en" dirty="0"/>
               <a:t/>
             </a:r>
             <a:br>
-              <a:rPr lang="en"/>
+              <a:rPr lang="en" dirty="0"/>
             </a:br>
             <a:r>
-              <a:rPr lang="en"/>
-              <a:t>   t1 = tree.DecisionTreeClassifier(criterion='entropy', max_depth=3)</a:t>
+              <a:rPr lang="en" dirty="0"/>
+              <a:t>   t1 = </a:t>
+            </a:r>
+            <a:r>
+              <a:rPr lang="en" dirty="0" err="1"/>
+              <a:t>tree.DecisionTreeClassifier</a:t>
+            </a:r>
+            <a:r>
+              <a:rPr lang="en" dirty="0"/>
+              <a:t>(criterion='entropy', </a:t>
+            </a:r>
+            <a:r>
+              <a:rPr lang="en" dirty="0" err="1"/>
+              <a:t>max_depth</a:t>
+            </a:r>
+            <a:r>
+              <a:rPr lang="en" dirty="0"/>
+              <a:t>=3)</a:t>
             </a:r>
             <a:br>
-              <a:rPr lang="en"/>
+              <a:rPr lang="en" dirty="0"/>
             </a:br>
             <a:r>
-              <a:rPr lang="en"/>
-              <a:t>   t2 = tree.DecisionTreeClassifier(criterion='entropy', max_depth=None)</a:t>
+              <a:rPr lang="en" dirty="0"/>
+              <a:t>   t2 = </a:t>
+            </a:r>
+            <a:r>
+              <a:rPr lang="en" dirty="0" err="1"/>
+              <a:t>tree.DecisionTreeClassifier</a:t>
+            </a:r>
+            <a:r>
+              <a:rPr lang="en" dirty="0"/>
+              <a:t>(criterion='entropy', </a:t>
+            </a:r>
+            <a:r>
+              <a:rPr lang="en" dirty="0" err="1"/>
+              <a:t>max_depth</a:t>
+            </a:r>
+            <a:r>
+              <a:rPr lang="en" dirty="0"/>
+              <a:t>=None)</a:t>
             </a:r>
             <a:br>
-              <a:rPr lang="en"/>
+              <a:rPr lang="en" dirty="0"/>
             </a:br>
             <a:r>
-              <a:rPr lang="en"/>
+              <a:rPr lang="en" dirty="0"/>
               <a:t/>
             </a:r>
             <a:br>
-              <a:rPr lang="en"/>
+              <a:rPr lang="en" dirty="0"/>
             </a:br>
             <a:r>
-              <a:rPr lang="en"/>
+              <a:rPr lang="en" dirty="0"/>
               <a:t>   print("******** iris ***********")</a:t>
             </a:r>
             <a:br>
-              <a:rPr lang="en"/>
+              <a:rPr lang="en" dirty="0"/>
             </a:br>
             <a:r>
-              <a:rPr lang="en"/>
-              <a:t>   df = pd.read_csv("iris.csv")</a:t>
+              <a:rPr lang="en" dirty="0"/>
+              <a:t>   </a:t>
+            </a:r>
+            <a:r>
+              <a:rPr lang="en" dirty="0" err="1"/>
+              <a:t>df</a:t>
+            </a:r>
+            <a:r>
+              <a:rPr lang="en" dirty="0"/>
+              <a:t> = </a:t>
+            </a:r>
+            <a:r>
+              <a:rPr lang="en" dirty="0" err="1"/>
+              <a:t>pd.read_csv</a:t>
+            </a:r>
+            <a:r>
+              <a:rPr lang="en" dirty="0"/>
+              <a:t>("</a:t>
+            </a:r>
+            <a:r>
+              <a:rPr lang="en" dirty="0" err="1"/>
+              <a:t>iris.csv</a:t>
+            </a:r>
+            <a:r>
+              <a:rPr lang="en" dirty="0"/>
+              <a:t>")</a:t>
             </a:r>
             <a:br>
-              <a:rPr lang="en"/>
+              <a:rPr lang="en" dirty="0"/>
             </a:br>
             <a:r>
-              <a:rPr lang="en"/>
-              <a:t>   print("Confidence interval max_depth=3: {}".format(</a:t>
-            </a:r>
-            <a:r>
-              <a:rPr lang="en">
+              <a:rPr lang="en" dirty="0"/>
+              <a:t>   print("Confidence interval </a:t>
+            </a:r>
+            <a:r>
+              <a:rPr lang="en" dirty="0" err="1"/>
+              <a:t>max_depth</a:t>
+            </a:r>
+            <a:r>
+              <a:rPr lang="en" dirty="0"/>
+              <a:t>=3: {}".format(</a:t>
+            </a:r>
+            <a:r>
+              <a:rPr lang="en" dirty="0">
                 <a:solidFill>
                   <a:srgbClr val="FF0000"/>
                 </a:solidFill>
@@ -8641,18 +8809,26 @@
               <a:t>bootstrap</a:t>
             </a:r>
             <a:r>
-              <a:rPr lang="en"/>
+              <a:rPr lang="en" dirty="0"/>
               <a:t>(t1,df,'Species')))</a:t>
             </a:r>
             <a:br>
-              <a:rPr lang="en"/>
+              <a:rPr lang="en" dirty="0"/>
             </a:br>
             <a:r>
-              <a:rPr lang="en"/>
-              <a:t>   print("Confidence interval max_depth=None: {}".format(</a:t>
-            </a:r>
-            <a:r>
-              <a:rPr lang="en">
+              <a:rPr lang="en" dirty="0"/>
+              <a:t>   print("Confidence interval </a:t>
+            </a:r>
+            <a:r>
+              <a:rPr lang="en" dirty="0" err="1"/>
+              <a:t>max_depth</a:t>
+            </a:r>
+            <a:r>
+              <a:rPr lang="en" dirty="0"/>
+              <a:t>=None: {}".format(</a:t>
+            </a:r>
+            <a:r>
+              <a:rPr lang="en" dirty="0">
                 <a:solidFill>
                   <a:srgbClr val="FF0000"/>
                 </a:solidFill>
@@ -8660,39 +8836,71 @@
               <a:t>bootstrap</a:t>
             </a:r>
             <a:r>
-              <a:rPr lang="en"/>
+              <a:rPr lang="en" dirty="0"/>
               <a:t>(t2,df,'Species')))</a:t>
             </a:r>
             <a:br>
-              <a:rPr lang="en"/>
+              <a:rPr lang="en" dirty="0"/>
             </a:br>
             <a:r>
-              <a:rPr lang="en"/>
+              <a:rPr lang="en" dirty="0"/>
               <a:t/>
             </a:r>
             <a:br>
-              <a:rPr lang="en"/>
+              <a:rPr lang="en" dirty="0"/>
             </a:br>
             <a:r>
-              <a:rPr lang="en"/>
+              <a:rPr lang="en" dirty="0"/>
               <a:t>   print("******** abalone ***********")</a:t>
             </a:r>
             <a:br>
-              <a:rPr lang="en"/>
+              <a:rPr lang="en" dirty="0"/>
             </a:br>
             <a:r>
-              <a:rPr lang="en"/>
-              <a:t>   df = pd.read_csv("abalone.csv")</a:t>
+              <a:rPr lang="en" dirty="0"/>
+              <a:t>   </a:t>
+            </a:r>
+            <a:r>
+              <a:rPr lang="en" dirty="0" err="1"/>
+              <a:t>df</a:t>
+            </a:r>
+            <a:r>
+              <a:rPr lang="en" dirty="0"/>
+              <a:t> = </a:t>
+            </a:r>
+            <a:r>
+              <a:rPr lang="en" dirty="0" err="1"/>
+              <a:t>pd.read_csv</a:t>
+            </a:r>
+            <a:r>
+              <a:rPr lang="en" dirty="0"/>
+              <a:t>("</a:t>
+            </a:r>
+            <a:r>
+              <a:rPr lang="en" dirty="0" err="1"/>
+              <a:t>abalone.csv</a:t>
+            </a:r>
+            <a:r>
+              <a:rPr lang="en" dirty="0"/>
+              <a:t>")</a:t>
             </a:r>
             <a:br>
-              <a:rPr lang="en"/>
+              <a:rPr lang="en" dirty="0"/>
             </a:br>
             <a:r>
-              <a:rPr lang="en"/>
-              <a:t>   print("Confidence interval max_depth=3: {}".format(</a:t>
-            </a:r>
-            <a:r>
-              <a:rPr lang="en">
+              <a:rPr lang="en" dirty="0"/>
+              <a:t>   print("Confidence interval </a:t>
+            </a:r>
+            <a:r>
+              <a:rPr lang="en" dirty="0" err="1"/>
+              <a:t>max_depth</a:t>
+            </a:r>
+            <a:r>
+              <a:rPr lang="en" dirty="0"/>
+              <a:t>=3: {}".format(</a:t>
+            </a:r>
+            <a:r>
+              <a:rPr lang="en" dirty="0">
                 <a:solidFill>
                   <a:srgbClr val="FF0000"/>
                 </a:solidFill>
@@ -8700,18 +8908,26 @@
               <a:t>bootstrap</a:t>
             </a:r>
             <a:r>
-              <a:rPr lang="en"/>
+              <a:rPr lang="en" dirty="0"/>
               <a:t>(t1,df,'sex')))</a:t>
             </a:r>
             <a:br>
-              <a:rPr lang="en"/>
+              <a:rPr lang="en" dirty="0"/>
             </a:br>
             <a:r>
-              <a:rPr lang="en"/>
-              <a:t>   print("Confidence interval max_depth=None: {}".format(</a:t>
-            </a:r>
-            <a:r>
-              <a:rPr lang="en">
+              <a:rPr lang="en" dirty="0"/>
+              <a:t>   print("Confidence interval </a:t>
+            </a:r>
+            <a:r>
+              <a:rPr lang="en" dirty="0" err="1"/>
+              <a:t>max_depth</a:t>
+            </a:r>
+            <a:r>
+              <a:rPr lang="en" dirty="0"/>
+              <a:t>=None: {}".format(</a:t>
+            </a:r>
+            <a:r>
+              <a:rPr lang="en" dirty="0">
                 <a:solidFill>
                   <a:srgbClr val="FF0000"/>
                 </a:solidFill>
@@ -8719,13 +8935,13 @@
               <a:t>bootstrap</a:t>
             </a:r>
             <a:r>
-              <a:rPr lang="en"/>
+              <a:rPr lang="en" dirty="0"/>
               <a:t>(t2,df,'sex')))</a:t>
             </a:r>
             <a:br>
-              <a:rPr lang="en"/>
+              <a:rPr lang="en" dirty="0"/>
             </a:br>
-            <a:endParaRPr/>
+            <a:endParaRPr dirty="0"/>
           </a:p>
         </p:txBody>
       </p:sp>
@@ -9771,15 +9987,23 @@
               <a:buNone/>
             </a:pPr>
             <a:r>
-              <a:rPr lang="en">
+              <a:rPr lang="en" dirty="0">
                 <a:solidFill>
                   <a:schemeClr val="dk2"/>
                 </a:solidFill>
               </a:rPr>
-              <a:t>We are 95% percent sure that our accuracy acc</a:t>
-            </a:r>
-            <a:r>
-              <a:rPr lang="en" baseline="-25000">
+              <a:t>We are 95% percent sure that our accuracy </a:t>
+            </a:r>
+            <a:r>
+              <a:rPr lang="en" dirty="0" err="1">
+                <a:solidFill>
+                  <a:schemeClr val="dk2"/>
+                </a:solidFill>
+              </a:rPr>
+              <a:t>acc</a:t>
+            </a:r>
+            <a:r>
+              <a:rPr lang="en" baseline="-25000" dirty="0" err="1">
                 <a:solidFill>
                   <a:schemeClr val="dk2"/>
                 </a:solidFill>
@@ -9787,14 +10011,46 @@
               <a:t>D</a:t>
             </a:r>
             <a:r>
-              <a:rPr lang="en">
+              <a:rPr lang="en" dirty="0">
                 <a:solidFill>
                   <a:schemeClr val="dk2"/>
                 </a:solidFill>
               </a:rPr>
-              <a:t> is not worse than lb and not better than ub.</a:t>
-            </a:r>
-            <a:endParaRPr>
+              <a:t> is not worse than </a:t>
+            </a:r>
+            <a:r>
+              <a:rPr lang="en" dirty="0" err="1">
+                <a:solidFill>
+                  <a:schemeClr val="dk2"/>
+                </a:solidFill>
+              </a:rPr>
+              <a:t>lb</a:t>
+            </a:r>
+            <a:r>
+              <a:rPr lang="en" dirty="0">
+                <a:solidFill>
+                  <a:schemeClr val="dk2"/>
+                </a:solidFill>
+              </a:rPr>
+              <a:t> and not better than </a:t>
+            </a:r>
+            <a:r>
+              <a:rPr lang="en" dirty="0" err="1">
+                <a:solidFill>
+                  <a:schemeClr val="dk2"/>
+                </a:solidFill>
+              </a:rPr>
+              <a:t>ub</a:t>
+            </a:r>
+            <a:r>
+              <a:rPr lang="en" dirty="0">
+                <a:solidFill>
+                  <a:schemeClr val="dk2"/>
+                </a:solidFill>
+              </a:rPr>
+              <a:t>.</a:t>
+            </a:r>
+            <a:endParaRPr dirty="0">
               <a:solidFill>
                 <a:schemeClr val="dk2"/>
               </a:solidFill>
@@ -9810,7 +10066,7 @@
               </a:spcAft>
               <a:buNone/>
             </a:pPr>
-            <a:endParaRPr/>
+            <a:endParaRPr dirty="0"/>
           </a:p>
         </p:txBody>
       </p:sp>
